--- a/source/Security/images_Authentication/materialAuthentication.pptx
+++ b/source/Security/images_Authentication/materialAuthentication.pptx
@@ -5,7 +5,7 @@
     <p:sldMasterId id="2147483648" r:id="rId1"/>
   </p:sldMasterIdLst>
   <p:notesMasterIdLst>
-    <p:notesMasterId r:id="rId8"/>
+    <p:notesMasterId r:id="rId9"/>
   </p:notesMasterIdLst>
   <p:sldIdLst>
     <p:sldId id="261" r:id="rId2"/>
@@ -14,6 +14,7 @@
     <p:sldId id="262" r:id="rId5"/>
     <p:sldId id="259" r:id="rId6"/>
     <p:sldId id="260" r:id="rId7"/>
+    <p:sldId id="264" r:id="rId8"/>
   </p:sldIdLst>
   <p:sldSz cx="9144000" cy="6858000" type="screen4x3"/>
   <p:notesSz cx="6858000" cy="9144000"/>
@@ -115,12 +116,12 @@
   <p:extLst>
     <p:ext uri="{EFAFB233-063F-42B5-8137-9DF3F51BA10A}">
       <p15:sldGuideLst xmlns:p15="http://schemas.microsoft.com/office/powerpoint/2012/main">
-        <p15:guide id="1" orient="horz" pos="2160">
+        <p15:guide id="1" orient="horz" pos="2160" userDrawn="1">
           <p15:clr>
             <a:srgbClr val="A4A3A4"/>
           </p15:clr>
         </p15:guide>
-        <p15:guide id="2" pos="2880">
+        <p15:guide id="2" pos="2880" userDrawn="1">
           <p15:clr>
             <a:srgbClr val="A4A3A4"/>
           </p15:clr>
@@ -1000,6 +1001,52 @@
       <dsp:cNvGrpSpPr/>
     </dsp:nvGrpSpPr>
     <dsp:grpSpPr/>
+    <dsp:sp modelId="{C8ADD89D-0B04-409D-ABF7-5309F3F3B6FF}">
+      <dsp:nvSpPr>
+        <dsp:cNvPr id="0" name=""/>
+        <dsp:cNvSpPr/>
+      </dsp:nvSpPr>
+      <dsp:spPr>
+        <a:xfrm>
+          <a:off x="538404" y="0"/>
+          <a:ext cx="6101914" cy="2581321"/>
+        </a:xfrm>
+        <a:prstGeom prst="rightArrow">
+          <a:avLst/>
+        </a:prstGeom>
+        <a:solidFill>
+          <a:schemeClr val="dk2">
+            <a:tint val="40000"/>
+            <a:hueOff val="0"/>
+            <a:satOff val="0"/>
+            <a:lumOff val="0"/>
+            <a:alphaOff val="0"/>
+          </a:schemeClr>
+        </a:solidFill>
+        <a:ln>
+          <a:noFill/>
+        </a:ln>
+        <a:effectLst>
+          <a:outerShdw blurRad="40000" dist="20000" dir="5400000" rotWithShape="0">
+            <a:srgbClr val="000000">
+              <a:alpha val="38000"/>
+            </a:srgbClr>
+          </a:outerShdw>
+        </a:effectLst>
+      </dsp:spPr>
+      <dsp:style>
+        <a:lnRef idx="0">
+          <a:scrgbClr r="0" g="0" b="0"/>
+        </a:lnRef>
+        <a:fillRef idx="1">
+          <a:scrgbClr r="0" g="0" b="0"/>
+        </a:fillRef>
+        <a:effectRef idx="1">
+          <a:scrgbClr r="0" g="0" b="0"/>
+        </a:effectRef>
+        <a:fontRef idx="minor"/>
+      </dsp:style>
+    </dsp:sp>
   </dsp:spTree>
 </dsp:drawing>
 </file>
@@ -2301,7 +2348,7 @@
             <a:fld id="{3BB47352-BF5A-4CD2-B029-996118CD8E01}" type="datetimeFigureOut">
               <a:rPr kumimoji="1" lang="ja-JP" altLang="en-US" smtClean="0"/>
               <a:pPr/>
-              <a:t>2016/2/12</a:t>
+              <a:t>2018/9/11</a:t>
             </a:fld>
             <a:endParaRPr kumimoji="1" lang="ja-JP" altLang="en-US"/>
           </a:p>
@@ -2629,7 +2676,12 @@
             <p:ph type="sldImg"/>
           </p:nvPr>
         </p:nvSpPr>
-        <p:spPr/>
+        <p:spPr>
+          <a:xfrm>
+            <a:off x="1143000" y="685800"/>
+            <a:ext cx="4572000" cy="3429000"/>
+          </a:xfrm>
+        </p:spPr>
       </p:sp>
       <p:sp>
         <p:nvSpPr>
@@ -2716,7 +2768,7 @@
         </p:nvSpPr>
         <p:spPr>
           <a:xfrm>
-            <a:off x="685800" y="2130425"/>
+            <a:off x="685800" y="2130427"/>
             <a:ext cx="7772400" cy="1470025"/>
           </a:xfrm>
         </p:spPr>
@@ -2869,7 +2921,7 @@
             <a:fld id="{7B9B12EC-6AA0-374B-A2D3-850081A07A26}" type="datetimeFigureOut">
               <a:rPr kumimoji="1" lang="ja-JP" altLang="en-US" smtClean="0"/>
               <a:pPr/>
-              <a:t>2016/2/12</a:t>
+              <a:t>2018/9/11</a:t>
             </a:fld>
             <a:endParaRPr kumimoji="1" lang="ja-JP" altLang="en-US"/>
           </a:p>
@@ -3073,7 +3125,7 @@
             <a:fld id="{7B9B12EC-6AA0-374B-A2D3-850081A07A26}" type="datetimeFigureOut">
               <a:rPr kumimoji="1" lang="ja-JP" altLang="en-US" smtClean="0"/>
               <a:pPr/>
-              <a:t>2016/2/12</a:t>
+              <a:t>2018/9/11</a:t>
             </a:fld>
             <a:endParaRPr kumimoji="1" lang="ja-JP" altLang="en-US"/>
           </a:p>
@@ -3164,7 +3216,7 @@
         </p:nvSpPr>
         <p:spPr>
           <a:xfrm>
-            <a:off x="6629400" y="274638"/>
+            <a:off x="6629400" y="274640"/>
             <a:ext cx="2057400" cy="5851525"/>
           </a:xfrm>
         </p:spPr>
@@ -3192,7 +3244,7 @@
         </p:nvSpPr>
         <p:spPr>
           <a:xfrm>
-            <a:off x="457200" y="274638"/>
+            <a:off x="457200" y="274640"/>
             <a:ext cx="6019800" cy="5851525"/>
           </a:xfrm>
         </p:spPr>
@@ -3287,7 +3339,7 @@
             <a:fld id="{7B9B12EC-6AA0-374B-A2D3-850081A07A26}" type="datetimeFigureOut">
               <a:rPr kumimoji="1" lang="ja-JP" altLang="en-US" smtClean="0"/>
               <a:pPr/>
-              <a:t>2016/2/12</a:t>
+              <a:t>2018/9/11</a:t>
             </a:fld>
             <a:endParaRPr kumimoji="1" lang="ja-JP" altLang="en-US"/>
           </a:p>
@@ -3491,7 +3543,7 @@
             <a:fld id="{7B9B12EC-6AA0-374B-A2D3-850081A07A26}" type="datetimeFigureOut">
               <a:rPr kumimoji="1" lang="ja-JP" altLang="en-US" smtClean="0"/>
               <a:pPr/>
-              <a:t>2016/2/12</a:t>
+              <a:t>2018/9/11</a:t>
             </a:fld>
             <a:endParaRPr kumimoji="1" lang="ja-JP" altLang="en-US"/>
           </a:p>
@@ -3582,7 +3634,7 @@
         </p:nvSpPr>
         <p:spPr>
           <a:xfrm>
-            <a:off x="722313" y="4406900"/>
+            <a:off x="722313" y="4406902"/>
             <a:ext cx="7772400" cy="1362075"/>
           </a:xfrm>
         </p:spPr>
@@ -3739,7 +3791,7 @@
             <a:fld id="{7B9B12EC-6AA0-374B-A2D3-850081A07A26}" type="datetimeFigureOut">
               <a:rPr kumimoji="1" lang="ja-JP" altLang="en-US" smtClean="0"/>
               <a:pPr/>
-              <a:t>2016/2/12</a:t>
+              <a:t>2018/9/11</a:t>
             </a:fld>
             <a:endParaRPr kumimoji="1" lang="ja-JP" altLang="en-US"/>
           </a:p>
@@ -3853,7 +3905,7 @@
         </p:nvSpPr>
         <p:spPr>
           <a:xfrm>
-            <a:off x="457200" y="1600200"/>
+            <a:off x="457200" y="1600202"/>
             <a:ext cx="4038600" cy="4525963"/>
           </a:xfrm>
         </p:spPr>
@@ -3970,7 +4022,7 @@
         </p:nvSpPr>
         <p:spPr>
           <a:xfrm>
-            <a:off x="4648200" y="1600200"/>
+            <a:off x="4648200" y="1600202"/>
             <a:ext cx="4038600" cy="4525963"/>
           </a:xfrm>
         </p:spPr>
@@ -4093,7 +4145,7 @@
             <a:fld id="{7B9B12EC-6AA0-374B-A2D3-850081A07A26}" type="datetimeFigureOut">
               <a:rPr kumimoji="1" lang="ja-JP" altLang="en-US" smtClean="0"/>
               <a:pPr/>
-              <a:t>2016/2/12</a:t>
+              <a:t>2018/9/11</a:t>
             </a:fld>
             <a:endParaRPr kumimoji="1" lang="ja-JP" altLang="en-US"/>
           </a:p>
@@ -4393,7 +4445,7 @@
         </p:nvSpPr>
         <p:spPr>
           <a:xfrm>
-            <a:off x="4645025" y="1535113"/>
+            <a:off x="4645026" y="1535113"/>
             <a:ext cx="4041775" cy="639762"/>
           </a:xfrm>
         </p:spPr>
@@ -4458,7 +4510,7 @@
         </p:nvSpPr>
         <p:spPr>
           <a:xfrm>
-            <a:off x="4645025" y="2174875"/>
+            <a:off x="4645026" y="2174875"/>
             <a:ext cx="4041775" cy="3951288"/>
           </a:xfrm>
         </p:spPr>
@@ -4581,7 +4633,7 @@
             <a:fld id="{7B9B12EC-6AA0-374B-A2D3-850081A07A26}" type="datetimeFigureOut">
               <a:rPr kumimoji="1" lang="ja-JP" altLang="en-US" smtClean="0"/>
               <a:pPr/>
-              <a:t>2016/2/12</a:t>
+              <a:t>2018/9/11</a:t>
             </a:fld>
             <a:endParaRPr kumimoji="1" lang="ja-JP" altLang="en-US"/>
           </a:p>
@@ -4701,7 +4753,7 @@
             <a:fld id="{7B9B12EC-6AA0-374B-A2D3-850081A07A26}" type="datetimeFigureOut">
               <a:rPr kumimoji="1" lang="ja-JP" altLang="en-US" smtClean="0"/>
               <a:pPr/>
-              <a:t>2016/2/12</a:t>
+              <a:t>2018/9/11</a:t>
             </a:fld>
             <a:endParaRPr kumimoji="1" lang="ja-JP" altLang="en-US"/>
           </a:p>
@@ -4798,7 +4850,7 @@
             <a:fld id="{7B9B12EC-6AA0-374B-A2D3-850081A07A26}" type="datetimeFigureOut">
               <a:rPr kumimoji="1" lang="ja-JP" altLang="en-US" smtClean="0"/>
               <a:pPr/>
-              <a:t>2016/2/12</a:t>
+              <a:t>2018/9/11</a:t>
             </a:fld>
             <a:endParaRPr kumimoji="1" lang="ja-JP" altLang="en-US"/>
           </a:p>
@@ -4889,7 +4941,7 @@
         </p:nvSpPr>
         <p:spPr>
           <a:xfrm>
-            <a:off x="457200" y="273050"/>
+            <a:off x="457201" y="273050"/>
             <a:ext cx="3008313" cy="1162050"/>
           </a:xfrm>
         </p:spPr>
@@ -4921,7 +4973,7 @@
         </p:nvSpPr>
         <p:spPr>
           <a:xfrm>
-            <a:off x="3575050" y="273050"/>
+            <a:off x="3575050" y="273052"/>
             <a:ext cx="5111750" cy="5853113"/>
           </a:xfrm>
         </p:spPr>
@@ -5038,7 +5090,7 @@
         </p:nvSpPr>
         <p:spPr>
           <a:xfrm>
-            <a:off x="457200" y="1435100"/>
+            <a:off x="457201" y="1435102"/>
             <a:ext cx="3008313" cy="4691063"/>
           </a:xfrm>
         </p:spPr>
@@ -5109,7 +5161,7 @@
             <a:fld id="{7B9B12EC-6AA0-374B-A2D3-850081A07A26}" type="datetimeFigureOut">
               <a:rPr kumimoji="1" lang="ja-JP" altLang="en-US" smtClean="0"/>
               <a:pPr/>
-              <a:t>2016/2/12</a:t>
+              <a:t>2018/9/11</a:t>
             </a:fld>
             <a:endParaRPr kumimoji="1" lang="ja-JP" altLang="en-US"/>
           </a:p>
@@ -5364,7 +5416,7 @@
             <a:fld id="{7B9B12EC-6AA0-374B-A2D3-850081A07A26}" type="datetimeFigureOut">
               <a:rPr kumimoji="1" lang="ja-JP" altLang="en-US" smtClean="0"/>
               <a:pPr/>
-              <a:t>2016/2/12</a:t>
+              <a:t>2018/9/11</a:t>
             </a:fld>
             <a:endParaRPr kumimoji="1" lang="ja-JP" altLang="en-US"/>
           </a:p>
@@ -5493,7 +5545,7 @@
         </p:nvSpPr>
         <p:spPr>
           <a:xfrm>
-            <a:off x="457200" y="1600200"/>
+            <a:off x="457200" y="1600202"/>
             <a:ext cx="8229600" cy="4525963"/>
           </a:xfrm>
           <a:prstGeom prst="rect">
@@ -5587,7 +5639,7 @@
         </p:nvSpPr>
         <p:spPr>
           <a:xfrm>
-            <a:off x="457200" y="6356350"/>
+            <a:off x="457200" y="6356352"/>
             <a:ext cx="2133600" cy="365125"/>
           </a:xfrm>
           <a:prstGeom prst="rect">
@@ -5611,7 +5663,7 @@
             <a:fld id="{7B9B12EC-6AA0-374B-A2D3-850081A07A26}" type="datetimeFigureOut">
               <a:rPr kumimoji="1" lang="ja-JP" altLang="en-US" smtClean="0"/>
               <a:pPr/>
-              <a:t>2016/2/12</a:t>
+              <a:t>2018/9/11</a:t>
             </a:fld>
             <a:endParaRPr kumimoji="1" lang="ja-JP" altLang="en-US"/>
           </a:p>
@@ -5629,7 +5681,7 @@
         </p:nvSpPr>
         <p:spPr>
           <a:xfrm>
-            <a:off x="3124200" y="6356350"/>
+            <a:off x="3124200" y="6356352"/>
             <a:ext cx="2895600" cy="365125"/>
           </a:xfrm>
           <a:prstGeom prst="rect">
@@ -5666,7 +5718,7 @@
         </p:nvSpPr>
         <p:spPr>
           <a:xfrm>
-            <a:off x="6553200" y="6356350"/>
+            <a:off x="6553200" y="6356352"/>
             <a:ext cx="2133600" cy="365125"/>
           </a:xfrm>
           <a:prstGeom prst="rect">
@@ -5995,7 +6047,7 @@
         </p:nvSpPr>
         <p:spPr>
           <a:xfrm>
-            <a:off x="1758000" y="1512227"/>
+            <a:off x="1758002" y="1512229"/>
             <a:ext cx="2244349" cy="2246783"/>
           </a:xfrm>
           <a:prstGeom prst="rect">
@@ -6034,7 +6086,7 @@
           <a:p>
             <a:pPr algn="ctr"/>
             <a:r>
-              <a:rPr kumimoji="1" lang="en-US" altLang="ja-JP" sz="2000" dirty="0" smtClean="0">
+              <a:rPr lang="en-US" altLang="ja-JP" sz="2000" dirty="0">
                 <a:solidFill>
                   <a:schemeClr val="tx1">
                     <a:lumMod val="50000"/>
@@ -6055,7 +6107,7 @@
         </p:nvSpPr>
         <p:spPr>
           <a:xfrm>
-            <a:off x="1979712" y="2204864"/>
+            <a:off x="1979714" y="2204866"/>
             <a:ext cx="1629867" cy="974823"/>
           </a:xfrm>
           <a:prstGeom prst="rect">
@@ -6115,7 +6167,7 @@
         </p:nvSpPr>
         <p:spPr bwMode="auto">
           <a:xfrm>
-            <a:off x="186758" y="2502421"/>
+            <a:off x="186760" y="2502421"/>
             <a:ext cx="1071417" cy="806382"/>
           </a:xfrm>
           <a:custGeom>
@@ -6361,7 +6413,7 @@
         </p:nvSpPr>
         <p:spPr>
           <a:xfrm>
-            <a:off x="107504" y="1958810"/>
+            <a:off x="107506" y="1958810"/>
             <a:ext cx="1229923" cy="338554"/>
           </a:xfrm>
           <a:prstGeom prst="rect">
@@ -6377,7 +6429,7 @@
           <a:p>
             <a:pPr algn="ctr"/>
             <a:r>
-              <a:rPr kumimoji="1" lang="en-US" altLang="ja-JP" sz="1600" b="1" dirty="0" smtClean="0">
+              <a:rPr lang="en-US" altLang="ja-JP" sz="1600" b="1" dirty="0">
                 <a:solidFill>
                   <a:schemeClr val="tx1">
                     <a:lumMod val="75000"/>
@@ -6389,7 +6441,7 @@
               </a:rPr>
               <a:t>Client</a:t>
             </a:r>
-            <a:endParaRPr kumimoji="1" lang="ja-JP" altLang="en-US" sz="1600" b="1" dirty="0">
+            <a:endParaRPr lang="ja-JP" altLang="en-US" sz="1600" b="1" dirty="0">
               <a:solidFill>
                 <a:schemeClr val="tx1">
                   <a:lumMod val="75000"/>
@@ -6449,7 +6501,7 @@
           <a:p>
             <a:pPr algn="ctr"/>
             <a:r>
-              <a:rPr kumimoji="1" lang="en-US" altLang="ja-JP" sz="2000" dirty="0" smtClean="0">
+              <a:rPr lang="en-US" altLang="ja-JP" sz="2000" dirty="0">
                 <a:solidFill>
                   <a:schemeClr val="tx1">
                     <a:lumMod val="50000"/>
@@ -6470,7 +6522,7 @@
         </p:nvSpPr>
         <p:spPr>
           <a:xfrm>
-            <a:off x="4932400" y="2284967"/>
+            <a:off x="4932402" y="2284969"/>
             <a:ext cx="1629867" cy="974823"/>
           </a:xfrm>
           <a:prstGeom prst="rect">
@@ -6560,7 +6612,7 @@
         </p:nvSpPr>
         <p:spPr>
           <a:xfrm>
-            <a:off x="4932402" y="3936315"/>
+            <a:off x="4932404" y="3936317"/>
             <a:ext cx="1629867" cy="974823"/>
           </a:xfrm>
           <a:prstGeom prst="rect">
@@ -6598,7 +6650,7 @@
           <a:p>
             <a:pPr algn="ctr"/>
             <a:r>
-              <a:rPr lang="en-US" altLang="ja-JP" dirty="0" smtClean="0">
+              <a:rPr lang="en-US" altLang="ja-JP" dirty="0">
                 <a:solidFill>
                   <a:schemeClr val="tx1">
                     <a:lumMod val="75000"/>
@@ -6614,7 +6666,7 @@
           <a:p>
             <a:pPr algn="ctr"/>
             <a:r>
-              <a:rPr lang="en-US" altLang="ja-JP" dirty="0" smtClean="0">
+              <a:rPr lang="en-US" altLang="ja-JP" dirty="0">
                 <a:solidFill>
                   <a:schemeClr val="tx1">
                     <a:lumMod val="75000"/>
@@ -6626,16 +6678,6 @@
               </a:rPr>
               <a:t>Manager</a:t>
             </a:r>
-            <a:endParaRPr lang="en-US" altLang="ja-JP" dirty="0">
-              <a:solidFill>
-                <a:schemeClr val="tx1">
-                  <a:lumMod val="75000"/>
-                  <a:lumOff val="25000"/>
-                </a:schemeClr>
-              </a:solidFill>
-              <a:latin typeface="HGP創英角ｺﾞｼｯｸUB" panose="020B0900000000000000" pitchFamily="50" charset="-128"/>
-              <a:ea typeface="HGP創英角ｺﾞｼｯｸUB" panose="020B0900000000000000" pitchFamily="50" charset="-128"/>
-            </a:endParaRPr>
           </a:p>
         </p:txBody>
       </p:sp>
@@ -6647,7 +6689,7 @@
         </p:nvSpPr>
         <p:spPr>
           <a:xfrm>
-            <a:off x="6777970" y="2283876"/>
+            <a:off x="6777972" y="2283878"/>
             <a:ext cx="1629867" cy="974823"/>
           </a:xfrm>
           <a:prstGeom prst="rect">
@@ -6714,7 +6756,7 @@
           <a:p>
             <a:pPr algn="ctr"/>
             <a:r>
-              <a:rPr lang="en-US" altLang="ja-JP" dirty="0" smtClean="0">
+              <a:rPr lang="en-US" altLang="ja-JP" dirty="0">
                 <a:solidFill>
                   <a:schemeClr val="tx1">
                     <a:lumMod val="75000"/>
@@ -6726,16 +6768,6 @@
               </a:rPr>
               <a:t>Provider</a:t>
             </a:r>
-            <a:endParaRPr lang="en-US" altLang="ja-JP" dirty="0">
-              <a:solidFill>
-                <a:schemeClr val="tx1">
-                  <a:lumMod val="75000"/>
-                  <a:lumOff val="25000"/>
-                </a:schemeClr>
-              </a:solidFill>
-              <a:latin typeface="HGP創英角ｺﾞｼｯｸUB" panose="020B0900000000000000" pitchFamily="50" charset="-128"/>
-              <a:ea typeface="HGP創英角ｺﾞｼｯｸUB" panose="020B0900000000000000" pitchFamily="50" charset="-128"/>
-            </a:endParaRPr>
           </a:p>
         </p:txBody>
       </p:sp>
@@ -6747,7 +6779,7 @@
         </p:nvSpPr>
         <p:spPr>
           <a:xfrm>
-            <a:off x="6732240" y="3936315"/>
+            <a:off x="6732242" y="3936317"/>
             <a:ext cx="1629867" cy="974823"/>
           </a:xfrm>
           <a:prstGeom prst="rect">
@@ -6808,7 +6840,7 @@
         </p:nvCxnSpPr>
         <p:spPr bwMode="invGray">
           <a:xfrm flipH="1" flipV="1">
-            <a:off x="5747334" y="3259790"/>
+            <a:off x="5747334" y="3259792"/>
             <a:ext cx="2" cy="676525"/>
           </a:xfrm>
           <a:prstGeom prst="straightConnector1">
@@ -6889,7 +6921,7 @@
         </p:nvCxnSpPr>
         <p:spPr bwMode="invGray">
           <a:xfrm flipH="1" flipV="1">
-            <a:off x="7628620" y="3258529"/>
+            <a:off x="7628620" y="3258531"/>
             <a:ext cx="2" cy="676525"/>
           </a:xfrm>
           <a:prstGeom prst="straightConnector1">
@@ -6930,7 +6962,7 @@
         </p:nvSpPr>
         <p:spPr>
           <a:xfrm>
-            <a:off x="1854746" y="2052498"/>
+            <a:off x="1854748" y="2052500"/>
             <a:ext cx="2022205" cy="1418435"/>
           </a:xfrm>
           <a:prstGeom prst="rect">
@@ -6968,7 +7000,7 @@
           <a:lstStyle/>
           <a:p>
             <a:pPr algn="ctr"/>
-            <a:endParaRPr kumimoji="1" lang="en-US" altLang="ja-JP" sz="2000" dirty="0" smtClean="0">
+            <a:endParaRPr lang="en-US" altLang="ja-JP" sz="2000" dirty="0">
               <a:solidFill>
                 <a:schemeClr val="tx1">
                   <a:lumMod val="50000"/>
@@ -7029,7 +7061,7 @@
         </p:nvSpPr>
         <p:spPr>
           <a:xfrm>
-            <a:off x="4689030" y="2062069"/>
+            <a:off x="4689032" y="2062071"/>
             <a:ext cx="4078695" cy="3137101"/>
           </a:xfrm>
           <a:prstGeom prst="rect">
@@ -7067,7 +7099,7 @@
           <a:lstStyle/>
           <a:p>
             <a:pPr algn="ctr"/>
-            <a:endParaRPr kumimoji="1" lang="en-US" altLang="ja-JP" sz="2000" dirty="0" smtClean="0">
+            <a:endParaRPr lang="en-US" altLang="ja-JP" sz="2000" dirty="0">
               <a:solidFill>
                 <a:schemeClr val="tx1">
                   <a:lumMod val="50000"/>
@@ -7086,7 +7118,7 @@
         </p:nvSpPr>
         <p:spPr>
           <a:xfrm>
-            <a:off x="383412" y="3731260"/>
+            <a:off x="383414" y="3731262"/>
             <a:ext cx="2883447" cy="1248627"/>
           </a:xfrm>
           <a:prstGeom prst="wedgeEllipseCallout">
@@ -7141,44 +7173,8 @@
                 <a:latin typeface="HGP創英角ｺﾞｼｯｸUB" panose="020B0900000000000000" pitchFamily="50" charset="-128"/>
                 <a:ea typeface="HGP創英角ｺﾞｼｯｸUB" panose="020B0900000000000000" pitchFamily="50" charset="-128"/>
               </a:rPr>
-              <a:t>P</a:t>
-            </a:r>
-            <a:r>
-              <a:rPr lang="en-US" altLang="ja-JP" dirty="0" smtClean="0">
-                <a:solidFill>
-                  <a:schemeClr val="tx1">
-                    <a:lumMod val="75000"/>
-                    <a:lumOff val="25000"/>
-                  </a:schemeClr>
-                </a:solidFill>
-                <a:latin typeface="HGP創英角ｺﾞｼｯｸUB" panose="020B0900000000000000" pitchFamily="50" charset="-128"/>
-                <a:ea typeface="HGP創英角ｺﾞｼｯｸUB" panose="020B0900000000000000" pitchFamily="50" charset="-128"/>
-              </a:rPr>
-              <a:t>rovide an implementation </a:t>
-            </a:r>
-            <a:r>
-              <a:rPr lang="en-US" altLang="ja-JP" dirty="0">
-                <a:solidFill>
-                  <a:schemeClr val="tx1">
-                    <a:lumMod val="75000"/>
-                    <a:lumOff val="25000"/>
-                  </a:schemeClr>
-                </a:solidFill>
-                <a:latin typeface="HGP創英角ｺﾞｼｯｸUB" panose="020B0900000000000000" pitchFamily="50" charset="-128"/>
-                <a:ea typeface="HGP創英角ｺﾞｼｯｸUB" panose="020B0900000000000000" pitchFamily="50" charset="-128"/>
-              </a:rPr>
-              <a:t>of authentication methods</a:t>
-            </a:r>
-            <a:endParaRPr kumimoji="1" lang="en-US" altLang="ja-JP" dirty="0" smtClean="0">
-              <a:solidFill>
-                <a:schemeClr val="tx1">
-                  <a:lumMod val="75000"/>
-                  <a:lumOff val="25000"/>
-                </a:schemeClr>
-              </a:solidFill>
-              <a:latin typeface="HGP創英角ｺﾞｼｯｸUB" panose="020B0900000000000000" pitchFamily="50" charset="-128"/>
-              <a:ea typeface="HGP創英角ｺﾞｼｯｸUB" panose="020B0900000000000000" pitchFamily="50" charset="-128"/>
-            </a:endParaRPr>
+              <a:t>Provide an implementation of authentication methods</a:t>
+            </a:r>
           </a:p>
         </p:txBody>
       </p:sp>
@@ -7190,7 +7186,7 @@
         </p:nvSpPr>
         <p:spPr>
           <a:xfrm>
-            <a:off x="2051720" y="4718521"/>
+            <a:off x="2051722" y="4718523"/>
             <a:ext cx="2389207" cy="898401"/>
           </a:xfrm>
           <a:prstGeom prst="wedgeEllipseCallout">
@@ -7235,7 +7231,7 @@
           <a:p>
             <a:pPr algn="ctr"/>
             <a:r>
-              <a:rPr lang="en-US" altLang="ja-JP" dirty="0" smtClean="0">
+              <a:rPr lang="en-US" altLang="ja-JP" dirty="0">
                 <a:solidFill>
                   <a:schemeClr val="tx1">
                     <a:lumMod val="75000"/>
@@ -7245,31 +7241,8 @@
                 <a:latin typeface="HGP創英角ｺﾞｼｯｸUB" panose="020B0900000000000000" pitchFamily="50" charset="-128"/>
                 <a:ea typeface="HGP創英角ｺﾞｼｯｸUB" panose="020B0900000000000000" pitchFamily="50" charset="-128"/>
               </a:rPr>
-              <a:t>Provide </a:t>
-            </a:r>
-            <a:r>
-              <a:rPr lang="en-US" altLang="ja-JP" dirty="0">
-                <a:solidFill>
-                  <a:schemeClr val="tx1">
-                    <a:lumMod val="75000"/>
-                    <a:lumOff val="25000"/>
-                  </a:schemeClr>
-                </a:solidFill>
-                <a:latin typeface="HGP創英角ｺﾞｼｯｸUB" panose="020B0900000000000000" pitchFamily="50" charset="-128"/>
-                <a:ea typeface="HGP創英角ｺﾞｼｯｸUB" panose="020B0900000000000000" pitchFamily="50" charset="-128"/>
-              </a:rPr>
-              <a:t>an authentication process</a:t>
-            </a:r>
-            <a:endParaRPr lang="en-US" altLang="ja-JP" dirty="0" smtClean="0">
-              <a:solidFill>
-                <a:schemeClr val="tx1">
-                  <a:lumMod val="75000"/>
-                  <a:lumOff val="25000"/>
-                </a:schemeClr>
-              </a:solidFill>
-              <a:latin typeface="HGP創英角ｺﾞｼｯｸUB" panose="020B0900000000000000" pitchFamily="50" charset="-128"/>
-              <a:ea typeface="HGP創英角ｺﾞｼｯｸUB" panose="020B0900000000000000" pitchFamily="50" charset="-128"/>
-            </a:endParaRPr>
+              <a:t>Provide an authentication process</a:t>
+            </a:r>
           </a:p>
         </p:txBody>
       </p:sp>
@@ -7281,7 +7254,7 @@
         </p:nvSpPr>
         <p:spPr>
           <a:xfrm>
-            <a:off x="3968220" y="2245003"/>
+            <a:off x="3968222" y="2245005"/>
             <a:ext cx="723275" cy="461665"/>
           </a:xfrm>
           <a:prstGeom prst="rect">
@@ -7296,7 +7269,7 @@
           <a:lstStyle/>
           <a:p>
             <a:r>
-              <a:rPr kumimoji="1" lang="ja-JP" altLang="en-US" sz="2400" dirty="0" smtClean="0">
+              <a:rPr lang="ja-JP" altLang="en-US" sz="2400" dirty="0">
                 <a:solidFill>
                   <a:schemeClr val="tx1">
                     <a:lumMod val="65000"/>
@@ -7308,16 +7281,6 @@
               </a:rPr>
               <a:t>（２）</a:t>
             </a:r>
-            <a:endParaRPr kumimoji="1" lang="ja-JP" altLang="en-US" sz="2400" dirty="0">
-              <a:solidFill>
-                <a:schemeClr val="tx1">
-                  <a:lumMod val="65000"/>
-                  <a:lumOff val="35000"/>
-                </a:schemeClr>
-              </a:solidFill>
-              <a:latin typeface="HGP創英角ｺﾞｼｯｸUB" panose="020B0900000000000000" pitchFamily="50" charset="-128"/>
-              <a:ea typeface="HGP創英角ｺﾞｼｯｸUB" panose="020B0900000000000000" pitchFamily="50" charset="-128"/>
-            </a:endParaRPr>
           </a:p>
         </p:txBody>
       </p:sp>
@@ -7329,7 +7292,7 @@
         </p:nvSpPr>
         <p:spPr>
           <a:xfrm>
-            <a:off x="1071319" y="2221315"/>
+            <a:off x="1071321" y="2221317"/>
             <a:ext cx="723275" cy="461665"/>
           </a:xfrm>
           <a:prstGeom prst="rect">
@@ -7344,7 +7307,7 @@
           <a:lstStyle/>
           <a:p>
             <a:r>
-              <a:rPr kumimoji="1" lang="ja-JP" altLang="en-US" sz="2400" dirty="0" smtClean="0">
+              <a:rPr lang="ja-JP" altLang="en-US" sz="2400" dirty="0">
                 <a:solidFill>
                   <a:schemeClr val="tx1">
                     <a:lumMod val="65000"/>
@@ -7356,16 +7319,6 @@
               </a:rPr>
               <a:t>（１）</a:t>
             </a:r>
-            <a:endParaRPr kumimoji="1" lang="ja-JP" altLang="en-US" sz="2400" dirty="0">
-              <a:solidFill>
-                <a:schemeClr val="tx1">
-                  <a:lumMod val="65000"/>
-                  <a:lumOff val="35000"/>
-                </a:schemeClr>
-              </a:solidFill>
-              <a:latin typeface="HGP創英角ｺﾞｼｯｸUB" panose="020B0900000000000000" pitchFamily="50" charset="-128"/>
-              <a:ea typeface="HGP創英角ｺﾞｼｯｸUB" panose="020B0900000000000000" pitchFamily="50" charset="-128"/>
-            </a:endParaRPr>
           </a:p>
         </p:txBody>
       </p:sp>
@@ -7377,7 +7330,7 @@
         </p:nvSpPr>
         <p:spPr>
           <a:xfrm>
-            <a:off x="6689018" y="3431678"/>
+            <a:off x="6689020" y="3431680"/>
             <a:ext cx="723275" cy="461665"/>
           </a:xfrm>
           <a:prstGeom prst="rect">
@@ -7392,7 +7345,7 @@
           <a:lstStyle/>
           <a:p>
             <a:r>
-              <a:rPr kumimoji="1" lang="ja-JP" altLang="en-US" sz="2400" dirty="0" smtClean="0">
+              <a:rPr lang="ja-JP" altLang="en-US" sz="2400" dirty="0">
                 <a:solidFill>
                   <a:schemeClr val="tx1">
                     <a:lumMod val="65000"/>
@@ -7404,16 +7357,6 @@
               </a:rPr>
               <a:t>（３）</a:t>
             </a:r>
-            <a:endParaRPr kumimoji="1" lang="ja-JP" altLang="en-US" sz="2400" dirty="0">
-              <a:solidFill>
-                <a:schemeClr val="tx1">
-                  <a:lumMod val="65000"/>
-                  <a:lumOff val="35000"/>
-                </a:schemeClr>
-              </a:solidFill>
-              <a:latin typeface="HGP創英角ｺﾞｼｯｸUB" panose="020B0900000000000000" pitchFamily="50" charset="-128"/>
-              <a:ea typeface="HGP創英角ｺﾞｼｯｸUB" panose="020B0900000000000000" pitchFamily="50" charset="-128"/>
-            </a:endParaRPr>
           </a:p>
         </p:txBody>
       </p:sp>
@@ -7425,7 +7368,7 @@
         </p:nvSpPr>
         <p:spPr>
           <a:xfrm>
-            <a:off x="2051720" y="2276872"/>
+            <a:off x="2051722" y="2276874"/>
             <a:ext cx="1629867" cy="974823"/>
           </a:xfrm>
           <a:prstGeom prst="rect">
@@ -7463,7 +7406,7 @@
           <a:p>
             <a:pPr algn="ctr"/>
             <a:r>
-              <a:rPr lang="en-US" altLang="ja-JP" dirty="0" smtClean="0">
+              <a:rPr lang="en-US" altLang="ja-JP" dirty="0">
                 <a:solidFill>
                   <a:schemeClr val="tx1">
                     <a:lumMod val="75000"/>
@@ -7479,7 +7422,7 @@
           <a:p>
             <a:pPr algn="ctr"/>
             <a:r>
-              <a:rPr lang="en-US" altLang="ja-JP" dirty="0" smtClean="0">
+              <a:rPr lang="en-US" altLang="ja-JP" dirty="0">
                 <a:solidFill>
                   <a:schemeClr val="tx1">
                     <a:lumMod val="75000"/>
@@ -7491,16 +7434,6 @@
               </a:rPr>
               <a:t>Filter</a:t>
             </a:r>
-            <a:endParaRPr lang="en-US" altLang="ja-JP" dirty="0">
-              <a:solidFill>
-                <a:schemeClr val="tx1">
-                  <a:lumMod val="75000"/>
-                  <a:lumOff val="25000"/>
-                </a:schemeClr>
-              </a:solidFill>
-              <a:latin typeface="HGP創英角ｺﾞｼｯｸUB" panose="020B0900000000000000" pitchFamily="50" charset="-128"/>
-              <a:ea typeface="HGP創英角ｺﾞｼｯｸUB" panose="020B0900000000000000" pitchFamily="50" charset="-128"/>
-            </a:endParaRPr>
           </a:p>
         </p:txBody>
       </p:sp>
@@ -7512,7 +7445,7 @@
         </p:nvSpPr>
         <p:spPr>
           <a:xfrm>
-            <a:off x="6803886" y="4005064"/>
+            <a:off x="6803888" y="4005066"/>
             <a:ext cx="1629867" cy="974823"/>
           </a:xfrm>
           <a:prstGeom prst="rect">
@@ -7550,7 +7483,7 @@
           <a:p>
             <a:pPr algn="ctr"/>
             <a:r>
-              <a:rPr lang="en-US" altLang="ja-JP" dirty="0" smtClean="0">
+              <a:rPr lang="en-US" altLang="ja-JP" dirty="0">
                 <a:solidFill>
                   <a:schemeClr val="tx1">
                     <a:lumMod val="75000"/>
@@ -7566,7 +7499,7 @@
           <a:p>
             <a:pPr algn="ctr"/>
             <a:r>
-              <a:rPr lang="en-US" altLang="ja-JP" dirty="0" smtClean="0">
+              <a:rPr lang="en-US" altLang="ja-JP" dirty="0">
                 <a:solidFill>
                   <a:schemeClr val="tx1">
                     <a:lumMod val="75000"/>
@@ -7578,16 +7511,6 @@
               </a:rPr>
               <a:t>Authentication</a:t>
             </a:r>
-            <a:endParaRPr lang="en-US" altLang="ja-JP" dirty="0">
-              <a:solidFill>
-                <a:schemeClr val="tx1">
-                  <a:lumMod val="75000"/>
-                  <a:lumOff val="25000"/>
-                </a:schemeClr>
-              </a:solidFill>
-              <a:latin typeface="HGP創英角ｺﾞｼｯｸUB" panose="020B0900000000000000" pitchFamily="50" charset="-128"/>
-              <a:ea typeface="HGP創英角ｺﾞｼｯｸUB" panose="020B0900000000000000" pitchFamily="50" charset="-128"/>
-            </a:endParaRPr>
           </a:p>
           <a:p>
             <a:pPr algn="ctr"/>
@@ -7615,7 +7538,7 @@
         </p:nvSpPr>
         <p:spPr>
           <a:xfrm>
-            <a:off x="2135187" y="2338736"/>
+            <a:off x="2135189" y="2338738"/>
             <a:ext cx="1629867" cy="974823"/>
           </a:xfrm>
           <a:prstGeom prst="rect">
@@ -7653,7 +7576,7 @@
           <a:p>
             <a:pPr algn="ctr"/>
             <a:r>
-              <a:rPr lang="en-US" altLang="ja-JP" dirty="0" smtClean="0">
+              <a:rPr lang="en-US" altLang="ja-JP" dirty="0">
                 <a:solidFill>
                   <a:schemeClr val="tx1">
                     <a:lumMod val="75000"/>
@@ -7669,7 +7592,7 @@
           <a:p>
             <a:pPr algn="ctr"/>
             <a:r>
-              <a:rPr lang="en-US" altLang="ja-JP" dirty="0" smtClean="0">
+              <a:rPr lang="en-US" altLang="ja-JP" dirty="0">
                 <a:solidFill>
                   <a:schemeClr val="tx1">
                     <a:lumMod val="75000"/>
@@ -7681,16 +7604,6 @@
               </a:rPr>
               <a:t>Filter</a:t>
             </a:r>
-            <a:endParaRPr lang="en-US" altLang="ja-JP" dirty="0">
-              <a:solidFill>
-                <a:schemeClr val="tx1">
-                  <a:lumMod val="75000"/>
-                  <a:lumOff val="25000"/>
-                </a:schemeClr>
-              </a:solidFill>
-              <a:latin typeface="HGP創英角ｺﾞｼｯｸUB" panose="020B0900000000000000" pitchFamily="50" charset="-128"/>
-              <a:ea typeface="HGP創英角ｺﾞｼｯｸUB" panose="020B0900000000000000" pitchFamily="50" charset="-128"/>
-            </a:endParaRPr>
           </a:p>
         </p:txBody>
       </p:sp>
@@ -7702,7 +7615,7 @@
         </p:nvCxnSpPr>
         <p:spPr bwMode="invGray">
           <a:xfrm>
-            <a:off x="3727317" y="2771749"/>
+            <a:off x="3727319" y="2771749"/>
             <a:ext cx="1205083" cy="630"/>
           </a:xfrm>
           <a:prstGeom prst="straightConnector1">
@@ -7742,7 +7655,7 @@
         </p:nvSpPr>
         <p:spPr>
           <a:xfrm>
-            <a:off x="6875894" y="4067547"/>
+            <a:off x="6875896" y="4067549"/>
             <a:ext cx="1629867" cy="974823"/>
           </a:xfrm>
           <a:prstGeom prst="rect">
@@ -7780,7 +7693,7 @@
           <a:p>
             <a:pPr algn="ctr"/>
             <a:r>
-              <a:rPr lang="en-US" altLang="ja-JP" dirty="0" smtClean="0">
+              <a:rPr lang="en-US" altLang="ja-JP" dirty="0">
                 <a:solidFill>
                   <a:schemeClr val="tx1">
                     <a:lumMod val="75000"/>
@@ -7796,7 +7709,7 @@
           <a:p>
             <a:pPr algn="ctr"/>
             <a:r>
-              <a:rPr lang="en-US" altLang="ja-JP" dirty="0" smtClean="0">
+              <a:rPr lang="en-US" altLang="ja-JP" dirty="0">
                 <a:solidFill>
                   <a:schemeClr val="tx1">
                     <a:lumMod val="75000"/>
@@ -7808,16 +7721,6 @@
               </a:rPr>
               <a:t>Authentication</a:t>
             </a:r>
-            <a:endParaRPr lang="en-US" altLang="ja-JP" dirty="0">
-              <a:solidFill>
-                <a:schemeClr val="tx1">
-                  <a:lumMod val="75000"/>
-                  <a:lumOff val="25000"/>
-                </a:schemeClr>
-              </a:solidFill>
-              <a:latin typeface="HGP創英角ｺﾞｼｯｸUB" panose="020B0900000000000000" pitchFamily="50" charset="-128"/>
-              <a:ea typeface="HGP創英角ｺﾞｼｯｸUB" panose="020B0900000000000000" pitchFamily="50" charset="-128"/>
-            </a:endParaRPr>
           </a:p>
           <a:p>
             <a:pPr algn="ctr"/>
@@ -7845,7 +7748,7 @@
         </p:nvSpPr>
         <p:spPr>
           <a:xfrm>
-            <a:off x="4636096" y="3540778"/>
+            <a:off x="4636098" y="3540778"/>
             <a:ext cx="1183337" cy="338554"/>
           </a:xfrm>
           <a:prstGeom prst="rect">
@@ -7860,7 +7763,7 @@
           <a:lstStyle/>
           <a:p>
             <a:r>
-              <a:rPr lang="en-US" altLang="ja-JP" sz="1600" dirty="0" smtClean="0">
+              <a:rPr lang="en-US" altLang="ja-JP" sz="1600" dirty="0">
                 <a:solidFill>
                   <a:schemeClr val="tx1">
                     <a:lumMod val="50000"/>
@@ -7872,7 +7775,7 @@
               </a:rPr>
               <a:t>implements</a:t>
             </a:r>
-            <a:endParaRPr kumimoji="1" lang="ja-JP" altLang="en-US" sz="1600" dirty="0">
+            <a:endParaRPr lang="ja-JP" altLang="en-US" sz="1600" dirty="0">
               <a:solidFill>
                 <a:schemeClr val="tx1">
                   <a:lumMod val="50000"/>
@@ -7893,7 +7796,7 @@
         </p:nvSpPr>
         <p:spPr>
           <a:xfrm>
-            <a:off x="7584389" y="3516108"/>
+            <a:off x="7584391" y="3516108"/>
             <a:ext cx="1183337" cy="338554"/>
           </a:xfrm>
           <a:prstGeom prst="rect">
@@ -7908,7 +7811,7 @@
           <a:lstStyle/>
           <a:p>
             <a:r>
-              <a:rPr lang="en-US" altLang="ja-JP" sz="1600" dirty="0" smtClean="0">
+              <a:rPr lang="en-US" altLang="ja-JP" sz="1600" dirty="0">
                 <a:solidFill>
                   <a:schemeClr val="tx1">
                     <a:lumMod val="50000"/>
@@ -7920,7 +7823,7 @@
               </a:rPr>
               <a:t>implements</a:t>
             </a:r>
-            <a:endParaRPr kumimoji="1" lang="ja-JP" altLang="en-US" sz="1600" dirty="0">
+            <a:endParaRPr lang="ja-JP" altLang="en-US" sz="1600" dirty="0">
               <a:solidFill>
                 <a:schemeClr val="tx1">
                   <a:lumMod val="50000"/>
@@ -7978,7 +7881,7 @@
         </p:nvSpPr>
         <p:spPr>
           <a:xfrm>
-            <a:off x="1758000" y="1208583"/>
+            <a:off x="1758000" y="1208585"/>
             <a:ext cx="4110144" cy="4251435"/>
           </a:xfrm>
           <a:prstGeom prst="rect">
@@ -8017,7 +7920,7 @@
           <a:p>
             <a:pPr algn="ctr"/>
             <a:r>
-              <a:rPr kumimoji="1" lang="en-US" altLang="ja-JP" sz="2000" dirty="0" smtClean="0">
+              <a:rPr lang="en-US" altLang="ja-JP" sz="2000" dirty="0">
                 <a:solidFill>
                   <a:schemeClr val="tx1">
                     <a:lumMod val="50000"/>
@@ -8038,7 +7941,7 @@
         </p:nvSpPr>
         <p:spPr>
           <a:xfrm>
-            <a:off x="2097450" y="1980062"/>
+            <a:off x="2097450" y="1980064"/>
             <a:ext cx="2186518" cy="974823"/>
           </a:xfrm>
           <a:prstGeom prst="rect">
@@ -8137,7 +8040,7 @@
         </p:nvSpPr>
         <p:spPr bwMode="auto">
           <a:xfrm>
-            <a:off x="186758" y="2198777"/>
+            <a:off x="186760" y="2198777"/>
             <a:ext cx="1071417" cy="806382"/>
           </a:xfrm>
           <a:custGeom>
@@ -8383,7 +8286,7 @@
         </p:nvSpPr>
         <p:spPr>
           <a:xfrm>
-            <a:off x="107504" y="1655166"/>
+            <a:off x="107506" y="1655166"/>
             <a:ext cx="1229923" cy="338554"/>
           </a:xfrm>
           <a:prstGeom prst="rect">
@@ -8399,7 +8302,7 @@
           <a:p>
             <a:pPr algn="ctr"/>
             <a:r>
-              <a:rPr kumimoji="1" lang="en-US" altLang="ja-JP" sz="1600" b="1" dirty="0" smtClean="0">
+              <a:rPr lang="en-US" altLang="ja-JP" sz="1600" b="1" dirty="0">
                 <a:solidFill>
                   <a:schemeClr val="tx1">
                     <a:lumMod val="75000"/>
@@ -8411,7 +8314,7 @@
               </a:rPr>
               <a:t>Client</a:t>
             </a:r>
-            <a:endParaRPr kumimoji="1" lang="ja-JP" altLang="en-US" sz="1600" b="1" dirty="0">
+            <a:endParaRPr lang="ja-JP" altLang="en-US" sz="1600" b="1" dirty="0">
               <a:solidFill>
                 <a:schemeClr val="tx1">
                   <a:lumMod val="75000"/>
@@ -8432,7 +8335,7 @@
         </p:nvSpPr>
         <p:spPr>
           <a:xfrm>
-            <a:off x="6165450" y="1208583"/>
+            <a:off x="6165450" y="1208585"/>
             <a:ext cx="2006950" cy="2125717"/>
           </a:xfrm>
           <a:prstGeom prst="rect">
@@ -8471,7 +8374,7 @@
           <a:p>
             <a:pPr algn="ctr"/>
             <a:r>
-              <a:rPr kumimoji="1" lang="en-US" altLang="ja-JP" sz="2000" dirty="0" smtClean="0">
+              <a:rPr lang="en-US" altLang="ja-JP" sz="2000" dirty="0">
                 <a:solidFill>
                   <a:schemeClr val="tx1">
                     <a:lumMod val="50000"/>
@@ -8495,7 +8398,7 @@
         </p:nvCxnSpPr>
         <p:spPr bwMode="invGray">
           <a:xfrm flipV="1">
-            <a:off x="4283968" y="2461916"/>
+            <a:off x="4283970" y="2461916"/>
             <a:ext cx="2044799" cy="5558"/>
           </a:xfrm>
           <a:prstGeom prst="straightConnector1">
@@ -8535,7 +8438,7 @@
         </p:nvSpPr>
         <p:spPr>
           <a:xfrm>
-            <a:off x="1102895" y="1914479"/>
+            <a:off x="1102897" y="1914481"/>
             <a:ext cx="723275" cy="461665"/>
           </a:xfrm>
           <a:prstGeom prst="rect">
@@ -8550,7 +8453,7 @@
           <a:lstStyle/>
           <a:p>
             <a:r>
-              <a:rPr kumimoji="1" lang="ja-JP" altLang="en-US" sz="2400" dirty="0" smtClean="0">
+              <a:rPr lang="ja-JP" altLang="en-US" sz="2400" dirty="0">
                 <a:solidFill>
                   <a:schemeClr val="tx1">
                     <a:lumMod val="65000"/>
@@ -8562,16 +8465,6 @@
               </a:rPr>
               <a:t>（１）</a:t>
             </a:r>
-            <a:endParaRPr kumimoji="1" lang="ja-JP" altLang="en-US" sz="2400" dirty="0">
-              <a:solidFill>
-                <a:schemeClr val="tx1">
-                  <a:lumMod val="65000"/>
-                  <a:lumOff val="35000"/>
-                </a:schemeClr>
-              </a:solidFill>
-              <a:latin typeface="HGP創英角ｺﾞｼｯｸUB" panose="020B0900000000000000" pitchFamily="50" charset="-128"/>
-              <a:ea typeface="HGP創英角ｺﾞｼｯｸUB" panose="020B0900000000000000" pitchFamily="50" charset="-128"/>
-            </a:endParaRPr>
           </a:p>
         </p:txBody>
       </p:sp>
@@ -8583,7 +8476,7 @@
         </p:nvSpPr>
         <p:spPr>
           <a:xfrm>
-            <a:off x="3814232" y="3140968"/>
+            <a:off x="3814234" y="3140970"/>
             <a:ext cx="1898089" cy="974823"/>
           </a:xfrm>
           <a:prstGeom prst="rect">
@@ -8689,7 +8582,7 @@
         </p:nvCxnSpPr>
         <p:spPr bwMode="invGray">
           <a:xfrm rot="16200000" flipH="1">
-            <a:off x="3165723" y="2979870"/>
+            <a:off x="3165725" y="2979872"/>
             <a:ext cx="673495" cy="623523"/>
           </a:xfrm>
           <a:prstGeom prst="bentConnector2">
@@ -8729,7 +8622,7 @@
         </p:nvSpPr>
         <p:spPr>
           <a:xfrm>
-            <a:off x="5776683" y="3400601"/>
+            <a:off x="5776683" y="3400603"/>
             <a:ext cx="2090490" cy="1187031"/>
           </a:xfrm>
           <a:prstGeom prst="wedgeEllipseCallout">
@@ -8774,7 +8667,7 @@
           <a:p>
             <a:pPr algn="ctr"/>
             <a:r>
-              <a:rPr lang="en-US" altLang="ja-JP" sz="1600" dirty="0" smtClean="0">
+              <a:rPr lang="en-US" altLang="ja-JP" sz="1600" dirty="0">
                 <a:solidFill>
                   <a:schemeClr val="tx1">
                     <a:lumMod val="75000"/>
@@ -8784,57 +8677,8 @@
                 <a:latin typeface="HGP創英角ｺﾞｼｯｸUB" panose="020B0900000000000000" pitchFamily="50" charset="-128"/>
                 <a:ea typeface="HGP創英角ｺﾞｼｯｸUB" panose="020B0900000000000000" pitchFamily="50" charset="-128"/>
               </a:rPr>
-              <a:t>Control </a:t>
-            </a:r>
-            <a:r>
-              <a:rPr lang="en-US" altLang="ja-JP" sz="1600" dirty="0">
-                <a:solidFill>
-                  <a:schemeClr val="tx1">
-                    <a:lumMod val="75000"/>
-                    <a:lumOff val="25000"/>
-                  </a:schemeClr>
-                </a:solidFill>
-                <a:latin typeface="HGP創英角ｺﾞｼｯｸUB" panose="020B0900000000000000" pitchFamily="50" charset="-128"/>
-                <a:ea typeface="HGP創英角ｺﾞｼｯｸUB" panose="020B0900000000000000" pitchFamily="50" charset="-128"/>
-              </a:rPr>
-              <a:t>the response </a:t>
-            </a:r>
-            <a:r>
-              <a:rPr lang="en-US" altLang="ja-JP" sz="1600" dirty="0" smtClean="0">
-                <a:solidFill>
-                  <a:schemeClr val="tx1">
-                    <a:lumMod val="75000"/>
-                    <a:lumOff val="25000"/>
-                  </a:schemeClr>
-                </a:solidFill>
-                <a:latin typeface="HGP創英角ｺﾞｼｯｸUB" panose="020B0900000000000000" pitchFamily="50" charset="-128"/>
-                <a:ea typeface="HGP創英角ｺﾞｼｯｸUB" panose="020B0900000000000000" pitchFamily="50" charset="-128"/>
-              </a:rPr>
-              <a:t>on authentication </a:t>
-            </a:r>
-            <a:r>
-              <a:rPr lang="en-US" altLang="ja-JP" sz="1600" dirty="0">
-                <a:solidFill>
-                  <a:schemeClr val="tx1">
-                    <a:lumMod val="75000"/>
-                    <a:lumOff val="25000"/>
-                  </a:schemeClr>
-                </a:solidFill>
-                <a:latin typeface="HGP創英角ｺﾞｼｯｸUB" panose="020B0900000000000000" pitchFamily="50" charset="-128"/>
-                <a:ea typeface="HGP創英角ｺﾞｼｯｸUB" panose="020B0900000000000000" pitchFamily="50" charset="-128"/>
-              </a:rPr>
-              <a:t>success</a:t>
-            </a:r>
-            <a:endParaRPr lang="en-US" altLang="ja-JP" sz="1600" dirty="0" smtClean="0">
-              <a:solidFill>
-                <a:schemeClr val="tx1">
-                  <a:lumMod val="75000"/>
-                  <a:lumOff val="25000"/>
-                </a:schemeClr>
-              </a:solidFill>
-              <a:latin typeface="HGP創英角ｺﾞｼｯｸUB" panose="020B0900000000000000" pitchFamily="50" charset="-128"/>
-              <a:ea typeface="HGP創英角ｺﾞｼｯｸUB" panose="020B0900000000000000" pitchFamily="50" charset="-128"/>
-            </a:endParaRPr>
+              <a:t>Control the response on authentication success</a:t>
+            </a:r>
           </a:p>
         </p:txBody>
       </p:sp>
@@ -8846,7 +8690,7 @@
         </p:nvSpPr>
         <p:spPr>
           <a:xfrm>
-            <a:off x="3826039" y="4307675"/>
+            <a:off x="3826041" y="4307677"/>
             <a:ext cx="1898089" cy="974823"/>
           </a:xfrm>
           <a:prstGeom prst="rect">
@@ -8992,7 +8836,7 @@
         </p:nvSpPr>
         <p:spPr>
           <a:xfrm>
-            <a:off x="6328767" y="1974504"/>
+            <a:off x="6328769" y="1974506"/>
             <a:ext cx="1629867" cy="974823"/>
           </a:xfrm>
           <a:prstGeom prst="rect">
@@ -9082,7 +8926,7 @@
         </p:nvSpPr>
         <p:spPr>
           <a:xfrm>
-            <a:off x="5007243" y="1917670"/>
+            <a:off x="5007245" y="1917672"/>
             <a:ext cx="723275" cy="461665"/>
           </a:xfrm>
           <a:prstGeom prst="rect">
@@ -9097,7 +8941,7 @@
           <a:lstStyle/>
           <a:p>
             <a:r>
-              <a:rPr kumimoji="1" lang="ja-JP" altLang="en-US" sz="2400" dirty="0" smtClean="0">
+              <a:rPr lang="ja-JP" altLang="en-US" sz="2400" dirty="0">
                 <a:solidFill>
                   <a:schemeClr val="tx1">
                     <a:lumMod val="65000"/>
@@ -9109,16 +8953,6 @@
               </a:rPr>
               <a:t>（２）</a:t>
             </a:r>
-            <a:endParaRPr kumimoji="1" lang="ja-JP" altLang="en-US" sz="2400" dirty="0">
-              <a:solidFill>
-                <a:schemeClr val="tx1">
-                  <a:lumMod val="65000"/>
-                  <a:lumOff val="35000"/>
-                </a:schemeClr>
-              </a:solidFill>
-              <a:latin typeface="HGP創英角ｺﾞｼｯｸUB" panose="020B0900000000000000" pitchFamily="50" charset="-128"/>
-              <a:ea typeface="HGP創英角ｺﾞｼｯｸUB" panose="020B0900000000000000" pitchFamily="50" charset="-128"/>
-            </a:endParaRPr>
           </a:p>
         </p:txBody>
       </p:sp>
@@ -9130,7 +8964,7 @@
         </p:nvSpPr>
         <p:spPr>
           <a:xfrm>
-            <a:off x="2486903" y="3654126"/>
+            <a:off x="2486905" y="3654128"/>
             <a:ext cx="723275" cy="461665"/>
           </a:xfrm>
           <a:prstGeom prst="rect">
@@ -9145,7 +8979,7 @@
           <a:lstStyle/>
           <a:p>
             <a:r>
-              <a:rPr kumimoji="1" lang="ja-JP" altLang="en-US" sz="2400" dirty="0" smtClean="0">
+              <a:rPr lang="ja-JP" altLang="en-US" sz="2400" dirty="0">
                 <a:solidFill>
                   <a:schemeClr val="tx1">
                     <a:lumMod val="65000"/>
@@ -9157,16 +8991,6 @@
               </a:rPr>
               <a:t>（３）</a:t>
             </a:r>
-            <a:endParaRPr kumimoji="1" lang="ja-JP" altLang="en-US" sz="2400" dirty="0">
-              <a:solidFill>
-                <a:schemeClr val="tx1">
-                  <a:lumMod val="65000"/>
-                  <a:lumOff val="35000"/>
-                </a:schemeClr>
-              </a:solidFill>
-              <a:latin typeface="HGP創英角ｺﾞｼｯｸUB" panose="020B0900000000000000" pitchFamily="50" charset="-128"/>
-              <a:ea typeface="HGP創英角ｺﾞｼｯｸUB" panose="020B0900000000000000" pitchFamily="50" charset="-128"/>
-            </a:endParaRPr>
           </a:p>
         </p:txBody>
       </p:sp>
@@ -9220,7 +9044,7 @@
         </p:nvSpPr>
         <p:spPr>
           <a:xfrm>
-            <a:off x="311085" y="3053138"/>
+            <a:off x="311087" y="3053138"/>
             <a:ext cx="2336455" cy="967818"/>
           </a:xfrm>
           <a:prstGeom prst="wedgeEllipseCallout">
@@ -9265,7 +9089,7 @@
           <a:p>
             <a:pPr algn="ctr"/>
             <a:r>
-              <a:rPr lang="en-US" altLang="ja-JP" dirty="0" smtClean="0">
+              <a:rPr lang="en-US" altLang="ja-JP" dirty="0">
                 <a:solidFill>
                   <a:schemeClr val="tx1">
                     <a:lumMod val="75000"/>
@@ -9281,7 +9105,7 @@
           <a:p>
             <a:pPr algn="ctr"/>
             <a:r>
-              <a:rPr lang="en-US" altLang="ja-JP" dirty="0" smtClean="0">
+              <a:rPr lang="en-US" altLang="ja-JP" dirty="0">
                 <a:solidFill>
                   <a:schemeClr val="tx1">
                     <a:lumMod val="75000"/>
@@ -9304,7 +9128,7 @@
         </p:nvSpPr>
         <p:spPr>
           <a:xfrm>
-            <a:off x="5773387" y="4653933"/>
+            <a:off x="5773387" y="4653935"/>
             <a:ext cx="2090490" cy="1187031"/>
           </a:xfrm>
           <a:prstGeom prst="wedgeEllipseCallout">
@@ -9349,7 +9173,7 @@
           <a:p>
             <a:pPr algn="ctr"/>
             <a:r>
-              <a:rPr lang="en-US" altLang="ja-JP" sz="1600" dirty="0" smtClean="0">
+              <a:rPr lang="en-US" altLang="ja-JP" sz="1600" dirty="0">
                 <a:solidFill>
                   <a:schemeClr val="tx1">
                     <a:lumMod val="75000"/>
@@ -9359,33 +9183,7 @@
                 <a:latin typeface="HGP創英角ｺﾞｼｯｸUB" panose="020B0900000000000000" pitchFamily="50" charset="-128"/>
                 <a:ea typeface="HGP創英角ｺﾞｼｯｸUB" panose="020B0900000000000000" pitchFamily="50" charset="-128"/>
               </a:rPr>
-              <a:t>Control </a:t>
-            </a:r>
-            <a:r>
-              <a:rPr lang="en-US" altLang="ja-JP" sz="1600" dirty="0">
-                <a:solidFill>
-                  <a:schemeClr val="tx1">
-                    <a:lumMod val="75000"/>
-                    <a:lumOff val="25000"/>
-                  </a:schemeClr>
-                </a:solidFill>
-                <a:latin typeface="HGP創英角ｺﾞｼｯｸUB" panose="020B0900000000000000" pitchFamily="50" charset="-128"/>
-                <a:ea typeface="HGP創英角ｺﾞｼｯｸUB" panose="020B0900000000000000" pitchFamily="50" charset="-128"/>
-              </a:rPr>
-              <a:t>the response </a:t>
-            </a:r>
-            <a:r>
-              <a:rPr lang="en-US" altLang="ja-JP" sz="1600" dirty="0" smtClean="0">
-                <a:solidFill>
-                  <a:schemeClr val="tx1">
-                    <a:lumMod val="75000"/>
-                    <a:lumOff val="25000"/>
-                  </a:schemeClr>
-                </a:solidFill>
-                <a:latin typeface="HGP創英角ｺﾞｼｯｸUB" panose="020B0900000000000000" pitchFamily="50" charset="-128"/>
-                <a:ea typeface="HGP創英角ｺﾞｼｯｸUB" panose="020B0900000000000000" pitchFamily="50" charset="-128"/>
-              </a:rPr>
-              <a:t>on authentication failure</a:t>
+              <a:t>Control the response on authentication failure</a:t>
             </a:r>
           </a:p>
         </p:txBody>
@@ -9435,7 +9233,7 @@
         </p:nvSpPr>
         <p:spPr>
           <a:xfrm>
-            <a:off x="563501" y="992559"/>
+            <a:off x="563501" y="992561"/>
             <a:ext cx="2093920" cy="2246783"/>
           </a:xfrm>
           <a:prstGeom prst="rect">
@@ -9474,7 +9272,7 @@
           <a:p>
             <a:pPr algn="ctr"/>
             <a:r>
-              <a:rPr kumimoji="1" lang="en-US" altLang="ja-JP" sz="2000" dirty="0" smtClean="0">
+              <a:rPr lang="en-US" altLang="ja-JP" sz="2000" dirty="0">
                 <a:solidFill>
                   <a:schemeClr val="tx1">
                     <a:lumMod val="50000"/>
@@ -9495,7 +9293,7 @@
         </p:nvSpPr>
         <p:spPr>
           <a:xfrm>
-            <a:off x="2853654" y="980728"/>
+            <a:off x="2853656" y="980730"/>
             <a:ext cx="4388191" cy="3541973"/>
           </a:xfrm>
           <a:prstGeom prst="rect">
@@ -9534,7 +9332,7 @@
           <a:p>
             <a:pPr algn="ctr"/>
             <a:r>
-              <a:rPr kumimoji="1" lang="en-US" altLang="ja-JP" sz="2000" dirty="0" smtClean="0">
+              <a:rPr lang="en-US" altLang="ja-JP" sz="2000" dirty="0">
                 <a:solidFill>
                   <a:schemeClr val="tx1">
                     <a:lumMod val="50000"/>
@@ -9557,7 +9355,7 @@
         </p:nvCxnSpPr>
         <p:spPr bwMode="invGray">
           <a:xfrm flipH="1" flipV="1">
-            <a:off x="196989" y="2232580"/>
+            <a:off x="196989" y="2232582"/>
             <a:ext cx="5112568" cy="2173"/>
           </a:xfrm>
           <a:prstGeom prst="straightConnector1">
@@ -9597,7 +9395,7 @@
         </p:nvSpPr>
         <p:spPr>
           <a:xfrm>
-            <a:off x="6189456" y="2738456"/>
+            <a:off x="6189458" y="2738458"/>
             <a:ext cx="723275" cy="461665"/>
           </a:xfrm>
           <a:prstGeom prst="rect">
@@ -9612,7 +9410,7 @@
           <a:lstStyle/>
           <a:p>
             <a:r>
-              <a:rPr kumimoji="1" lang="ja-JP" altLang="en-US" sz="2400" dirty="0" smtClean="0">
+              <a:rPr lang="ja-JP" altLang="en-US" sz="2400" dirty="0">
                 <a:solidFill>
                   <a:schemeClr val="tx1">
                     <a:lumMod val="65000"/>
@@ -9624,16 +9422,6 @@
               </a:rPr>
               <a:t>（２）</a:t>
             </a:r>
-            <a:endParaRPr kumimoji="1" lang="ja-JP" altLang="en-US" sz="2400" dirty="0">
-              <a:solidFill>
-                <a:schemeClr val="tx1">
-                  <a:lumMod val="65000"/>
-                  <a:lumOff val="35000"/>
-                </a:schemeClr>
-              </a:solidFill>
-              <a:latin typeface="HGP創英角ｺﾞｼｯｸUB" panose="020B0900000000000000" pitchFamily="50" charset="-128"/>
-              <a:ea typeface="HGP創英角ｺﾞｼｯｸUB" panose="020B0900000000000000" pitchFamily="50" charset="-128"/>
-            </a:endParaRPr>
           </a:p>
         </p:txBody>
       </p:sp>
@@ -9645,7 +9433,7 @@
         </p:nvSpPr>
         <p:spPr>
           <a:xfrm>
-            <a:off x="2886049" y="1257438"/>
+            <a:off x="2886051" y="1257440"/>
             <a:ext cx="723275" cy="461665"/>
           </a:xfrm>
           <a:prstGeom prst="rect">
@@ -9660,7 +9448,7 @@
           <a:lstStyle/>
           <a:p>
             <a:r>
-              <a:rPr kumimoji="1" lang="ja-JP" altLang="en-US" sz="2400" dirty="0" smtClean="0">
+              <a:rPr lang="ja-JP" altLang="en-US" sz="2400" dirty="0">
                 <a:solidFill>
                   <a:schemeClr val="tx1">
                     <a:lumMod val="65000"/>
@@ -9672,16 +9460,6 @@
               </a:rPr>
               <a:t>（１）</a:t>
             </a:r>
-            <a:endParaRPr kumimoji="1" lang="ja-JP" altLang="en-US" sz="2400" dirty="0">
-              <a:solidFill>
-                <a:schemeClr val="tx1">
-                  <a:lumMod val="65000"/>
-                  <a:lumOff val="35000"/>
-                </a:schemeClr>
-              </a:solidFill>
-              <a:latin typeface="HGP創英角ｺﾞｼｯｸUB" panose="020B0900000000000000" pitchFamily="50" charset="-128"/>
-              <a:ea typeface="HGP創英角ｺﾞｼｯｸUB" panose="020B0900000000000000" pitchFamily="50" charset="-128"/>
-            </a:endParaRPr>
           </a:p>
         </p:txBody>
       </p:sp>
@@ -9693,7 +9471,7 @@
         </p:nvSpPr>
         <p:spPr>
           <a:xfrm>
-            <a:off x="785212" y="1719104"/>
+            <a:off x="785214" y="1719106"/>
             <a:ext cx="1629867" cy="974823"/>
           </a:xfrm>
           <a:prstGeom prst="rect">
@@ -9731,7 +9509,7 @@
           <a:p>
             <a:pPr algn="ctr"/>
             <a:r>
-              <a:rPr lang="en-US" altLang="ja-JP" dirty="0" smtClean="0">
+              <a:rPr lang="en-US" altLang="ja-JP" dirty="0">
                 <a:solidFill>
                   <a:schemeClr val="tx1">
                     <a:lumMod val="75000"/>
@@ -9747,7 +9525,7 @@
           <a:p>
             <a:pPr algn="ctr"/>
             <a:r>
-              <a:rPr lang="en-US" altLang="ja-JP" dirty="0" smtClean="0">
+              <a:rPr lang="en-US" altLang="ja-JP" dirty="0">
                 <a:solidFill>
                   <a:schemeClr val="tx1">
                     <a:lumMod val="75000"/>
@@ -9759,16 +9537,6 @@
               </a:rPr>
               <a:t>Filter</a:t>
             </a:r>
-            <a:endParaRPr lang="en-US" altLang="ja-JP" dirty="0">
-              <a:solidFill>
-                <a:schemeClr val="tx1">
-                  <a:lumMod val="75000"/>
-                  <a:lumOff val="25000"/>
-                </a:schemeClr>
-              </a:solidFill>
-              <a:latin typeface="HGP創英角ｺﾞｼｯｸUB" panose="020B0900000000000000" pitchFamily="50" charset="-128"/>
-              <a:ea typeface="HGP創英角ｺﾞｼｯｸUB" panose="020B0900000000000000" pitchFamily="50" charset="-128"/>
-            </a:endParaRPr>
           </a:p>
         </p:txBody>
       </p:sp>
@@ -9780,7 +9548,7 @@
         </p:nvSpPr>
         <p:spPr>
           <a:xfrm>
-            <a:off x="5309557" y="1747341"/>
+            <a:off x="5309559" y="1747343"/>
             <a:ext cx="1629867" cy="974823"/>
           </a:xfrm>
           <a:prstGeom prst="rect">
@@ -9818,7 +9586,7 @@
           <a:p>
             <a:pPr algn="ctr"/>
             <a:r>
-              <a:rPr lang="en-US" altLang="ja-JP" dirty="0" smtClean="0">
+              <a:rPr lang="en-US" altLang="ja-JP" dirty="0">
                 <a:solidFill>
                   <a:schemeClr val="tx1">
                     <a:lumMod val="75000"/>
@@ -9834,7 +9602,7 @@
           <a:p>
             <a:pPr algn="ctr"/>
             <a:r>
-              <a:rPr lang="en-US" altLang="ja-JP" dirty="0" smtClean="0">
+              <a:rPr lang="en-US" altLang="ja-JP" dirty="0">
                 <a:solidFill>
                   <a:schemeClr val="tx1">
                     <a:lumMod val="75000"/>
@@ -9846,16 +9614,6 @@
               </a:rPr>
               <a:t>Authentication</a:t>
             </a:r>
-            <a:endParaRPr lang="en-US" altLang="ja-JP" dirty="0">
-              <a:solidFill>
-                <a:schemeClr val="tx1">
-                  <a:lumMod val="75000"/>
-                  <a:lumOff val="25000"/>
-                </a:schemeClr>
-              </a:solidFill>
-              <a:latin typeface="HGP創英角ｺﾞｼｯｸUB" panose="020B0900000000000000" pitchFamily="50" charset="-128"/>
-              <a:ea typeface="HGP創英角ｺﾞｼｯｸUB" panose="020B0900000000000000" pitchFamily="50" charset="-128"/>
-            </a:endParaRPr>
           </a:p>
           <a:p>
             <a:pPr algn="ctr"/>
@@ -9883,7 +9641,7 @@
         </p:nvSpPr>
         <p:spPr>
           <a:xfrm>
-            <a:off x="2997670" y="1745169"/>
+            <a:off x="2997672" y="1745171"/>
             <a:ext cx="1629867" cy="974823"/>
           </a:xfrm>
           <a:prstGeom prst="rect">
@@ -9921,7 +9679,7 @@
           <a:p>
             <a:pPr algn="ctr"/>
             <a:r>
-              <a:rPr lang="en-US" altLang="ja-JP" dirty="0" smtClean="0">
+              <a:rPr lang="en-US" altLang="ja-JP" dirty="0">
                 <a:solidFill>
                   <a:schemeClr val="tx1">
                     <a:lumMod val="75000"/>
@@ -9937,7 +9695,7 @@
           <a:p>
             <a:pPr algn="ctr"/>
             <a:r>
-              <a:rPr lang="en-US" altLang="ja-JP" dirty="0" smtClean="0">
+              <a:rPr lang="en-US" altLang="ja-JP" dirty="0">
                 <a:solidFill>
                   <a:schemeClr val="tx1">
                     <a:lumMod val="75000"/>
@@ -9949,16 +9707,6 @@
               </a:rPr>
               <a:t>Manager</a:t>
             </a:r>
-            <a:endParaRPr lang="en-US" altLang="ja-JP" dirty="0">
-              <a:solidFill>
-                <a:schemeClr val="tx1">
-                  <a:lumMod val="75000"/>
-                  <a:lumOff val="25000"/>
-                </a:schemeClr>
-              </a:solidFill>
-              <a:latin typeface="HGP創英角ｺﾞｼｯｸUB" panose="020B0900000000000000" pitchFamily="50" charset="-128"/>
-              <a:ea typeface="HGP創英角ｺﾞｼｯｸUB" panose="020B0900000000000000" pitchFamily="50" charset="-128"/>
-            </a:endParaRPr>
           </a:p>
         </p:txBody>
       </p:sp>
@@ -9970,7 +9718,7 @@
         </p:nvSpPr>
         <p:spPr>
           <a:xfrm>
-            <a:off x="5309557" y="3216414"/>
+            <a:off x="5309559" y="3216416"/>
             <a:ext cx="1629867" cy="974823"/>
           </a:xfrm>
           <a:prstGeom prst="rect">
@@ -10070,7 +9818,7 @@
         </p:nvSpPr>
         <p:spPr>
           <a:xfrm>
-            <a:off x="3028182" y="3197364"/>
+            <a:off x="3028184" y="3197366"/>
             <a:ext cx="1629867" cy="974823"/>
           </a:xfrm>
           <a:prstGeom prst="rect">
@@ -10121,7 +9869,7 @@
               <a:t>&lt;interface&gt; </a:t>
             </a:r>
             <a:r>
-              <a:rPr lang="en-US" altLang="ja-JP" dirty="0" err="1" smtClean="0">
+              <a:rPr lang="en-US" altLang="ja-JP" dirty="0" err="1">
                 <a:solidFill>
                   <a:schemeClr val="tx1">
                     <a:lumMod val="75000"/>
@@ -10197,7 +9945,7 @@
         </p:nvCxnSpPr>
         <p:spPr bwMode="invGray">
           <a:xfrm flipV="1">
-            <a:off x="4658049" y="2722164"/>
+            <a:off x="4658049" y="2722166"/>
             <a:ext cx="660348" cy="475201"/>
           </a:xfrm>
           <a:prstGeom prst="straightConnector1">
@@ -10237,7 +9985,7 @@
         </p:nvSpPr>
         <p:spPr>
           <a:xfrm>
-            <a:off x="5318397" y="5157192"/>
+            <a:off x="5318399" y="5157194"/>
             <a:ext cx="1629867" cy="974823"/>
           </a:xfrm>
           <a:prstGeom prst="rect">
@@ -10326,16 +10074,6 @@
               </a:rPr>
               <a:t>Service</a:t>
             </a:r>
-            <a:endParaRPr lang="en-US" altLang="ja-JP" dirty="0" smtClean="0">
-              <a:solidFill>
-                <a:schemeClr val="tx1">
-                  <a:lumMod val="75000"/>
-                  <a:lumOff val="25000"/>
-                </a:schemeClr>
-              </a:solidFill>
-              <a:latin typeface="HGP創英角ｺﾞｼｯｸUB" panose="020B0900000000000000" pitchFamily="50" charset="-128"/>
-              <a:ea typeface="HGP創英角ｺﾞｼｯｸUB" panose="020B0900000000000000" pitchFamily="50" charset="-128"/>
-            </a:endParaRPr>
           </a:p>
         </p:txBody>
       </p:sp>
@@ -10347,7 +10085,7 @@
         </p:nvSpPr>
         <p:spPr>
           <a:xfrm>
-            <a:off x="3045295" y="5160291"/>
+            <a:off x="3045297" y="5160293"/>
             <a:ext cx="1629867" cy="974823"/>
           </a:xfrm>
           <a:prstGeom prst="rect">
@@ -10434,7 +10172,7 @@
         </p:nvCxnSpPr>
         <p:spPr bwMode="invGray">
           <a:xfrm flipH="1" flipV="1">
-            <a:off x="3843116" y="4172187"/>
+            <a:off x="3843118" y="4172187"/>
             <a:ext cx="17113" cy="988104"/>
           </a:xfrm>
           <a:prstGeom prst="straightConnector1">
@@ -10478,7 +10216,7 @@
         </p:nvCxnSpPr>
         <p:spPr bwMode="invGray">
           <a:xfrm flipH="1" flipV="1">
-            <a:off x="6124491" y="4191237"/>
+            <a:off x="6124491" y="4191239"/>
             <a:ext cx="8840" cy="965955"/>
           </a:xfrm>
           <a:prstGeom prst="straightConnector1">
@@ -10519,7 +10257,7 @@
         </p:nvSpPr>
         <p:spPr>
           <a:xfrm>
-            <a:off x="7452321" y="4277484"/>
+            <a:off x="7452323" y="4277486"/>
             <a:ext cx="1584175" cy="2103843"/>
           </a:xfrm>
           <a:prstGeom prst="rect">
@@ -10558,7 +10296,7 @@
           <a:p>
             <a:pPr algn="ctr"/>
             <a:r>
-              <a:rPr kumimoji="1" lang="en-US" altLang="ja-JP" sz="2000" dirty="0" smtClean="0">
+              <a:rPr lang="en-US" altLang="ja-JP" sz="2000" dirty="0">
                 <a:solidFill>
                   <a:schemeClr val="tx1">
                     <a:lumMod val="50000"/>
@@ -10579,7 +10317,7 @@
         </p:nvSpPr>
         <p:spPr>
           <a:xfrm>
-            <a:off x="7687395" y="4967675"/>
+            <a:off x="7687397" y="4967677"/>
             <a:ext cx="1184317" cy="1053613"/>
           </a:xfrm>
           <a:prstGeom prst="can">
@@ -10616,7 +10354,7 @@
           <a:p>
             <a:pPr algn="ctr"/>
             <a:r>
-              <a:rPr kumimoji="1" lang="en-US" altLang="ja-JP" sz="1600" dirty="0" smtClean="0">
+              <a:rPr lang="en-US" altLang="ja-JP" sz="1600" dirty="0">
                 <a:solidFill>
                   <a:schemeClr val="tx1">
                     <a:lumMod val="65000"/>
@@ -10628,7 +10366,7 @@
               </a:rPr>
               <a:t>User Information</a:t>
             </a:r>
-            <a:endParaRPr kumimoji="1" lang="ja-JP" altLang="en-US" sz="1600" dirty="0" smtClean="0">
+            <a:endParaRPr lang="ja-JP" altLang="en-US" sz="1600" dirty="0">
               <a:solidFill>
                 <a:schemeClr val="tx1">
                   <a:lumMod val="65000"/>
@@ -10652,7 +10390,7 @@
         </p:nvCxnSpPr>
         <p:spPr bwMode="invGray">
           <a:xfrm flipV="1">
-            <a:off x="4675162" y="5644604"/>
+            <a:off x="4675164" y="5644606"/>
             <a:ext cx="643235" cy="3099"/>
           </a:xfrm>
           <a:prstGeom prst="straightConnector1">
@@ -10692,7 +10430,7 @@
         </p:nvSpPr>
         <p:spPr>
           <a:xfrm>
-            <a:off x="4644008" y="5689823"/>
+            <a:off x="4644010" y="5689825"/>
             <a:ext cx="723275" cy="461665"/>
           </a:xfrm>
           <a:prstGeom prst="rect">
@@ -10707,7 +10445,7 @@
           <a:lstStyle/>
           <a:p>
             <a:r>
-              <a:rPr kumimoji="1" lang="ja-JP" altLang="en-US" sz="2400" dirty="0" smtClean="0">
+              <a:rPr lang="ja-JP" altLang="en-US" sz="2400" dirty="0">
                 <a:solidFill>
                   <a:schemeClr val="tx1">
                     <a:lumMod val="65000"/>
@@ -10719,16 +10457,6 @@
               </a:rPr>
               <a:t>（４）</a:t>
             </a:r>
-            <a:endParaRPr kumimoji="1" lang="ja-JP" altLang="en-US" sz="2400" dirty="0">
-              <a:solidFill>
-                <a:schemeClr val="tx1">
-                  <a:lumMod val="65000"/>
-                  <a:lumOff val="35000"/>
-                </a:schemeClr>
-              </a:solidFill>
-              <a:latin typeface="HGP創英角ｺﾞｼｯｸUB" panose="020B0900000000000000" pitchFamily="50" charset="-128"/>
-              <a:ea typeface="HGP創英角ｺﾞｼｯｸUB" panose="020B0900000000000000" pitchFamily="50" charset="-128"/>
-            </a:endParaRPr>
           </a:p>
         </p:txBody>
       </p:sp>
@@ -10740,7 +10468,7 @@
         </p:nvSpPr>
         <p:spPr>
           <a:xfrm>
-            <a:off x="4048894" y="2711329"/>
+            <a:off x="4048896" y="2711331"/>
             <a:ext cx="723275" cy="461665"/>
           </a:xfrm>
           <a:prstGeom prst="rect">
@@ -10755,7 +10483,7 @@
           <a:lstStyle/>
           <a:p>
             <a:r>
-              <a:rPr kumimoji="1" lang="ja-JP" altLang="en-US" sz="2400" dirty="0" smtClean="0">
+              <a:rPr lang="ja-JP" altLang="en-US" sz="2400" dirty="0">
                 <a:solidFill>
                   <a:schemeClr val="tx1">
                     <a:lumMod val="65000"/>
@@ -10767,16 +10495,6 @@
               </a:rPr>
               <a:t>（５）</a:t>
             </a:r>
-            <a:endParaRPr kumimoji="1" lang="ja-JP" altLang="en-US" sz="2400" dirty="0">
-              <a:solidFill>
-                <a:schemeClr val="tx1">
-                  <a:lumMod val="65000"/>
-                  <a:lumOff val="35000"/>
-                </a:schemeClr>
-              </a:solidFill>
-              <a:latin typeface="HGP創英角ｺﾞｼｯｸUB" panose="020B0900000000000000" pitchFamily="50" charset="-128"/>
-              <a:ea typeface="HGP創英角ｺﾞｼｯｸUB" panose="020B0900000000000000" pitchFamily="50" charset="-128"/>
-            </a:endParaRPr>
           </a:p>
         </p:txBody>
       </p:sp>
@@ -10788,7 +10506,7 @@
         </p:nvSpPr>
         <p:spPr>
           <a:xfrm>
-            <a:off x="2886049" y="4972014"/>
+            <a:off x="2886049" y="4972016"/>
             <a:ext cx="4355796" cy="1409313"/>
           </a:xfrm>
           <a:prstGeom prst="rect">
@@ -10826,7 +10544,7 @@
           <a:lstStyle/>
           <a:p>
             <a:pPr algn="ctr"/>
-            <a:endParaRPr kumimoji="1" lang="en-US" altLang="ja-JP" sz="2000" dirty="0" smtClean="0">
+            <a:endParaRPr lang="en-US" altLang="ja-JP" sz="2000" dirty="0">
               <a:solidFill>
                 <a:schemeClr val="tx1">
                   <a:lumMod val="50000"/>
@@ -10845,7 +10563,7 @@
         </p:nvSpPr>
         <p:spPr>
           <a:xfrm>
-            <a:off x="6988777" y="5680298"/>
+            <a:off x="6988779" y="5680300"/>
             <a:ext cx="723275" cy="461665"/>
           </a:xfrm>
           <a:prstGeom prst="rect">
@@ -10860,7 +10578,7 @@
           <a:lstStyle/>
           <a:p>
             <a:r>
-              <a:rPr kumimoji="1" lang="ja-JP" altLang="en-US" sz="2400" dirty="0" smtClean="0">
+              <a:rPr lang="ja-JP" altLang="en-US" sz="2400" dirty="0">
                 <a:solidFill>
                   <a:schemeClr val="tx1">
                     <a:lumMod val="65000"/>
@@ -10872,16 +10590,6 @@
               </a:rPr>
               <a:t>（３）</a:t>
             </a:r>
-            <a:endParaRPr kumimoji="1" lang="ja-JP" altLang="en-US" sz="2400" dirty="0">
-              <a:solidFill>
-                <a:schemeClr val="tx1">
-                  <a:lumMod val="65000"/>
-                  <a:lumOff val="35000"/>
-                </a:schemeClr>
-              </a:solidFill>
-              <a:latin typeface="HGP創英角ｺﾞｼｯｸUB" panose="020B0900000000000000" pitchFamily="50" charset="-128"/>
-              <a:ea typeface="HGP創英角ｺﾞｼｯｸUB" panose="020B0900000000000000" pitchFamily="50" charset="-128"/>
-            </a:endParaRPr>
           </a:p>
         </p:txBody>
       </p:sp>
@@ -10893,7 +10601,7 @@
         </p:nvCxnSpPr>
         <p:spPr bwMode="invGray">
           <a:xfrm flipV="1">
-            <a:off x="6948264" y="5644604"/>
+            <a:off x="6948264" y="5644606"/>
             <a:ext cx="763788" cy="1"/>
           </a:xfrm>
           <a:prstGeom prst="straightConnector1">
@@ -10978,7 +10686,7 @@
           <a:p>
             <a:pPr algn="ctr"/>
             <a:r>
-              <a:rPr lang="en-US" altLang="ja-JP" dirty="0" smtClean="0">
+              <a:rPr lang="en-US" altLang="ja-JP" dirty="0">
                 <a:solidFill>
                   <a:schemeClr val="tx1">
                     <a:lumMod val="75000"/>
@@ -10988,33 +10696,7 @@
                 <a:latin typeface="HGP創英角ｺﾞｼｯｸUB" panose="020B0900000000000000" pitchFamily="50" charset="-128"/>
                 <a:ea typeface="HGP創英角ｺﾞｼｯｸUB" panose="020B0900000000000000" pitchFamily="50" charset="-128"/>
               </a:rPr>
-              <a:t>Create </a:t>
-            </a:r>
-            <a:r>
-              <a:rPr lang="en-US" altLang="ja-JP" dirty="0">
-                <a:solidFill>
-                  <a:schemeClr val="tx1">
-                    <a:lumMod val="75000"/>
-                    <a:lumOff val="25000"/>
-                  </a:schemeClr>
-                </a:solidFill>
-                <a:latin typeface="HGP創英角ｺﾞｼｯｸUB" panose="020B0900000000000000" pitchFamily="50" charset="-128"/>
-                <a:ea typeface="HGP創英角ｺﾞｼｯｸUB" panose="020B0900000000000000" pitchFamily="50" charset="-128"/>
-              </a:rPr>
-              <a:t>an implementation class to suit </a:t>
-            </a:r>
-            <a:r>
-              <a:rPr lang="en-US" altLang="ja-JP" dirty="0" smtClean="0">
-                <a:solidFill>
-                  <a:schemeClr val="tx1">
-                    <a:lumMod val="75000"/>
-                    <a:lumOff val="25000"/>
-                  </a:schemeClr>
-                </a:solidFill>
-                <a:latin typeface="HGP創英角ｺﾞｼｯｸUB" panose="020B0900000000000000" pitchFamily="50" charset="-128"/>
-                <a:ea typeface="HGP創英角ｺﾞｼｯｸUB" panose="020B0900000000000000" pitchFamily="50" charset="-128"/>
-              </a:rPr>
-              <a:t>requirements</a:t>
+              <a:t>Create an implementation class to suit requirements</a:t>
             </a:r>
           </a:p>
         </p:txBody>
@@ -11027,7 +10709,7 @@
         </p:nvSpPr>
         <p:spPr>
           <a:xfrm>
-            <a:off x="4379836" y="4577323"/>
+            <a:off x="4379838" y="4577323"/>
             <a:ext cx="1183337" cy="338554"/>
           </a:xfrm>
           <a:prstGeom prst="rect">
@@ -11042,7 +10724,7 @@
           <a:lstStyle/>
           <a:p>
             <a:r>
-              <a:rPr lang="en-US" altLang="ja-JP" sz="1600" dirty="0" smtClean="0">
+              <a:rPr lang="en-US" altLang="ja-JP" sz="1600" dirty="0">
                 <a:solidFill>
                   <a:schemeClr val="tx1">
                     <a:lumMod val="50000"/>
@@ -11054,7 +10736,7 @@
               </a:rPr>
               <a:t>implements</a:t>
             </a:r>
-            <a:endParaRPr kumimoji="1" lang="ja-JP" altLang="en-US" sz="1600" dirty="0">
+            <a:endParaRPr lang="ja-JP" altLang="en-US" sz="1600" dirty="0">
               <a:solidFill>
                 <a:schemeClr val="tx1">
                   <a:lumMod val="50000"/>
@@ -11112,7 +10794,7 @@
         </p:nvSpPr>
         <p:spPr>
           <a:xfrm>
-            <a:off x="871016" y="72978"/>
+            <a:off x="871016" y="72980"/>
             <a:ext cx="7416824" cy="3183431"/>
           </a:xfrm>
           <a:prstGeom prst="rect">
@@ -11151,7 +10833,7 @@
           <a:p>
             <a:pPr algn="ctr"/>
             <a:r>
-              <a:rPr kumimoji="1" lang="en-US" altLang="ja-JP" sz="2000" dirty="0" smtClean="0">
+              <a:rPr lang="en-US" altLang="ja-JP" sz="2000" dirty="0">
                 <a:solidFill>
                   <a:schemeClr val="tx1">
                     <a:lumMod val="50000"/>
@@ -11172,7 +10854,7 @@
         </p:nvSpPr>
         <p:spPr>
           <a:xfrm>
-            <a:off x="1026113" y="689472"/>
+            <a:off x="1026113" y="689474"/>
             <a:ext cx="1501088" cy="1866053"/>
           </a:xfrm>
           <a:prstGeom prst="rect">
@@ -11222,16 +10904,6 @@
               </a:rPr>
               <a:t>Authentication</a:t>
             </a:r>
-            <a:endParaRPr lang="en-US" altLang="ja-JP" sz="1600" dirty="0">
-              <a:solidFill>
-                <a:schemeClr val="tx1">
-                  <a:lumMod val="75000"/>
-                  <a:lumOff val="25000"/>
-                </a:schemeClr>
-              </a:solidFill>
-              <a:latin typeface="HGP創英角ｺﾞｼｯｸUB" panose="020B0900000000000000" pitchFamily="50" charset="-128"/>
-              <a:ea typeface="HGP創英角ｺﾞｼｯｸUB" panose="020B0900000000000000" pitchFamily="50" charset="-128"/>
-            </a:endParaRPr>
           </a:p>
         </p:txBody>
       </p:sp>
@@ -11243,7 +10915,7 @@
         </p:nvSpPr>
         <p:spPr>
           <a:xfrm>
-            <a:off x="3679328" y="1201917"/>
+            <a:off x="3679330" y="1201919"/>
             <a:ext cx="1629867" cy="974823"/>
           </a:xfrm>
           <a:prstGeom prst="rect">
@@ -11330,7 +11002,7 @@
         </p:nvCxnSpPr>
         <p:spPr bwMode="invGray">
           <a:xfrm flipH="1">
-            <a:off x="5309195" y="1683897"/>
+            <a:off x="5309197" y="1683897"/>
             <a:ext cx="1016631" cy="5432"/>
           </a:xfrm>
           <a:prstGeom prst="straightConnector1">
@@ -11371,7 +11043,7 @@
         </p:nvSpPr>
         <p:spPr>
           <a:xfrm>
-            <a:off x="6325826" y="1196485"/>
+            <a:off x="6325826" y="1196487"/>
             <a:ext cx="1756616" cy="974823"/>
           </a:xfrm>
           <a:prstGeom prst="rect">
@@ -11425,7 +11097,7 @@
           <a:p>
             <a:pPr algn="ctr"/>
             <a:r>
-              <a:rPr lang="en-US" altLang="ja-JP" dirty="0" smtClean="0">
+              <a:rPr lang="en-US" altLang="ja-JP" dirty="0">
                 <a:solidFill>
                   <a:schemeClr val="tx1">
                     <a:lumMod val="75000"/>
@@ -11441,7 +11113,7 @@
           <a:p>
             <a:pPr algn="ctr"/>
             <a:r>
-              <a:rPr lang="en-US" altLang="ja-JP" dirty="0" err="1" smtClean="0">
+              <a:rPr lang="en-US" altLang="ja-JP" dirty="0" err="1">
                 <a:solidFill>
                   <a:schemeClr val="tx1">
                     <a:lumMod val="75000"/>
@@ -11474,7 +11146,7 @@
         </p:nvCxnSpPr>
         <p:spPr bwMode="invGray">
           <a:xfrm flipH="1" flipV="1">
-            <a:off x="2398576" y="823970"/>
+            <a:off x="2398576" y="823972"/>
             <a:ext cx="1280752" cy="700317"/>
           </a:xfrm>
           <a:prstGeom prst="straightConnector1">
@@ -11554,7 +11226,7 @@
         </p:nvSpPr>
         <p:spPr>
           <a:xfrm>
-            <a:off x="876349" y="3400425"/>
+            <a:off x="876351" y="3400425"/>
             <a:ext cx="4847779" cy="3384376"/>
           </a:xfrm>
           <a:prstGeom prst="rect">
@@ -11593,7 +11265,7 @@
           <a:p>
             <a:pPr algn="ctr"/>
             <a:r>
-              <a:rPr kumimoji="1" lang="en-US" altLang="ja-JP" sz="2000" dirty="0" smtClean="0">
+              <a:rPr lang="en-US" altLang="ja-JP" sz="2000" dirty="0">
                 <a:solidFill>
                   <a:schemeClr val="tx1">
                     <a:lumMod val="50000"/>
@@ -11614,7 +11286,7 @@
         </p:nvSpPr>
         <p:spPr>
           <a:xfrm rot="19466574">
-            <a:off x="1339142" y="558728"/>
+            <a:off x="1339144" y="558730"/>
             <a:ext cx="822463" cy="530485"/>
           </a:xfrm>
           <a:prstGeom prst="corner">
@@ -11649,7 +11321,7 @@
           <a:lstStyle/>
           <a:p>
             <a:pPr algn="ctr"/>
-            <a:endParaRPr kumimoji="1" lang="ja-JP" altLang="en-US" dirty="0"/>
+            <a:endParaRPr lang="ja-JP" altLang="en-US" dirty="0"/>
           </a:p>
         </p:txBody>
       </p:sp>
@@ -11661,7 +11333,7 @@
         </p:nvSpPr>
         <p:spPr>
           <a:xfrm>
-            <a:off x="815193" y="1862085"/>
+            <a:off x="815195" y="1862085"/>
             <a:ext cx="1928031" cy="890268"/>
           </a:xfrm>
           <a:prstGeom prst="irregularSeal2">
@@ -11702,7 +11374,7 @@
           <a:p>
             <a:pPr algn="ctr"/>
             <a:r>
-              <a:rPr lang="en-US" altLang="ja-JP" dirty="0" smtClean="0">
+              <a:rPr lang="en-US" altLang="ja-JP" dirty="0">
                 <a:solidFill>
                   <a:srgbClr val="C00000"/>
                 </a:solidFill>
@@ -11711,7 +11383,7 @@
               </a:rPr>
               <a:t>Error!</a:t>
             </a:r>
-            <a:endParaRPr kumimoji="1" lang="ja-JP" altLang="en-US" dirty="0">
+            <a:endParaRPr lang="ja-JP" altLang="en-US" dirty="0">
               <a:solidFill>
                 <a:srgbClr val="C00000"/>
               </a:solidFill>
@@ -11729,7 +11401,7 @@
         </p:nvSpPr>
         <p:spPr>
           <a:xfrm>
-            <a:off x="977055" y="169475"/>
+            <a:off x="977057" y="169477"/>
             <a:ext cx="1616647" cy="489415"/>
           </a:xfrm>
           <a:prstGeom prst="rect">
@@ -11808,7 +11480,7 @@
         </p:nvSpPr>
         <p:spPr>
           <a:xfrm>
-            <a:off x="1113357" y="3574472"/>
+            <a:off x="1113359" y="3574472"/>
             <a:ext cx="1925595" cy="795172"/>
           </a:xfrm>
           <a:prstGeom prst="rect">
@@ -11843,7 +11515,7 @@
           <a:p>
             <a:pPr algn="ctr"/>
             <a:r>
-              <a:rPr lang="en-US" altLang="ja-JP" sz="1100" dirty="0" smtClean="0">
+              <a:rPr lang="en-US" altLang="ja-JP" sz="1100" dirty="0">
                 <a:solidFill>
                   <a:schemeClr val="bg1"/>
                 </a:solidFill>
@@ -11856,7 +11528,7 @@
           <a:p>
             <a:pPr algn="ctr"/>
             <a:r>
-              <a:rPr lang="en-US" altLang="ja-JP" dirty="0" err="1" smtClean="0">
+              <a:rPr lang="en-US" altLang="ja-JP" dirty="0" err="1">
                 <a:solidFill>
                   <a:schemeClr val="bg1"/>
                 </a:solidFill>
@@ -11864,26 +11536,6 @@
                 <a:ea typeface="HGP創英角ｺﾞｼｯｸUB" panose="020B0900000000000000" pitchFamily="50" charset="-128"/>
               </a:rPr>
               <a:t>ApplicationEvent</a:t>
-            </a:r>
-            <a:endParaRPr lang="en-US" altLang="ja-JP" dirty="0" smtClean="0">
-              <a:solidFill>
-                <a:schemeClr val="bg1"/>
-              </a:solidFill>
-              <a:latin typeface="HGP創英角ｺﾞｼｯｸUB" panose="020B0900000000000000" pitchFamily="50" charset="-128"/>
-              <a:ea typeface="HGP創英角ｺﾞｼｯｸUB" panose="020B0900000000000000" pitchFamily="50" charset="-128"/>
-            </a:endParaRPr>
-          </a:p>
-          <a:p>
-            <a:pPr algn="ctr"/>
-            <a:r>
-              <a:rPr lang="en-US" altLang="ja-JP" dirty="0" smtClean="0">
-                <a:solidFill>
-                  <a:schemeClr val="bg1"/>
-                </a:solidFill>
-                <a:latin typeface="HGP創英角ｺﾞｼｯｸUB" panose="020B0900000000000000" pitchFamily="50" charset="-128"/>
-                <a:ea typeface="HGP創英角ｺﾞｼｯｸUB" panose="020B0900000000000000" pitchFamily="50" charset="-128"/>
-              </a:rPr>
-              <a:t>Publisher</a:t>
             </a:r>
             <a:endParaRPr lang="en-US" altLang="ja-JP" dirty="0">
               <a:solidFill>
@@ -11893,6 +11545,19 @@
               <a:ea typeface="HGP創英角ｺﾞｼｯｸUB" panose="020B0900000000000000" pitchFamily="50" charset="-128"/>
             </a:endParaRPr>
           </a:p>
+          <a:p>
+            <a:pPr algn="ctr"/>
+            <a:r>
+              <a:rPr lang="en-US" altLang="ja-JP" dirty="0">
+                <a:solidFill>
+                  <a:schemeClr val="bg1"/>
+                </a:solidFill>
+                <a:latin typeface="HGP創英角ｺﾞｼｯｸUB" panose="020B0900000000000000" pitchFamily="50" charset="-128"/>
+                <a:ea typeface="HGP創英角ｺﾞｼｯｸUB" panose="020B0900000000000000" pitchFamily="50" charset="-128"/>
+              </a:rPr>
+              <a:t>Publisher</a:t>
+            </a:r>
+          </a:p>
         </p:txBody>
       </p:sp>
       <p:sp>
@@ -11903,7 +11568,7 @@
         </p:nvSpPr>
         <p:spPr>
           <a:xfrm>
-            <a:off x="1113357" y="4407745"/>
+            <a:off x="1113359" y="4407747"/>
             <a:ext cx="1925595" cy="637771"/>
           </a:xfrm>
           <a:prstGeom prst="rect">
@@ -11961,7 +11626,7 @@
         </p:nvCxnSpPr>
         <p:spPr bwMode="invGray">
           <a:xfrm rot="5400000" flipH="1" flipV="1">
-            <a:off x="3938562" y="308901"/>
+            <a:off x="3938562" y="308903"/>
             <a:ext cx="1403164" cy="5127979"/>
           </a:xfrm>
           <a:prstGeom prst="bentConnector3">
@@ -12003,7 +11668,7 @@
         </p:nvSpPr>
         <p:spPr>
           <a:xfrm>
-            <a:off x="3569221" y="3870945"/>
+            <a:off x="3569221" y="3870947"/>
             <a:ext cx="1840904" cy="609599"/>
           </a:xfrm>
           <a:prstGeom prst="rect">
@@ -12047,18 +11712,11 @@
               </a:rPr>
               <a:t>&lt;interface&gt; </a:t>
             </a:r>
-            <a:endParaRPr lang="en-US" altLang="ja-JP" sz="1100" dirty="0" smtClean="0">
-              <a:solidFill>
-                <a:schemeClr val="bg1"/>
-              </a:solidFill>
-              <a:latin typeface="HGP創英角ｺﾞｼｯｸUB" panose="020B0900000000000000" pitchFamily="50" charset="-128"/>
-              <a:ea typeface="HGP創英角ｺﾞｼｯｸUB" panose="020B0900000000000000" pitchFamily="50" charset="-128"/>
-            </a:endParaRPr>
           </a:p>
           <a:p>
             <a:pPr algn="ctr"/>
             <a:r>
-              <a:rPr lang="en-US" altLang="ja-JP" dirty="0" err="1" smtClean="0">
+              <a:rPr lang="en-US" altLang="ja-JP" dirty="0" err="1">
                 <a:solidFill>
                   <a:schemeClr val="bg1"/>
                 </a:solidFill>
@@ -12085,7 +11743,7 @@
         </p:nvSpPr>
         <p:spPr>
           <a:xfrm>
-            <a:off x="4253110" y="2392313"/>
+            <a:off x="4253110" y="2392315"/>
             <a:ext cx="1135386" cy="489415"/>
           </a:xfrm>
           <a:prstGeom prst="rect">
@@ -12143,7 +11801,7 @@
         </p:nvSpPr>
         <p:spPr>
           <a:xfrm>
-            <a:off x="4378432" y="2483517"/>
+            <a:off x="4378432" y="2483519"/>
             <a:ext cx="1135386" cy="489415"/>
           </a:xfrm>
           <a:prstGeom prst="rect">
@@ -12201,7 +11859,7 @@
         </p:nvSpPr>
         <p:spPr>
           <a:xfrm>
-            <a:off x="4522448" y="2555525"/>
+            <a:off x="4522448" y="2555527"/>
             <a:ext cx="1135386" cy="489415"/>
           </a:xfrm>
           <a:prstGeom prst="rect">
@@ -12259,7 +11917,7 @@
         </p:nvSpPr>
         <p:spPr>
           <a:xfrm>
-            <a:off x="4680181" y="2627533"/>
+            <a:off x="4680181" y="2627535"/>
             <a:ext cx="1135386" cy="489415"/>
           </a:xfrm>
           <a:prstGeom prst="rect">
@@ -12317,7 +11975,7 @@
         </p:nvCxnSpPr>
         <p:spPr bwMode="invGray">
           <a:xfrm>
-            <a:off x="4870673" y="3116948"/>
+            <a:off x="4870673" y="3116950"/>
             <a:ext cx="0" cy="753997"/>
           </a:xfrm>
           <a:prstGeom prst="straightConnector1">
@@ -12358,7 +12016,7 @@
         </p:nvSpPr>
         <p:spPr>
           <a:xfrm>
-            <a:off x="3252613" y="4879265"/>
+            <a:off x="3252613" y="4879267"/>
             <a:ext cx="2240150" cy="616857"/>
           </a:xfrm>
           <a:prstGeom prst="rect">
@@ -12393,7 +12051,7 @@
           <a:p>
             <a:pPr algn="ctr"/>
             <a:r>
-              <a:rPr lang="en-US" altLang="ja-JP" sz="1100" dirty="0" smtClean="0">
+              <a:rPr lang="en-US" altLang="ja-JP" sz="1100" dirty="0">
                 <a:solidFill>
                   <a:schemeClr val="bg1"/>
                 </a:solidFill>
@@ -12406,7 +12064,7 @@
           <a:p>
             <a:pPr algn="ctr"/>
             <a:r>
-              <a:rPr lang="en-US" altLang="ja-JP" dirty="0" err="1" smtClean="0">
+              <a:rPr lang="en-US" altLang="ja-JP" dirty="0" err="1">
                 <a:solidFill>
                   <a:schemeClr val="bg1"/>
                 </a:solidFill>
@@ -12476,7 +12134,7 @@
         </p:nvSpPr>
         <p:spPr>
           <a:xfrm>
-            <a:off x="2699791" y="1394086"/>
+            <a:off x="2699793" y="1394088"/>
             <a:ext cx="723275" cy="461665"/>
           </a:xfrm>
           <a:prstGeom prst="rect">
@@ -12491,7 +12149,7 @@
           <a:lstStyle/>
           <a:p>
             <a:r>
-              <a:rPr kumimoji="1" lang="ja-JP" altLang="en-US" sz="2400" dirty="0" smtClean="0">
+              <a:rPr lang="ja-JP" altLang="en-US" sz="2400" dirty="0">
                 <a:solidFill>
                   <a:schemeClr val="tx1">
                     <a:lumMod val="65000"/>
@@ -12503,16 +12161,6 @@
               </a:rPr>
               <a:t>（１）</a:t>
             </a:r>
-            <a:endParaRPr kumimoji="1" lang="ja-JP" altLang="en-US" sz="2400" dirty="0">
-              <a:solidFill>
-                <a:schemeClr val="tx1">
-                  <a:lumMod val="65000"/>
-                  <a:lumOff val="35000"/>
-                </a:schemeClr>
-              </a:solidFill>
-              <a:latin typeface="HGP創英角ｺﾞｼｯｸUB" panose="020B0900000000000000" pitchFamily="50" charset="-128"/>
-              <a:ea typeface="HGP創英角ｺﾞｼｯｸUB" panose="020B0900000000000000" pitchFamily="50" charset="-128"/>
-            </a:endParaRPr>
           </a:p>
         </p:txBody>
       </p:sp>
@@ -12524,7 +12172,7 @@
         </p:nvSpPr>
         <p:spPr>
           <a:xfrm>
-            <a:off x="5894150" y="2396700"/>
+            <a:off x="5894152" y="2396702"/>
             <a:ext cx="723275" cy="461665"/>
           </a:xfrm>
           <a:prstGeom prst="rect">
@@ -12539,7 +12187,7 @@
           <a:lstStyle/>
           <a:p>
             <a:r>
-              <a:rPr kumimoji="1" lang="ja-JP" altLang="en-US" sz="2400" dirty="0" smtClean="0">
+              <a:rPr lang="ja-JP" altLang="en-US" sz="2400" dirty="0">
                 <a:solidFill>
                   <a:schemeClr val="tx1">
                     <a:lumMod val="65000"/>
@@ -12551,16 +12199,6 @@
               </a:rPr>
               <a:t>（２）</a:t>
             </a:r>
-            <a:endParaRPr kumimoji="1" lang="ja-JP" altLang="en-US" sz="2400" dirty="0">
-              <a:solidFill>
-                <a:schemeClr val="tx1">
-                  <a:lumMod val="65000"/>
-                  <a:lumOff val="35000"/>
-                </a:schemeClr>
-              </a:solidFill>
-              <a:latin typeface="HGP創英角ｺﾞｼｯｸUB" panose="020B0900000000000000" pitchFamily="50" charset="-128"/>
-              <a:ea typeface="HGP創英角ｺﾞｼｯｸUB" panose="020B0900000000000000" pitchFamily="50" charset="-128"/>
-            </a:endParaRPr>
           </a:p>
         </p:txBody>
       </p:sp>
@@ -12572,7 +12210,7 @@
         </p:nvSpPr>
         <p:spPr>
           <a:xfrm>
-            <a:off x="1976516" y="5104283"/>
+            <a:off x="1976518" y="5104285"/>
             <a:ext cx="723275" cy="461665"/>
           </a:xfrm>
           <a:prstGeom prst="rect">
@@ -12587,7 +12225,7 @@
           <a:lstStyle/>
           <a:p>
             <a:r>
-              <a:rPr kumimoji="1" lang="ja-JP" altLang="en-US" sz="2400" dirty="0" smtClean="0">
+              <a:rPr lang="ja-JP" altLang="en-US" sz="2400" dirty="0">
                 <a:solidFill>
                   <a:schemeClr val="tx1">
                     <a:lumMod val="65000"/>
@@ -12599,16 +12237,6 @@
               </a:rPr>
               <a:t>（３）</a:t>
             </a:r>
-            <a:endParaRPr kumimoji="1" lang="ja-JP" altLang="en-US" sz="2400" dirty="0">
-              <a:solidFill>
-                <a:schemeClr val="tx1">
-                  <a:lumMod val="65000"/>
-                  <a:lumOff val="35000"/>
-                </a:schemeClr>
-              </a:solidFill>
-              <a:latin typeface="HGP創英角ｺﾞｼｯｸUB" panose="020B0900000000000000" pitchFamily="50" charset="-128"/>
-              <a:ea typeface="HGP創英角ｺﾞｼｯｸUB" panose="020B0900000000000000" pitchFamily="50" charset="-128"/>
-            </a:endParaRPr>
           </a:p>
         </p:txBody>
       </p:sp>
@@ -12655,7 +12283,7 @@
           <a:p>
             <a:pPr algn="ctr"/>
             <a:r>
-              <a:rPr lang="en-US" altLang="ja-JP" dirty="0" err="1" smtClean="0">
+              <a:rPr lang="en-US" altLang="ja-JP" dirty="0" err="1">
                 <a:solidFill>
                   <a:schemeClr val="bg1"/>
                 </a:solidFill>
@@ -12663,66 +12291,6 @@
                 <a:ea typeface="HGP創英角ｺﾞｼｯｸUB" panose="020B0900000000000000" pitchFamily="50" charset="-128"/>
               </a:rPr>
               <a:t>ApplicationListener</a:t>
-            </a:r>
-            <a:endParaRPr lang="en-US" altLang="ja-JP" dirty="0" smtClean="0">
-              <a:solidFill>
-                <a:schemeClr val="bg1"/>
-              </a:solidFill>
-              <a:latin typeface="HGP創英角ｺﾞｼｯｸUB" panose="020B0900000000000000" pitchFamily="50" charset="-128"/>
-              <a:ea typeface="HGP創英角ｺﾞｼｯｸUB" panose="020B0900000000000000" pitchFamily="50" charset="-128"/>
-            </a:endParaRPr>
-          </a:p>
-          <a:p>
-            <a:pPr algn="ctr"/>
-            <a:r>
-              <a:rPr lang="en-US" altLang="ja-JP" dirty="0" err="1" smtClean="0">
-                <a:solidFill>
-                  <a:schemeClr val="bg1"/>
-                </a:solidFill>
-                <a:latin typeface="HGP創英角ｺﾞｼｯｸUB" panose="020B0900000000000000" pitchFamily="50" charset="-128"/>
-                <a:ea typeface="HGP創英角ｺﾞｼｯｸUB" panose="020B0900000000000000" pitchFamily="50" charset="-128"/>
-              </a:rPr>
-              <a:t>MethodAdapter</a:t>
-            </a:r>
-            <a:endParaRPr lang="en-US" altLang="ja-JP" dirty="0" smtClean="0">
-              <a:solidFill>
-                <a:schemeClr val="bg1"/>
-              </a:solidFill>
-              <a:latin typeface="HGP創英角ｺﾞｼｯｸUB" panose="020B0900000000000000" pitchFamily="50" charset="-128"/>
-              <a:ea typeface="HGP創英角ｺﾞｼｯｸUB" panose="020B0900000000000000" pitchFamily="50" charset="-128"/>
-            </a:endParaRPr>
-          </a:p>
-          <a:p>
-            <a:pPr algn="ctr"/>
-            <a:r>
-              <a:rPr lang="en-US" altLang="ja-JP" dirty="0" smtClean="0">
-                <a:solidFill>
-                  <a:schemeClr val="bg1"/>
-                </a:solidFill>
-                <a:latin typeface="HGP創英角ｺﾞｼｯｸUB" panose="020B0900000000000000" pitchFamily="50" charset="-128"/>
-                <a:ea typeface="HGP創英角ｺﾞｼｯｸUB" panose="020B0900000000000000" pitchFamily="50" charset="-128"/>
-              </a:rPr>
-              <a:t>(</a:t>
-            </a:r>
-            <a:r>
-              <a:rPr lang="en-US" altLang="ja-JP" dirty="0" smtClean="0">
-                <a:solidFill>
-                  <a:schemeClr val="bg1"/>
-                </a:solidFill>
-                <a:latin typeface="HGP創英角ｺﾞｼｯｸUB" panose="020B0900000000000000" pitchFamily="50" charset="-128"/>
-                <a:ea typeface="HGP創英角ｺﾞｼｯｸUB" panose="020B0900000000000000" pitchFamily="50" charset="-128"/>
-              </a:rPr>
-              <a:t>implementation</a:t>
-            </a:r>
-            <a:r>
-              <a:rPr lang="en-US" altLang="ja-JP" dirty="0" smtClean="0">
-                <a:solidFill>
-                  <a:schemeClr val="bg1"/>
-                </a:solidFill>
-                <a:latin typeface="HGP創英角ｺﾞｼｯｸUB" panose="020B0900000000000000" pitchFamily="50" charset="-128"/>
-                <a:ea typeface="HGP創英角ｺﾞｼｯｸUB" panose="020B0900000000000000" pitchFamily="50" charset="-128"/>
-              </a:rPr>
-              <a:t>)</a:t>
             </a:r>
             <a:endParaRPr lang="en-US" altLang="ja-JP" dirty="0">
               <a:solidFill>
@@ -12732,6 +12300,39 @@
               <a:ea typeface="HGP創英角ｺﾞｼｯｸUB" panose="020B0900000000000000" pitchFamily="50" charset="-128"/>
             </a:endParaRPr>
           </a:p>
+          <a:p>
+            <a:pPr algn="ctr"/>
+            <a:r>
+              <a:rPr lang="en-US" altLang="ja-JP" dirty="0" err="1">
+                <a:solidFill>
+                  <a:schemeClr val="bg1"/>
+                </a:solidFill>
+                <a:latin typeface="HGP創英角ｺﾞｼｯｸUB" panose="020B0900000000000000" pitchFamily="50" charset="-128"/>
+                <a:ea typeface="HGP創英角ｺﾞｼｯｸUB" panose="020B0900000000000000" pitchFamily="50" charset="-128"/>
+              </a:rPr>
+              <a:t>MethodAdapter</a:t>
+            </a:r>
+            <a:endParaRPr lang="en-US" altLang="ja-JP" dirty="0">
+              <a:solidFill>
+                <a:schemeClr val="bg1"/>
+              </a:solidFill>
+              <a:latin typeface="HGP創英角ｺﾞｼｯｸUB" panose="020B0900000000000000" pitchFamily="50" charset="-128"/>
+              <a:ea typeface="HGP創英角ｺﾞｼｯｸUB" panose="020B0900000000000000" pitchFamily="50" charset="-128"/>
+            </a:endParaRPr>
+          </a:p>
+          <a:p>
+            <a:pPr algn="ctr"/>
+            <a:r>
+              <a:rPr lang="en-US" altLang="ja-JP" dirty="0">
+                <a:solidFill>
+                  <a:schemeClr val="bg1"/>
+                </a:solidFill>
+                <a:latin typeface="HGP創英角ｺﾞｼｯｸUB" panose="020B0900000000000000" pitchFamily="50" charset="-128"/>
+                <a:ea typeface="HGP創英角ｺﾞｼｯｸUB" panose="020B0900000000000000" pitchFamily="50" charset="-128"/>
+              </a:rPr>
+              <a:t>(implementation)</a:t>
+            </a:r>
+          </a:p>
         </p:txBody>
       </p:sp>
       <p:sp>
@@ -12742,7 +12343,7 @@
         </p:nvSpPr>
         <p:spPr>
           <a:xfrm>
-            <a:off x="6688683" y="4592923"/>
+            <a:off x="6688683" y="4592925"/>
             <a:ext cx="2002506" cy="2004429"/>
           </a:xfrm>
           <a:prstGeom prst="rect">
@@ -12777,7 +12378,7 @@
           <a:p>
             <a:pPr algn="ctr"/>
             <a:r>
-              <a:rPr lang="en-US" altLang="ja-JP" dirty="0" smtClean="0">
+              <a:rPr lang="en-US" altLang="ja-JP" dirty="0">
                 <a:solidFill>
                   <a:schemeClr val="tx1">
                     <a:lumMod val="75000"/>
@@ -12789,16 +12390,6 @@
               </a:rPr>
               <a:t>POJO</a:t>
             </a:r>
-            <a:endParaRPr lang="en-US" altLang="ja-JP" dirty="0">
-              <a:solidFill>
-                <a:schemeClr val="tx1">
-                  <a:lumMod val="75000"/>
-                  <a:lumOff val="25000"/>
-                </a:schemeClr>
-              </a:solidFill>
-              <a:latin typeface="HGP創英角ｺﾞｼｯｸUB" panose="020B0900000000000000" pitchFamily="50" charset="-128"/>
-              <a:ea typeface="HGP創英角ｺﾞｼｯｸUB" panose="020B0900000000000000" pitchFamily="50" charset="-128"/>
-            </a:endParaRPr>
           </a:p>
         </p:txBody>
       </p:sp>
@@ -12810,7 +12401,7 @@
         </p:nvSpPr>
         <p:spPr>
           <a:xfrm>
-            <a:off x="7100687" y="5524753"/>
+            <a:off x="7100689" y="5524755"/>
             <a:ext cx="1259035" cy="577927"/>
           </a:xfrm>
           <a:prstGeom prst="rect">
@@ -12845,7 +12436,7 @@
           <a:p>
             <a:pPr algn="ctr"/>
             <a:r>
-              <a:rPr lang="en-US" altLang="ja-JP" dirty="0" smtClean="0">
+              <a:rPr lang="en-US" altLang="ja-JP" dirty="0">
                 <a:solidFill>
                   <a:schemeClr val="tx1">
                     <a:lumMod val="75000"/>
@@ -12857,16 +12448,6 @@
               </a:rPr>
               <a:t>Method</a:t>
             </a:r>
-            <a:endParaRPr lang="en-US" altLang="ja-JP" dirty="0">
-              <a:solidFill>
-                <a:schemeClr val="tx1">
-                  <a:lumMod val="75000"/>
-                  <a:lumOff val="25000"/>
-                </a:schemeClr>
-              </a:solidFill>
-              <a:latin typeface="HGP創英角ｺﾞｼｯｸUB" panose="020B0900000000000000" pitchFamily="50" charset="-128"/>
-              <a:ea typeface="HGP創英角ｺﾞｼｯｸUB" panose="020B0900000000000000" pitchFamily="50" charset="-128"/>
-            </a:endParaRPr>
           </a:p>
         </p:txBody>
       </p:sp>
@@ -12893,7 +12474,7 @@
           <a:lstStyle/>
           <a:p>
             <a:r>
-              <a:rPr kumimoji="1" lang="en-US" altLang="ja-JP" dirty="0" smtClean="0">
+              <a:rPr lang="en-US" altLang="ja-JP" dirty="0">
                 <a:solidFill>
                   <a:schemeClr val="tx1">
                     <a:lumMod val="65000"/>
@@ -12906,7 +12487,7 @@
               <a:t>@</a:t>
             </a:r>
             <a:r>
-              <a:rPr kumimoji="1" lang="en-US" altLang="ja-JP" dirty="0" err="1" smtClean="0">
+              <a:rPr lang="en-US" altLang="ja-JP" dirty="0" err="1">
                 <a:solidFill>
                   <a:schemeClr val="tx1">
                     <a:lumMod val="65000"/>
@@ -12918,7 +12499,7 @@
               </a:rPr>
               <a:t>EventListener</a:t>
             </a:r>
-            <a:endParaRPr kumimoji="1" lang="ja-JP" altLang="en-US" dirty="0">
+            <a:endParaRPr lang="ja-JP" altLang="en-US" dirty="0">
               <a:solidFill>
                 <a:schemeClr val="tx1">
                   <a:lumMod val="65000"/>
@@ -12939,7 +12520,7 @@
         </p:nvSpPr>
         <p:spPr>
           <a:xfrm>
-            <a:off x="5965408" y="5229200"/>
+            <a:off x="5965410" y="5229202"/>
             <a:ext cx="723275" cy="461665"/>
           </a:xfrm>
           <a:prstGeom prst="rect">
@@ -12954,7 +12535,7 @@
           <a:lstStyle/>
           <a:p>
             <a:r>
-              <a:rPr kumimoji="1" lang="ja-JP" altLang="en-US" sz="2400" dirty="0" smtClean="0">
+              <a:rPr lang="ja-JP" altLang="en-US" sz="2400" dirty="0">
                 <a:solidFill>
                   <a:schemeClr val="tx1">
                     <a:lumMod val="65000"/>
@@ -12964,44 +12545,8 @@
                 <a:latin typeface="HGP創英角ｺﾞｼｯｸUB" panose="020B0900000000000000" pitchFamily="50" charset="-128"/>
                 <a:ea typeface="HGP創英角ｺﾞｼｯｸUB" panose="020B0900000000000000" pitchFamily="50" charset="-128"/>
               </a:rPr>
-              <a:t>（</a:t>
-            </a:r>
-            <a:r>
-              <a:rPr lang="ja-JP" altLang="en-US" sz="2400" dirty="0">
-                <a:solidFill>
-                  <a:schemeClr val="tx1">
-                    <a:lumMod val="65000"/>
-                    <a:lumOff val="35000"/>
-                  </a:schemeClr>
-                </a:solidFill>
-                <a:latin typeface="HGP創英角ｺﾞｼｯｸUB" panose="020B0900000000000000" pitchFamily="50" charset="-128"/>
-                <a:ea typeface="HGP創英角ｺﾞｼｯｸUB" panose="020B0900000000000000" pitchFamily="50" charset="-128"/>
-              </a:rPr>
-              <a:t>４</a:t>
-            </a:r>
-            <a:r>
-              <a:rPr kumimoji="1" lang="ja-JP" altLang="en-US" sz="2400" dirty="0" smtClean="0">
-                <a:solidFill>
-                  <a:schemeClr val="tx1">
-                    <a:lumMod val="65000"/>
-                    <a:lumOff val="35000"/>
-                  </a:schemeClr>
-                </a:solidFill>
-                <a:latin typeface="HGP創英角ｺﾞｼｯｸUB" panose="020B0900000000000000" pitchFamily="50" charset="-128"/>
-                <a:ea typeface="HGP創英角ｺﾞｼｯｸUB" panose="020B0900000000000000" pitchFamily="50" charset="-128"/>
-              </a:rPr>
-              <a:t>）</a:t>
-            </a:r>
-            <a:endParaRPr kumimoji="1" lang="ja-JP" altLang="en-US" sz="2400" dirty="0">
-              <a:solidFill>
-                <a:schemeClr val="tx1">
-                  <a:lumMod val="65000"/>
-                  <a:lumOff val="35000"/>
-                </a:schemeClr>
-              </a:solidFill>
-              <a:latin typeface="HGP創英角ｺﾞｼｯｸUB" panose="020B0900000000000000" pitchFamily="50" charset="-128"/>
-              <a:ea typeface="HGP創英角ｺﾞｼｯｸUB" panose="020B0900000000000000" pitchFamily="50" charset="-128"/>
-            </a:endParaRPr>
+              <a:t>（４）</a:t>
+            </a:r>
           </a:p>
         </p:txBody>
       </p:sp>
@@ -13051,7 +12596,7 @@
           <a:lstStyle/>
           <a:p>
             <a:pPr algn="ctr"/>
-            <a:endParaRPr kumimoji="1" lang="en-US" altLang="ja-JP" sz="2000" dirty="0" smtClean="0">
+            <a:endParaRPr lang="en-US" altLang="ja-JP" sz="2000" dirty="0">
               <a:solidFill>
                 <a:schemeClr val="tx1">
                   <a:lumMod val="50000"/>
@@ -13070,7 +12615,7 @@
         </p:nvCxnSpPr>
         <p:spPr bwMode="invGray">
           <a:xfrm flipH="1" flipV="1">
-            <a:off x="5506842" y="5807806"/>
+            <a:off x="5483929" y="5807808"/>
             <a:ext cx="1339845" cy="5911"/>
           </a:xfrm>
           <a:prstGeom prst="straightConnector1">
@@ -13110,7 +12655,7 @@
         </p:nvSpPr>
         <p:spPr>
           <a:xfrm>
-            <a:off x="5557208" y="5986957"/>
+            <a:off x="5557210" y="5986957"/>
             <a:ext cx="1181841" cy="554136"/>
           </a:xfrm>
           <a:prstGeom prst="rect">
@@ -13148,7 +12693,7 @@
           <a:p>
             <a:pPr algn="ctr"/>
             <a:r>
-              <a:rPr lang="en-US" altLang="ja-JP" sz="1200" dirty="0" smtClean="0">
+              <a:rPr lang="en-US" altLang="ja-JP" sz="1200" dirty="0">
                 <a:solidFill>
                   <a:schemeClr val="tx1">
                     <a:lumMod val="75000"/>
@@ -13164,7 +12709,7 @@
           <a:p>
             <a:pPr algn="ctr"/>
             <a:r>
-              <a:rPr lang="en-US" altLang="ja-JP" sz="1200" dirty="0" smtClean="0">
+              <a:rPr lang="en-US" altLang="ja-JP" sz="1200" dirty="0">
                 <a:solidFill>
                   <a:schemeClr val="tx1">
                     <a:lumMod val="75000"/>
@@ -13176,16 +12721,6 @@
               </a:rPr>
               <a:t>Event</a:t>
             </a:r>
-            <a:endParaRPr lang="en-US" altLang="ja-JP" sz="1200" dirty="0">
-              <a:solidFill>
-                <a:schemeClr val="tx1">
-                  <a:lumMod val="75000"/>
-                  <a:lumOff val="25000"/>
-                </a:schemeClr>
-              </a:solidFill>
-              <a:latin typeface="HGP創英角ｺﾞｼｯｸUB" panose="020B0900000000000000" pitchFamily="50" charset="-128"/>
-              <a:ea typeface="HGP創英角ｺﾞｼｯｸUB" panose="020B0900000000000000" pitchFamily="50" charset="-128"/>
-            </a:endParaRPr>
           </a:p>
         </p:txBody>
       </p:sp>
@@ -13197,7 +12732,7 @@
         </p:nvSpPr>
         <p:spPr>
           <a:xfrm>
-            <a:off x="5777851" y="3287760"/>
+            <a:off x="5777853" y="3287760"/>
             <a:ext cx="2867283" cy="1209852"/>
           </a:xfrm>
           <a:prstGeom prst="wedgeEllipseCallout">
@@ -13242,7 +12777,7 @@
           <a:p>
             <a:pPr algn="ctr"/>
             <a:r>
-              <a:rPr lang="en-US" altLang="ja-JP" dirty="0" smtClean="0">
+              <a:rPr lang="en-US" altLang="ja-JP" dirty="0">
                 <a:solidFill>
                   <a:schemeClr val="tx1"/>
                 </a:solidFill>
@@ -13252,7 +12787,7 @@
               <a:t>Create</a:t>
             </a:r>
             <a:r>
-              <a:rPr lang="ja-JP" altLang="en-US" dirty="0" smtClean="0">
+              <a:rPr lang="ja-JP" altLang="en-US" dirty="0">
                 <a:solidFill>
                   <a:schemeClr val="tx1"/>
                 </a:solidFill>
@@ -13262,64 +12797,44 @@
               <a:t> </a:t>
             </a:r>
             <a:r>
-              <a:rPr lang="en-US" altLang="ja-JP" dirty="0" smtClean="0">
+              <a:rPr lang="en-US" altLang="ja-JP" dirty="0">
                 <a:solidFill>
                   <a:schemeClr val="tx1"/>
                 </a:solidFill>
                 <a:latin typeface="HGP創英角ｺﾞｼｯｸUB" panose="020B0900000000000000" pitchFamily="50" charset="-128"/>
                 <a:ea typeface="HGP創英角ｺﾞｼｯｸUB" panose="020B0900000000000000" pitchFamily="50" charset="-128"/>
               </a:rPr>
-              <a:t>a </a:t>
-            </a:r>
-            <a:r>
-              <a:rPr lang="en-US" altLang="ja-JP" dirty="0">
+              <a:t>a @</a:t>
+            </a:r>
+            <a:r>
+              <a:rPr lang="en-US" altLang="ja-JP" dirty="0" err="1">
                 <a:solidFill>
                   <a:schemeClr val="tx1"/>
                 </a:solidFill>
                 <a:latin typeface="HGP創英角ｺﾞｼｯｸUB" panose="020B0900000000000000" pitchFamily="50" charset="-128"/>
                 <a:ea typeface="HGP創英角ｺﾞｼｯｸUB" panose="020B0900000000000000" pitchFamily="50" charset="-128"/>
               </a:rPr>
-              <a:t>@</a:t>
-            </a:r>
-            <a:r>
-              <a:rPr lang="en-US" altLang="ja-JP" dirty="0" err="1" smtClean="0">
+              <a:t>EventListener</a:t>
+            </a:r>
+            <a:r>
+              <a:rPr lang="ja-JP" altLang="en-US" dirty="0">
                 <a:solidFill>
                   <a:schemeClr val="tx1"/>
                 </a:solidFill>
                 <a:latin typeface="HGP創英角ｺﾞｼｯｸUB" panose="020B0900000000000000" pitchFamily="50" charset="-128"/>
                 <a:ea typeface="HGP創英角ｺﾞｼｯｸUB" panose="020B0900000000000000" pitchFamily="50" charset="-128"/>
               </a:rPr>
-              <a:t>EventListener</a:t>
-            </a:r>
-            <a:r>
-              <a:rPr lang="ja-JP" altLang="en-US" dirty="0" smtClean="0">
+              <a:t> </a:t>
+            </a:r>
+            <a:r>
+              <a:rPr lang="en-US" altLang="ja-JP" dirty="0">
                 <a:solidFill>
                   <a:schemeClr val="tx1"/>
                 </a:solidFill>
                 <a:latin typeface="HGP創英角ｺﾞｼｯｸUB" panose="020B0900000000000000" pitchFamily="50" charset="-128"/>
                 <a:ea typeface="HGP創英角ｺﾞｼｯｸUB" panose="020B0900000000000000" pitchFamily="50" charset="-128"/>
               </a:rPr>
-              <a:t> </a:t>
-            </a:r>
-            <a:r>
-              <a:rPr lang="en-US" altLang="ja-JP" dirty="0" smtClean="0">
-                <a:solidFill>
-                  <a:schemeClr val="tx1"/>
-                </a:solidFill>
-                <a:latin typeface="HGP創英角ｺﾞｼｯｸUB" panose="020B0900000000000000" pitchFamily="50" charset="-128"/>
-                <a:ea typeface="HGP創英角ｺﾞｼｯｸUB" panose="020B0900000000000000" pitchFamily="50" charset="-128"/>
-              </a:rPr>
-              <a:t>method to </a:t>
-            </a:r>
-            <a:r>
-              <a:rPr lang="en-US" altLang="ja-JP" dirty="0">
-                <a:solidFill>
-                  <a:schemeClr val="tx1"/>
-                </a:solidFill>
-                <a:latin typeface="HGP創英角ｺﾞｼｯｸUB" panose="020B0900000000000000" pitchFamily="50" charset="-128"/>
-                <a:ea typeface="HGP創英角ｺﾞｼｯｸUB" panose="020B0900000000000000" pitchFamily="50" charset="-128"/>
-              </a:rPr>
-              <a:t>suit requirements</a:t>
+              <a:t>method to suit requirements</a:t>
             </a:r>
           </a:p>
         </p:txBody>
@@ -13332,7 +12847,7 @@
         </p:nvSpPr>
         <p:spPr>
           <a:xfrm>
-            <a:off x="1884579" y="5649999"/>
+            <a:off x="1884581" y="5649999"/>
             <a:ext cx="1339575" cy="706858"/>
           </a:xfrm>
           <a:prstGeom prst="wedgeEllipseCallout">
@@ -13377,7 +12892,7 @@
           <a:p>
             <a:pPr algn="ctr"/>
             <a:r>
-              <a:rPr lang="en-US" altLang="ja-JP" dirty="0" smtClean="0">
+              <a:rPr lang="en-US" altLang="ja-JP" dirty="0">
                 <a:solidFill>
                   <a:schemeClr val="tx1">
                     <a:lumMod val="75000"/>
@@ -13390,7 +12905,7 @@
               <a:t>Spring 4.2</a:t>
             </a:r>
             <a:r>
-              <a:rPr lang="ja-JP" altLang="en-US" dirty="0" smtClean="0">
+              <a:rPr lang="ja-JP" altLang="en-US" dirty="0">
                 <a:solidFill>
                   <a:schemeClr val="tx1">
                     <a:lumMod val="75000"/>
@@ -13402,7 +12917,7 @@
               </a:rPr>
               <a:t>～</a:t>
             </a:r>
-            <a:endParaRPr lang="en-US" altLang="ja-JP" dirty="0" smtClean="0">
+            <a:endParaRPr lang="en-US" altLang="ja-JP" dirty="0">
               <a:solidFill>
                 <a:schemeClr val="tx1">
                   <a:lumMod val="75000"/>
@@ -13423,7 +12938,7 @@
         </p:nvSpPr>
         <p:spPr>
           <a:xfrm>
-            <a:off x="3633613" y="3405391"/>
+            <a:off x="3633615" y="3405391"/>
             <a:ext cx="1183337" cy="338554"/>
           </a:xfrm>
           <a:prstGeom prst="rect">
@@ -13438,7 +12953,7 @@
           <a:lstStyle/>
           <a:p>
             <a:r>
-              <a:rPr lang="en-US" altLang="ja-JP" sz="1600" dirty="0" smtClean="0">
+              <a:rPr lang="en-US" altLang="ja-JP" sz="1600" dirty="0">
                 <a:solidFill>
                   <a:schemeClr val="tx1">
                     <a:lumMod val="50000"/>
@@ -13450,7 +12965,7 @@
               </a:rPr>
               <a:t>implements</a:t>
             </a:r>
-            <a:endParaRPr kumimoji="1" lang="ja-JP" altLang="en-US" sz="1600" dirty="0">
+            <a:endParaRPr lang="ja-JP" altLang="en-US" sz="1600" dirty="0">
               <a:solidFill>
                 <a:schemeClr val="tx1">
                   <a:lumMod val="50000"/>
@@ -13471,7 +12986,7 @@
         </p:nvSpPr>
         <p:spPr>
           <a:xfrm>
-            <a:off x="5226587" y="1291672"/>
+            <a:off x="5226589" y="1291672"/>
             <a:ext cx="1183337" cy="338554"/>
           </a:xfrm>
           <a:prstGeom prst="rect">
@@ -13486,7 +13001,7 @@
           <a:lstStyle/>
           <a:p>
             <a:r>
-              <a:rPr lang="en-US" altLang="ja-JP" sz="1600" dirty="0" smtClean="0">
+              <a:rPr lang="en-US" altLang="ja-JP" sz="1600" dirty="0">
                 <a:solidFill>
                   <a:schemeClr val="tx1">
                     <a:lumMod val="50000"/>
@@ -13498,7 +13013,7 @@
               </a:rPr>
               <a:t>implements</a:t>
             </a:r>
-            <a:endParaRPr kumimoji="1" lang="ja-JP" altLang="en-US" sz="1600" dirty="0">
+            <a:endParaRPr lang="ja-JP" altLang="en-US" sz="1600" dirty="0">
               <a:solidFill>
                 <a:schemeClr val="tx1">
                   <a:lumMod val="50000"/>
@@ -13519,7 +13034,7 @@
         </p:nvSpPr>
         <p:spPr>
           <a:xfrm>
-            <a:off x="4331480" y="2623405"/>
+            <a:off x="4331482" y="2623407"/>
             <a:ext cx="1532497" cy="489415"/>
           </a:xfrm>
           <a:prstGeom prst="rect">
@@ -13578,31 +13093,8 @@
                 <a:latin typeface="HGP創英角ｺﾞｼｯｸUB" panose="020B0900000000000000" pitchFamily="50" charset="-128"/>
                 <a:ea typeface="HGP創英角ｺﾞｼｯｸUB" panose="020B0900000000000000" pitchFamily="50" charset="-128"/>
               </a:rPr>
-              <a:t>E</a:t>
-            </a:r>
-            <a:r>
-              <a:rPr lang="en-US" altLang="ja-JP" sz="1600" dirty="0" smtClean="0">
-                <a:solidFill>
-                  <a:schemeClr val="tx1">
-                    <a:lumMod val="75000"/>
-                    <a:lumOff val="25000"/>
-                  </a:schemeClr>
-                </a:solidFill>
-                <a:latin typeface="HGP創英角ｺﾞｼｯｸUB" panose="020B0900000000000000" pitchFamily="50" charset="-128"/>
-                <a:ea typeface="HGP創英角ｺﾞｼｯｸUB" panose="020B0900000000000000" pitchFamily="50" charset="-128"/>
-              </a:rPr>
-              <a:t>vent</a:t>
-            </a:r>
-            <a:endParaRPr lang="en-US" altLang="ja-JP" sz="1600" dirty="0">
-              <a:solidFill>
-                <a:schemeClr val="tx1">
-                  <a:lumMod val="75000"/>
-                  <a:lumOff val="25000"/>
-                </a:schemeClr>
-              </a:solidFill>
-              <a:latin typeface="HGP創英角ｺﾞｼｯｸUB" panose="020B0900000000000000" pitchFamily="50" charset="-128"/>
-              <a:ea typeface="HGP創英角ｺﾞｼｯｸUB" panose="020B0900000000000000" pitchFamily="50" charset="-128"/>
-            </a:endParaRPr>
+              <a:t>Event</a:t>
+            </a:r>
           </a:p>
         </p:txBody>
       </p:sp>
@@ -13614,7 +13106,7 @@
         </p:nvSpPr>
         <p:spPr>
           <a:xfrm>
-            <a:off x="2603027" y="699867"/>
+            <a:off x="2603027" y="699869"/>
             <a:ext cx="1582474" cy="489415"/>
           </a:xfrm>
           <a:prstGeom prst="rect">
@@ -13652,7 +13144,7 @@
           <a:p>
             <a:pPr algn="ctr"/>
             <a:r>
-              <a:rPr lang="en-US" altLang="ja-JP" sz="1600" dirty="0" smtClean="0">
+              <a:rPr lang="en-US" altLang="ja-JP" sz="1600" dirty="0">
                 <a:solidFill>
                   <a:schemeClr val="tx1">
                     <a:lumMod val="75000"/>
@@ -13668,7 +13160,7 @@
           <a:p>
             <a:pPr algn="ctr"/>
             <a:r>
-              <a:rPr lang="en-US" altLang="ja-JP" sz="1600" dirty="0" smtClean="0">
+              <a:rPr lang="en-US" altLang="ja-JP" sz="1600" dirty="0">
                 <a:solidFill>
                   <a:schemeClr val="tx1">
                     <a:lumMod val="75000"/>
@@ -13680,16 +13172,6 @@
               </a:rPr>
               <a:t>Information</a:t>
             </a:r>
-            <a:endParaRPr lang="en-US" altLang="ja-JP" sz="1600" dirty="0">
-              <a:solidFill>
-                <a:schemeClr val="tx1">
-                  <a:lumMod val="75000"/>
-                  <a:lumOff val="25000"/>
-                </a:schemeClr>
-              </a:solidFill>
-              <a:latin typeface="HGP創英角ｺﾞｼｯｸUB" panose="020B0900000000000000" pitchFamily="50" charset="-128"/>
-              <a:ea typeface="HGP創英角ｺﾞｼｯｸUB" panose="020B0900000000000000" pitchFamily="50" charset="-128"/>
-            </a:endParaRPr>
           </a:p>
         </p:txBody>
       </p:sp>
@@ -13701,7 +13183,7 @@
         </p:nvSpPr>
         <p:spPr>
           <a:xfrm>
-            <a:off x="2581477" y="2260564"/>
+            <a:off x="2581477" y="2260566"/>
             <a:ext cx="1604024" cy="489415"/>
           </a:xfrm>
           <a:prstGeom prst="rect">
@@ -13755,7 +13237,7 @@
           <a:p>
             <a:pPr algn="ctr"/>
             <a:r>
-              <a:rPr lang="en-US" altLang="ja-JP" sz="1600" dirty="0" smtClean="0">
+              <a:rPr lang="en-US" altLang="ja-JP" sz="1600" dirty="0">
                 <a:solidFill>
                   <a:schemeClr val="tx1">
                     <a:lumMod val="75000"/>
@@ -13767,16 +13249,6 @@
               </a:rPr>
               <a:t>Exception</a:t>
             </a:r>
-            <a:endParaRPr lang="en-US" altLang="ja-JP" sz="1600" dirty="0">
-              <a:solidFill>
-                <a:schemeClr val="tx1">
-                  <a:lumMod val="75000"/>
-                  <a:lumOff val="25000"/>
-                </a:schemeClr>
-              </a:solidFill>
-              <a:latin typeface="HGP創英角ｺﾞｼｯｸUB" panose="020B0900000000000000" pitchFamily="50" charset="-128"/>
-              <a:ea typeface="HGP創英角ｺﾞｼｯｸUB" panose="020B0900000000000000" pitchFamily="50" charset="-128"/>
-            </a:endParaRPr>
           </a:p>
         </p:txBody>
       </p:sp>
@@ -13864,7 +13336,7 @@
           <a:p>
             <a:pPr algn="ctr"/>
             <a:r>
-              <a:rPr kumimoji="1" lang="en-US" altLang="ja-JP" sz="2000" dirty="0" smtClean="0">
+              <a:rPr lang="en-US" altLang="ja-JP" sz="2000" dirty="0">
                 <a:solidFill>
                   <a:schemeClr val="tx1">
                     <a:lumMod val="50000"/>
@@ -13885,7 +13357,7 @@
         </p:nvSpPr>
         <p:spPr>
           <a:xfrm>
-            <a:off x="2241466" y="1692030"/>
+            <a:off x="2241466" y="1692032"/>
             <a:ext cx="1610454" cy="974823"/>
           </a:xfrm>
           <a:prstGeom prst="rect">
@@ -13958,7 +13430,7 @@
         </p:nvSpPr>
         <p:spPr bwMode="auto">
           <a:xfrm>
-            <a:off x="330774" y="1910745"/>
+            <a:off x="330776" y="1910745"/>
             <a:ext cx="1071417" cy="806382"/>
           </a:xfrm>
           <a:custGeom>
@@ -14204,7 +13676,7 @@
         </p:nvSpPr>
         <p:spPr>
           <a:xfrm>
-            <a:off x="251520" y="1367134"/>
+            <a:off x="251522" y="1367134"/>
             <a:ext cx="1229923" cy="338554"/>
           </a:xfrm>
           <a:prstGeom prst="rect">
@@ -14220,7 +13692,7 @@
           <a:p>
             <a:pPr algn="ctr"/>
             <a:r>
-              <a:rPr kumimoji="1" lang="en-US" altLang="ja-JP" sz="1600" b="1" dirty="0" smtClean="0">
+              <a:rPr lang="en-US" altLang="ja-JP" sz="1600" b="1" dirty="0">
                 <a:solidFill>
                   <a:schemeClr val="tx1">
                     <a:lumMod val="75000"/>
@@ -14232,7 +13704,7 @@
               </a:rPr>
               <a:t>Client</a:t>
             </a:r>
-            <a:endParaRPr kumimoji="1" lang="ja-JP" altLang="en-US" sz="1600" b="1" dirty="0">
+            <a:endParaRPr lang="ja-JP" altLang="en-US" sz="1600" b="1" dirty="0">
               <a:solidFill>
                 <a:schemeClr val="tx1">
                   <a:lumMod val="75000"/>
@@ -14253,7 +13725,7 @@
         </p:nvSpPr>
         <p:spPr>
           <a:xfrm>
-            <a:off x="1246911" y="1626447"/>
+            <a:off x="1246913" y="1626449"/>
             <a:ext cx="723275" cy="461665"/>
           </a:xfrm>
           <a:prstGeom prst="rect">
@@ -14268,7 +13740,7 @@
           <a:lstStyle/>
           <a:p>
             <a:r>
-              <a:rPr kumimoji="1" lang="ja-JP" altLang="en-US" sz="2400" dirty="0" smtClean="0">
+              <a:rPr lang="ja-JP" altLang="en-US" sz="2400" dirty="0">
                 <a:solidFill>
                   <a:schemeClr val="tx1">
                     <a:lumMod val="65000"/>
@@ -14280,16 +13752,6 @@
               </a:rPr>
               <a:t>（１）</a:t>
             </a:r>
-            <a:endParaRPr kumimoji="1" lang="ja-JP" altLang="en-US" sz="2400" dirty="0">
-              <a:solidFill>
-                <a:schemeClr val="tx1">
-                  <a:lumMod val="65000"/>
-                  <a:lumOff val="35000"/>
-                </a:schemeClr>
-              </a:solidFill>
-              <a:latin typeface="HGP創英角ｺﾞｼｯｸUB" panose="020B0900000000000000" pitchFamily="50" charset="-128"/>
-              <a:ea typeface="HGP創英角ｺﾞｼｯｸUB" panose="020B0900000000000000" pitchFamily="50" charset="-128"/>
-            </a:endParaRPr>
           </a:p>
         </p:txBody>
       </p:sp>
@@ -14301,7 +13763,7 @@
         </p:nvSpPr>
         <p:spPr>
           <a:xfrm>
-            <a:off x="3779911" y="2814217"/>
+            <a:off x="3779913" y="2814219"/>
             <a:ext cx="1835605" cy="974823"/>
           </a:xfrm>
           <a:prstGeom prst="rect">
@@ -14355,7 +13817,7 @@
           <a:p>
             <a:pPr algn="ctr"/>
             <a:r>
-              <a:rPr lang="en-US" altLang="ja-JP" dirty="0" smtClean="0">
+              <a:rPr lang="en-US" altLang="ja-JP" dirty="0">
                 <a:solidFill>
                   <a:schemeClr val="tx1">
                     <a:lumMod val="75000"/>
@@ -14371,7 +13833,7 @@
           <a:p>
             <a:pPr algn="ctr"/>
             <a:r>
-              <a:rPr lang="en-US" altLang="ja-JP" dirty="0" smtClean="0">
+              <a:rPr lang="en-US" altLang="ja-JP" dirty="0">
                 <a:solidFill>
                   <a:schemeClr val="tx1">
                     <a:lumMod val="75000"/>
@@ -14383,16 +13845,6 @@
               </a:rPr>
               <a:t>Handler</a:t>
             </a:r>
-            <a:endParaRPr lang="en-US" altLang="ja-JP" dirty="0">
-              <a:solidFill>
-                <a:schemeClr val="tx1">
-                  <a:lumMod val="75000"/>
-                  <a:lumOff val="25000"/>
-                </a:schemeClr>
-              </a:solidFill>
-              <a:latin typeface="HGP創英角ｺﾞｼｯｸUB" panose="020B0900000000000000" pitchFamily="50" charset="-128"/>
-              <a:ea typeface="HGP創英角ｺﾞｼｯｸUB" panose="020B0900000000000000" pitchFamily="50" charset="-128"/>
-            </a:endParaRPr>
           </a:p>
         </p:txBody>
       </p:sp>
@@ -14407,7 +13859,7 @@
         </p:nvCxnSpPr>
         <p:spPr bwMode="invGray">
           <a:xfrm>
-            <a:off x="3851920" y="2179442"/>
+            <a:off x="3851920" y="2179444"/>
             <a:ext cx="845794" cy="634775"/>
           </a:xfrm>
           <a:prstGeom prst="bentConnector2">
@@ -14502,31 +13954,8 @@
                 <a:latin typeface="HGP創英角ｺﾞｼｯｸUB" panose="020B0900000000000000" pitchFamily="50" charset="-128"/>
                 <a:ea typeface="HGP創英角ｺﾞｼｯｸUB" panose="020B0900000000000000" pitchFamily="50" charset="-128"/>
               </a:rPr>
-              <a:t>Control the response on </a:t>
-            </a:r>
-            <a:r>
-              <a:rPr lang="en-US" altLang="ja-JP" dirty="0" smtClean="0">
-                <a:solidFill>
-                  <a:schemeClr val="tx1">
-                    <a:lumMod val="75000"/>
-                    <a:lumOff val="25000"/>
-                  </a:schemeClr>
-                </a:solidFill>
-                <a:latin typeface="HGP創英角ｺﾞｼｯｸUB" panose="020B0900000000000000" pitchFamily="50" charset="-128"/>
-                <a:ea typeface="HGP創英角ｺﾞｼｯｸUB" panose="020B0900000000000000" pitchFamily="50" charset="-128"/>
-              </a:rPr>
-              <a:t>log-out</a:t>
-            </a:r>
-            <a:endParaRPr lang="en-US" altLang="ja-JP" dirty="0">
-              <a:solidFill>
-                <a:schemeClr val="tx1">
-                  <a:lumMod val="75000"/>
-                  <a:lumOff val="25000"/>
-                </a:schemeClr>
-              </a:solidFill>
-              <a:latin typeface="HGP創英角ｺﾞｼｯｸUB" panose="020B0900000000000000" pitchFamily="50" charset="-128"/>
-              <a:ea typeface="HGP創英角ｺﾞｼｯｸUB" panose="020B0900000000000000" pitchFamily="50" charset="-128"/>
-            </a:endParaRPr>
+              <a:t>Control the response on log-out</a:t>
+            </a:r>
           </a:p>
         </p:txBody>
       </p:sp>
@@ -14538,7 +13967,7 @@
         </p:nvSpPr>
         <p:spPr>
           <a:xfrm>
-            <a:off x="3779912" y="4019643"/>
+            <a:off x="3779914" y="4019645"/>
             <a:ext cx="1835605" cy="974823"/>
           </a:xfrm>
           <a:prstGeom prst="rect">
@@ -14654,7 +14083,7 @@
         </p:nvCxnSpPr>
         <p:spPr bwMode="invGray">
           <a:xfrm rot="16200000" flipH="1">
-            <a:off x="2493201" y="3220344"/>
+            <a:off x="2493201" y="3220346"/>
             <a:ext cx="1840202" cy="733219"/>
           </a:xfrm>
           <a:prstGeom prst="bentConnector2">
@@ -14694,7 +14123,7 @@
         </p:nvSpPr>
         <p:spPr>
           <a:xfrm>
-            <a:off x="4091224" y="1629546"/>
+            <a:off x="4091226" y="1629548"/>
             <a:ext cx="723275" cy="461665"/>
           </a:xfrm>
           <a:prstGeom prst="rect">
@@ -14709,7 +14138,7 @@
           <a:lstStyle/>
           <a:p>
             <a:r>
-              <a:rPr kumimoji="1" lang="ja-JP" altLang="en-US" sz="2400" dirty="0" smtClean="0">
+              <a:rPr lang="ja-JP" altLang="en-US" sz="2400" dirty="0">
                 <a:solidFill>
                   <a:schemeClr val="tx1">
                     <a:lumMod val="65000"/>
@@ -14721,16 +14150,6 @@
               </a:rPr>
               <a:t>（２）</a:t>
             </a:r>
-            <a:endParaRPr kumimoji="1" lang="ja-JP" altLang="en-US" sz="2400" dirty="0">
-              <a:solidFill>
-                <a:schemeClr val="tx1">
-                  <a:lumMod val="65000"/>
-                  <a:lumOff val="35000"/>
-                </a:schemeClr>
-              </a:solidFill>
-              <a:latin typeface="HGP創英角ｺﾞｼｯｸUB" panose="020B0900000000000000" pitchFamily="50" charset="-128"/>
-              <a:ea typeface="HGP創英角ｺﾞｼｯｸUB" panose="020B0900000000000000" pitchFamily="50" charset="-128"/>
-            </a:endParaRPr>
           </a:p>
         </p:txBody>
       </p:sp>
@@ -14742,7 +14161,7 @@
         </p:nvSpPr>
         <p:spPr>
           <a:xfrm>
-            <a:off x="3071892" y="3926174"/>
+            <a:off x="3071894" y="3926176"/>
             <a:ext cx="723275" cy="461665"/>
           </a:xfrm>
           <a:prstGeom prst="rect">
@@ -14757,7 +14176,7 @@
           <a:lstStyle/>
           <a:p>
             <a:r>
-              <a:rPr kumimoji="1" lang="ja-JP" altLang="en-US" sz="2400" dirty="0" smtClean="0">
+              <a:rPr lang="ja-JP" altLang="en-US" sz="2400" dirty="0">
                 <a:solidFill>
                   <a:schemeClr val="tx1">
                     <a:lumMod val="65000"/>
@@ -14769,16 +14188,6 @@
               </a:rPr>
               <a:t>（３）</a:t>
             </a:r>
-            <a:endParaRPr kumimoji="1" lang="ja-JP" altLang="en-US" sz="2400" dirty="0">
-              <a:solidFill>
-                <a:schemeClr val="tx1">
-                  <a:lumMod val="65000"/>
-                  <a:lumOff val="35000"/>
-                </a:schemeClr>
-              </a:solidFill>
-              <a:latin typeface="HGP創英角ｺﾞｼｯｸUB" panose="020B0900000000000000" pitchFamily="50" charset="-128"/>
-              <a:ea typeface="HGP創英角ｺﾞｼｯｸUB" panose="020B0900000000000000" pitchFamily="50" charset="-128"/>
-            </a:endParaRPr>
           </a:p>
         </p:txBody>
       </p:sp>
@@ -14790,7 +14199,7 @@
         </p:nvSpPr>
         <p:spPr>
           <a:xfrm>
-            <a:off x="4814499" y="1996768"/>
+            <a:off x="4814499" y="1996770"/>
             <a:ext cx="1588182" cy="720359"/>
           </a:xfrm>
           <a:prstGeom prst="wedgeEllipseCallout">
@@ -14835,7 +14244,7 @@
           <a:p>
             <a:pPr algn="ctr"/>
             <a:r>
-              <a:rPr lang="en-US" altLang="ja-JP" dirty="0" smtClean="0">
+              <a:rPr lang="en-US" altLang="ja-JP" dirty="0">
                 <a:solidFill>
                   <a:schemeClr val="tx1">
                     <a:lumMod val="75000"/>
@@ -14851,7 +14260,7 @@
           <a:p>
             <a:pPr algn="ctr"/>
             <a:r>
-              <a:rPr lang="en-US" altLang="ja-JP" dirty="0" smtClean="0">
+              <a:rPr lang="en-US" altLang="ja-JP" dirty="0">
                 <a:solidFill>
                   <a:schemeClr val="tx1">
                     <a:lumMod val="75000"/>
@@ -14916,7 +14325,7 @@
         </p:nvSpPr>
         <p:spPr>
           <a:xfrm>
-            <a:off x="414779" y="2765105"/>
+            <a:off x="414781" y="2765107"/>
             <a:ext cx="2295475" cy="1010257"/>
           </a:xfrm>
           <a:prstGeom prst="wedgeEllipseCallout">
@@ -14971,10 +14380,13 @@
                 <a:latin typeface="HGP創英角ｺﾞｼｯｸUB" panose="020B0900000000000000" pitchFamily="50" charset="-128"/>
                 <a:ea typeface="HGP創英角ｺﾞｼｯｸUB" panose="020B0900000000000000" pitchFamily="50" charset="-128"/>
               </a:rPr>
-              <a:t>Servlet </a:t>
-            </a:r>
-            <a:r>
-              <a:rPr lang="en-US" altLang="ja-JP" dirty="0" smtClean="0">
+              <a:t>Servlet Filter</a:t>
+            </a:r>
+          </a:p>
+          <a:p>
+            <a:pPr algn="ctr"/>
+            <a:r>
+              <a:rPr lang="en-US" altLang="ja-JP" dirty="0">
                 <a:solidFill>
                   <a:schemeClr val="tx1">
                     <a:lumMod val="75000"/>
@@ -14984,57 +14396,8 @@
                 <a:latin typeface="HGP創英角ｺﾞｼｯｸUB" panose="020B0900000000000000" pitchFamily="50" charset="-128"/>
                 <a:ea typeface="HGP創英角ｺﾞｼｯｸUB" panose="020B0900000000000000" pitchFamily="50" charset="-128"/>
               </a:rPr>
-              <a:t>Filter</a:t>
-            </a:r>
-            <a:endParaRPr lang="en-US" altLang="ja-JP" dirty="0">
-              <a:solidFill>
-                <a:schemeClr val="tx1">
-                  <a:lumMod val="75000"/>
-                  <a:lumOff val="25000"/>
-                </a:schemeClr>
-              </a:solidFill>
-              <a:latin typeface="HGP創英角ｺﾞｼｯｸUB" panose="020B0900000000000000" pitchFamily="50" charset="-128"/>
-              <a:ea typeface="HGP創英角ｺﾞｼｯｸUB" panose="020B0900000000000000" pitchFamily="50" charset="-128"/>
-            </a:endParaRPr>
-          </a:p>
-          <a:p>
-            <a:pPr algn="ctr"/>
-            <a:r>
-              <a:rPr lang="en-US" altLang="ja-JP" dirty="0">
-                <a:solidFill>
-                  <a:schemeClr val="tx1">
-                    <a:lumMod val="75000"/>
-                    <a:lumOff val="25000"/>
-                  </a:schemeClr>
-                </a:solidFill>
-                <a:latin typeface="HGP創英角ｺﾞｼｯｸUB" panose="020B0900000000000000" pitchFamily="50" charset="-128"/>
-                <a:ea typeface="HGP創英角ｺﾞｼｯｸUB" panose="020B0900000000000000" pitchFamily="50" charset="-128"/>
-              </a:rPr>
-              <a:t>for </a:t>
-            </a:r>
-            <a:r>
-              <a:rPr lang="en-US" altLang="ja-JP" dirty="0" smtClean="0">
-                <a:solidFill>
-                  <a:schemeClr val="tx1">
-                    <a:lumMod val="75000"/>
-                    <a:lumOff val="25000"/>
-                  </a:schemeClr>
-                </a:solidFill>
-                <a:latin typeface="HGP創英角ｺﾞｼｯｸUB" panose="020B0900000000000000" pitchFamily="50" charset="-128"/>
-                <a:ea typeface="HGP創英角ｺﾞｼｯｸUB" panose="020B0900000000000000" pitchFamily="50" charset="-128"/>
-              </a:rPr>
-              <a:t>Log-out</a:t>
-            </a:r>
-            <a:endParaRPr lang="en-US" altLang="ja-JP" dirty="0">
-              <a:solidFill>
-                <a:schemeClr val="tx1">
-                  <a:lumMod val="75000"/>
-                  <a:lumOff val="25000"/>
-                </a:schemeClr>
-              </a:solidFill>
-              <a:latin typeface="HGP創英角ｺﾞｼｯｸUB" panose="020B0900000000000000" pitchFamily="50" charset="-128"/>
-              <a:ea typeface="HGP創英角ｺﾞｼｯｸUB" panose="020B0900000000000000" pitchFamily="50" charset="-128"/>
-            </a:endParaRPr>
+              <a:t>for Log-out</a:t>
+            </a:r>
           </a:p>
         </p:txBody>
       </p:sp>
@@ -15046,7 +14409,7 @@
         </p:nvSpPr>
         <p:spPr>
           <a:xfrm>
-            <a:off x="6786183" y="2151054"/>
+            <a:off x="6786183" y="2151056"/>
             <a:ext cx="1800200" cy="621907"/>
           </a:xfrm>
           <a:prstGeom prst="rect">
@@ -15301,7 +14664,7 @@
         </p:nvSpPr>
         <p:spPr>
           <a:xfrm>
-            <a:off x="7008234" y="4157007"/>
+            <a:off x="7008236" y="4157007"/>
             <a:ext cx="1085875" cy="567858"/>
           </a:xfrm>
           <a:prstGeom prst="rect">
@@ -15339,7 +14702,7 @@
           <a:p>
             <a:pPr algn="ctr"/>
             <a:r>
-              <a:rPr lang="ja-JP" altLang="en-US" dirty="0" smtClean="0">
+              <a:rPr lang="ja-JP" altLang="en-US" dirty="0">
                 <a:solidFill>
                   <a:schemeClr val="tx1">
                     <a:lumMod val="75000"/>
@@ -15372,7 +14735,7 @@
         </p:nvSpPr>
         <p:spPr>
           <a:xfrm>
-            <a:off x="7160634" y="4219769"/>
+            <a:off x="7160636" y="4219769"/>
             <a:ext cx="1085875" cy="567858"/>
           </a:xfrm>
           <a:prstGeom prst="rect">
@@ -15410,7 +14773,7 @@
           <a:p>
             <a:pPr algn="ctr"/>
             <a:r>
-              <a:rPr lang="ja-JP" altLang="en-US" dirty="0" smtClean="0">
+              <a:rPr lang="ja-JP" altLang="en-US" dirty="0">
                 <a:solidFill>
                   <a:schemeClr val="tx1">
                     <a:lumMod val="75000"/>
@@ -15443,7 +14806,7 @@
         </p:nvSpPr>
         <p:spPr>
           <a:xfrm>
-            <a:off x="7313034" y="4310827"/>
+            <a:off x="7313036" y="4310827"/>
             <a:ext cx="1085875" cy="567858"/>
           </a:xfrm>
           <a:prstGeom prst="rect">
@@ -15481,7 +14844,7 @@
           <a:p>
             <a:pPr algn="ctr"/>
             <a:r>
-              <a:rPr lang="ja-JP" altLang="en-US" dirty="0" smtClean="0">
+              <a:rPr lang="ja-JP" altLang="en-US" dirty="0">
                 <a:solidFill>
                   <a:schemeClr val="tx1">
                     <a:lumMod val="75000"/>
@@ -15552,7 +14915,7 @@
           <a:lstStyle/>
           <a:p>
             <a:pPr algn="ctr"/>
-            <a:endParaRPr kumimoji="1" lang="en-US" altLang="ja-JP" sz="2000" dirty="0" smtClean="0">
+            <a:endParaRPr lang="en-US" altLang="ja-JP" sz="2000" dirty="0">
               <a:solidFill>
                 <a:schemeClr val="tx1">
                   <a:lumMod val="50000"/>
@@ -15571,7 +14934,7 @@
         </p:nvCxnSpPr>
         <p:spPr bwMode="invGray">
           <a:xfrm flipH="1">
-            <a:off x="5615518" y="3333050"/>
+            <a:off x="5615520" y="3333050"/>
             <a:ext cx="1017421" cy="16480"/>
           </a:xfrm>
           <a:prstGeom prst="straightConnector1">
@@ -15612,7 +14975,7 @@
         </p:nvSpPr>
         <p:spPr>
           <a:xfrm>
-            <a:off x="5534078" y="2880553"/>
+            <a:off x="5534080" y="2880553"/>
             <a:ext cx="1183337" cy="338554"/>
           </a:xfrm>
           <a:prstGeom prst="rect">
@@ -15627,7 +14990,7 @@
           <a:lstStyle/>
           <a:p>
             <a:r>
-              <a:rPr lang="en-US" altLang="ja-JP" sz="1600" dirty="0" smtClean="0">
+              <a:rPr lang="en-US" altLang="ja-JP" sz="1600" dirty="0">
                 <a:solidFill>
                   <a:schemeClr val="tx1">
                     <a:lumMod val="50000"/>
@@ -15639,7 +15002,7 @@
               </a:rPr>
               <a:t>implements</a:t>
             </a:r>
-            <a:endParaRPr kumimoji="1" lang="ja-JP" altLang="en-US" sz="1600" dirty="0">
+            <a:endParaRPr lang="ja-JP" altLang="en-US" sz="1600" dirty="0">
               <a:solidFill>
                 <a:schemeClr val="tx1">
                   <a:lumMod val="50000"/>
@@ -15702,7 +15065,7 @@
           </p:nvPr>
         </p:nvGraphicFramePr>
         <p:xfrm>
-          <a:off x="928048" y="781905"/>
+          <a:off x="928050" y="781907"/>
           <a:ext cx="7178723" cy="2581321"/>
         </p:xfrm>
         <a:graphic>
@@ -15719,7 +15082,7 @@
         </p:nvSpPr>
         <p:spPr>
           <a:xfrm>
-            <a:off x="1231271" y="1585153"/>
+            <a:off x="1231271" y="1585155"/>
             <a:ext cx="1610454" cy="974823"/>
           </a:xfrm>
           <a:prstGeom prst="rect">
@@ -15757,7 +15120,7 @@
           <a:p>
             <a:pPr algn="ctr"/>
             <a:r>
-              <a:rPr lang="en-US" altLang="ja-JP" dirty="0" smtClean="0">
+              <a:rPr lang="en-US" altLang="ja-JP" dirty="0">
                 <a:solidFill>
                   <a:schemeClr val="tx1">
                     <a:lumMod val="75000"/>
@@ -15773,7 +15136,7 @@
           <a:p>
             <a:pPr algn="ctr"/>
             <a:r>
-              <a:rPr lang="en-US" altLang="ja-JP" dirty="0" smtClean="0">
+              <a:rPr lang="en-US" altLang="ja-JP" dirty="0">
                 <a:solidFill>
                   <a:schemeClr val="tx1">
                     <a:lumMod val="75000"/>
@@ -15785,16 +15148,6 @@
               </a:rPr>
               <a:t>(page1)</a:t>
             </a:r>
-            <a:endParaRPr lang="en-US" altLang="ja-JP" dirty="0">
-              <a:solidFill>
-                <a:schemeClr val="tx1">
-                  <a:lumMod val="75000"/>
-                  <a:lumOff val="25000"/>
-                </a:schemeClr>
-              </a:solidFill>
-              <a:latin typeface="HGP創英角ｺﾞｼｯｸUB" panose="020B0900000000000000" pitchFamily="50" charset="-128"/>
-              <a:ea typeface="HGP創英角ｺﾞｼｯｸUB" panose="020B0900000000000000" pitchFamily="50" charset="-128"/>
-            </a:endParaRPr>
           </a:p>
         </p:txBody>
       </p:sp>
@@ -15806,7 +15159,7 @@
         </p:nvSpPr>
         <p:spPr>
           <a:xfrm>
-            <a:off x="3712182" y="1585152"/>
+            <a:off x="3712182" y="1585154"/>
             <a:ext cx="1610454" cy="974823"/>
           </a:xfrm>
           <a:prstGeom prst="rect">
@@ -15844,7 +15197,7 @@
           <a:p>
             <a:pPr algn="ctr"/>
             <a:r>
-              <a:rPr lang="en-US" altLang="ja-JP" dirty="0" smtClean="0">
+              <a:rPr lang="en-US" altLang="ja-JP" dirty="0">
                 <a:solidFill>
                   <a:schemeClr val="tx1">
                     <a:lumMod val="75000"/>
@@ -15857,7 +15210,7 @@
               <a:t>Login</a:t>
             </a:r>
             <a:r>
-              <a:rPr lang="ja-JP" altLang="en-US" dirty="0" smtClean="0">
+              <a:rPr lang="ja-JP" altLang="en-US" dirty="0">
                 <a:solidFill>
                   <a:schemeClr val="tx1">
                     <a:lumMod val="75000"/>
@@ -15870,7 +15223,7 @@
               <a:t> </a:t>
             </a:r>
             <a:r>
-              <a:rPr lang="en-US" altLang="ja-JP" dirty="0" smtClean="0">
+              <a:rPr lang="en-US" altLang="ja-JP" dirty="0">
                 <a:solidFill>
                   <a:schemeClr val="tx1">
                     <a:lumMod val="75000"/>
@@ -15882,16 +15235,6 @@
               </a:rPr>
               <a:t>Form</a:t>
             </a:r>
-            <a:endParaRPr lang="en-US" altLang="ja-JP" dirty="0">
-              <a:solidFill>
-                <a:schemeClr val="tx1">
-                  <a:lumMod val="75000"/>
-                  <a:lumOff val="25000"/>
-                </a:schemeClr>
-              </a:solidFill>
-              <a:latin typeface="HGP創英角ｺﾞｼｯｸUB" panose="020B0900000000000000" pitchFamily="50" charset="-128"/>
-              <a:ea typeface="HGP創英角ｺﾞｼｯｸUB" panose="020B0900000000000000" pitchFamily="50" charset="-128"/>
-            </a:endParaRPr>
           </a:p>
         </p:txBody>
       </p:sp>
@@ -15903,7 +15246,7 @@
         </p:nvSpPr>
         <p:spPr>
           <a:xfrm>
-            <a:off x="6193093" y="1585153"/>
+            <a:off x="6193093" y="1585155"/>
             <a:ext cx="1610454" cy="974823"/>
           </a:xfrm>
           <a:prstGeom prst="rect">
@@ -15967,22 +15310,1723 @@
                 <a:latin typeface="HGP創英角ｺﾞｼｯｸUB" panose="020B0900000000000000" pitchFamily="50" charset="-128"/>
                 <a:ea typeface="HGP創英角ｺﾞｼｯｸUB" panose="020B0900000000000000" pitchFamily="50" charset="-128"/>
               </a:rPr>
-              <a:t>(</a:t>
-            </a:r>
-            <a:r>
-              <a:rPr lang="en-US" altLang="ja-JP" dirty="0" smtClean="0">
-                <a:solidFill>
-                  <a:schemeClr val="tx1">
+              <a:t>(page2)</a:t>
+            </a:r>
+          </a:p>
+        </p:txBody>
+      </p:sp>
+      <p:sp>
+        <p:nvSpPr>
+          <p:cNvPr id="2" name="正方形/長方形 1"/>
+          <p:cNvSpPr/>
+          <p:nvPr/>
+        </p:nvSpPr>
+        <p:spPr>
+          <a:xfrm>
+            <a:off x="3385106" y="3244334"/>
+            <a:ext cx="2373791" cy="369332"/>
+          </a:xfrm>
+          <a:prstGeom prst="rect">
+            <a:avLst/>
+          </a:prstGeom>
+        </p:spPr>
+        <p:txBody>
+          <a:bodyPr wrap="none">
+            <a:spAutoFit/>
+          </a:bodyPr>
+          <a:lstStyle/>
+          <a:p>
+            <a:r>
+              <a:rPr lang="en-US" altLang="ja-JP" dirty="0"/>
+              <a:t>unify the hash notation</a:t>
+            </a:r>
+            <a:endParaRPr lang="ja-JP" altLang="en-US" dirty="0"/>
+          </a:p>
+        </p:txBody>
+      </p:sp>
+    </p:spTree>
+    <p:extLst>
+      <p:ext uri="{BB962C8B-B14F-4D97-AF65-F5344CB8AC3E}">
+        <p14:creationId xmlns:p14="http://schemas.microsoft.com/office/powerpoint/2010/main" val="278198681"/>
+      </p:ext>
+    </p:extLst>
+  </p:cSld>
+  <p:clrMapOvr>
+    <a:masterClrMapping/>
+  </p:clrMapOvr>
+  <p:timing>
+    <p:tnLst>
+      <p:par>
+        <p:cTn id="1" dur="indefinite" restart="never" nodeType="tmRoot"/>
+      </p:par>
+    </p:tnLst>
+  </p:timing>
+</p:sld>
+</file>
+
+<file path=ppt/slides/slide7.xml><?xml version="1.0" encoding="utf-8"?>
+<p:sld xmlns:a="http://schemas.openxmlformats.org/drawingml/2006/main" xmlns:r="http://schemas.openxmlformats.org/officeDocument/2006/relationships" xmlns:p="http://schemas.openxmlformats.org/presentationml/2006/main" showMasterSp="0">
+  <p:cSld>
+    <p:spTree>
+      <p:nvGrpSpPr>
+        <p:cNvPr id="1" name=""/>
+        <p:cNvGrpSpPr/>
+        <p:nvPr/>
+      </p:nvGrpSpPr>
+      <p:grpSpPr>
+        <a:xfrm>
+          <a:off x="0" y="0"/>
+          <a:ext cx="0" cy="0"/>
+          <a:chOff x="0" y="0"/>
+          <a:chExt cx="0" cy="0"/>
+        </a:xfrm>
+      </p:grpSpPr>
+      <p:sp>
+        <p:nvSpPr>
+          <p:cNvPr id="15" name="正方形/長方形 14"/>
+          <p:cNvSpPr/>
+          <p:nvPr/>
+        </p:nvSpPr>
+        <p:spPr>
+          <a:xfrm>
+            <a:off x="3873290" y="403073"/>
+            <a:ext cx="2436068" cy="2365165"/>
+          </a:xfrm>
+          <a:prstGeom prst="rect">
+            <a:avLst/>
+          </a:prstGeom>
+          <a:solidFill>
+            <a:schemeClr val="bg1"/>
+          </a:solidFill>
+          <a:ln w="60325">
+            <a:solidFill>
+              <a:schemeClr val="bg1">
+                <a:lumMod val="65000"/>
+              </a:schemeClr>
+            </a:solidFill>
+            <a:miter lim="800000"/>
+          </a:ln>
+          <a:effectLst/>
+        </p:spPr>
+        <p:style>
+          <a:lnRef idx="1">
+            <a:schemeClr val="accent1"/>
+          </a:lnRef>
+          <a:fillRef idx="3">
+            <a:schemeClr val="accent1"/>
+          </a:fillRef>
+          <a:effectRef idx="2">
+            <a:schemeClr val="accent1"/>
+          </a:effectRef>
+          <a:fontRef idx="minor">
+            <a:schemeClr val="lt1"/>
+          </a:fontRef>
+        </p:style>
+        <p:txBody>
+          <a:bodyPr rtlCol="0" anchor="t" anchorCtr="0"/>
+          <a:lstStyle/>
+          <a:p>
+            <a:pPr algn="ctr"/>
+            <a:r>
+              <a:rPr lang="en-US" altLang="ja-JP" sz="2000" dirty="0">
+                <a:solidFill>
+                  <a:schemeClr val="tx1">
+                    <a:lumMod val="50000"/>
+                    <a:lumOff val="50000"/>
+                  </a:schemeClr>
+                </a:solidFill>
+              </a:rPr>
+              <a:t>Data store</a:t>
+            </a:r>
+          </a:p>
+        </p:txBody>
+      </p:sp>
+      <p:sp>
+        <p:nvSpPr>
+          <p:cNvPr id="34" name="正方形/長方形 33"/>
+          <p:cNvSpPr/>
+          <p:nvPr/>
+        </p:nvSpPr>
+        <p:spPr>
+          <a:xfrm>
+            <a:off x="58627" y="215267"/>
+            <a:ext cx="2534944" cy="1240655"/>
+          </a:xfrm>
+          <a:prstGeom prst="rect">
+            <a:avLst/>
+          </a:prstGeom>
+          <a:solidFill>
+            <a:schemeClr val="bg1"/>
+          </a:solidFill>
+          <a:ln w="60325">
+            <a:solidFill>
+              <a:schemeClr val="bg1">
+                <a:lumMod val="65000"/>
+              </a:schemeClr>
+            </a:solidFill>
+            <a:miter lim="800000"/>
+          </a:ln>
+          <a:effectLst/>
+        </p:spPr>
+        <p:style>
+          <a:lnRef idx="1">
+            <a:schemeClr val="accent1"/>
+          </a:lnRef>
+          <a:fillRef idx="3">
+            <a:schemeClr val="accent1"/>
+          </a:fillRef>
+          <a:effectRef idx="2">
+            <a:schemeClr val="accent1"/>
+          </a:effectRef>
+          <a:fontRef idx="minor">
+            <a:schemeClr val="lt1"/>
+          </a:fontRef>
+        </p:style>
+        <p:txBody>
+          <a:bodyPr rtlCol="0" anchor="t" anchorCtr="0"/>
+          <a:lstStyle/>
+          <a:p>
+            <a:pPr algn="ctr"/>
+            <a:r>
+              <a:rPr lang="en-US" altLang="ja-JP" sz="2000" dirty="0">
+                <a:solidFill>
+                  <a:schemeClr val="tx1">
+                    <a:lumMod val="50000"/>
+                    <a:lumOff val="50000"/>
+                  </a:schemeClr>
+                </a:solidFill>
+              </a:rPr>
+              <a:t>Authentication User</a:t>
+            </a:r>
+          </a:p>
+        </p:txBody>
+      </p:sp>
+      <p:cxnSp>
+        <p:nvCxnSpPr>
+          <p:cNvPr id="39" name="直線矢印コネクタ 64"/>
+          <p:cNvCxnSpPr/>
+          <p:nvPr/>
+        </p:nvCxnSpPr>
+        <p:spPr bwMode="invGray">
+          <a:xfrm rot="16200000" flipV="1">
+            <a:off x="1042692" y="1684752"/>
+            <a:ext cx="2625438" cy="1501361"/>
+          </a:xfrm>
+          <a:prstGeom prst="bentConnector3">
+            <a:avLst>
+              <a:gd name="adj1" fmla="val 99393"/>
+            </a:avLst>
+          </a:prstGeom>
+          <a:ln w="50800" cap="rnd">
+            <a:solidFill>
+              <a:schemeClr val="tx2">
+                <a:lumMod val="40000"/>
+                <a:lumOff val="60000"/>
+              </a:schemeClr>
+            </a:solidFill>
+            <a:headEnd type="triangle" w="lg" len="lg"/>
+            <a:tailEnd type="none" w="lg" len="lg"/>
+          </a:ln>
+        </p:spPr>
+        <p:style>
+          <a:lnRef idx="1">
+            <a:schemeClr val="accent1"/>
+          </a:lnRef>
+          <a:fillRef idx="0">
+            <a:schemeClr val="accent1"/>
+          </a:fillRef>
+          <a:effectRef idx="0">
+            <a:schemeClr val="accent1"/>
+          </a:effectRef>
+          <a:fontRef idx="minor">
+            <a:schemeClr val="tx1"/>
+          </a:fontRef>
+        </p:style>
+      </p:cxnSp>
+      <p:cxnSp>
+        <p:nvCxnSpPr>
+          <p:cNvPr id="24" name="直線矢印コネクタ 64"/>
+          <p:cNvCxnSpPr/>
+          <p:nvPr/>
+        </p:nvCxnSpPr>
+        <p:spPr bwMode="invGray">
+          <a:xfrm rot="5400000" flipH="1" flipV="1">
+            <a:off x="2888620" y="1865391"/>
+            <a:ext cx="2409790" cy="1355739"/>
+          </a:xfrm>
+          <a:prstGeom prst="bentConnector3">
+            <a:avLst>
+              <a:gd name="adj1" fmla="val 97959"/>
+            </a:avLst>
+          </a:prstGeom>
+          <a:ln w="50800" cap="rnd">
+            <a:solidFill>
+              <a:schemeClr val="tx2">
+                <a:lumMod val="40000"/>
+                <a:lumOff val="60000"/>
+              </a:schemeClr>
+            </a:solidFill>
+            <a:headEnd type="triangle" w="lg" len="lg"/>
+            <a:tailEnd type="none" w="lg" len="lg"/>
+          </a:ln>
+        </p:spPr>
+        <p:style>
+          <a:lnRef idx="1">
+            <a:schemeClr val="accent1"/>
+          </a:lnRef>
+          <a:fillRef idx="0">
+            <a:schemeClr val="accent1"/>
+          </a:fillRef>
+          <a:effectRef idx="0">
+            <a:schemeClr val="accent1"/>
+          </a:effectRef>
+          <a:fontRef idx="minor">
+            <a:schemeClr val="tx1"/>
+          </a:fontRef>
+        </p:style>
+      </p:cxnSp>
+      <p:graphicFrame>
+        <p:nvGraphicFramePr>
+          <p:cNvPr id="35" name="表 34"/>
+          <p:cNvGraphicFramePr>
+            <a:graphicFrameLocks noGrp="1"/>
+          </p:cNvGraphicFramePr>
+          <p:nvPr>
+            <p:extLst>
+              <p:ext uri="{D42A27DB-BD31-4B8C-83A1-F6EECF244321}">
+                <p14:modId xmlns:p14="http://schemas.microsoft.com/office/powerpoint/2010/main" val="2272339732"/>
+              </p:ext>
+            </p:extLst>
+          </p:nvPr>
+        </p:nvGraphicFramePr>
+        <p:xfrm>
+          <a:off x="270048" y="615156"/>
+          <a:ext cx="2148582" cy="698608"/>
+        </p:xfrm>
+        <a:graphic>
+          <a:graphicData uri="http://schemas.openxmlformats.org/drawingml/2006/table">
+            <a:tbl>
+              <a:tblPr firstRow="1" bandRow="1">
+                <a:tableStyleId>{5C22544A-7EE6-4342-B048-85BDC9FD1C3A}</a:tableStyleId>
+              </a:tblPr>
+              <a:tblGrid>
+                <a:gridCol w="718237"/>
+                <a:gridCol w="1430345"/>
+              </a:tblGrid>
+              <a:tr h="349304">
+                <a:tc>
+                  <a:txBody>
+                    <a:bodyPr/>
+                    <a:lstStyle/>
+                    <a:p>
+                      <a:pPr algn="ctr"/>
+                      <a:r>
+                        <a:rPr kumimoji="1" lang="en-US" altLang="ja-JP" sz="1600" dirty="0" smtClean="0"/>
+                        <a:t>user</a:t>
+                      </a:r>
+                      <a:endParaRPr kumimoji="1" lang="ja-JP" altLang="en-US" sz="1600" dirty="0"/>
+                    </a:p>
+                  </a:txBody>
+                  <a:tcPr/>
+                </a:tc>
+                <a:tc>
+                  <a:txBody>
+                    <a:bodyPr/>
+                    <a:lstStyle/>
+                    <a:p>
+                      <a:pPr algn="ctr"/>
+                      <a:r>
+                        <a:rPr kumimoji="1" lang="en-US" altLang="ja-JP" sz="1600" dirty="0" smtClean="0"/>
+                        <a:t>p</a:t>
+                      </a:r>
+                      <a:r>
+                        <a:rPr kumimoji="1" lang="ja-JP" altLang="en-US" sz="1600" dirty="0" smtClean="0"/>
+                        <a:t>ａｓｓｗｏｒｄ</a:t>
+                      </a:r>
+                      <a:endParaRPr kumimoji="1" lang="ja-JP" altLang="en-US" sz="1600" dirty="0"/>
+                    </a:p>
+                  </a:txBody>
+                  <a:tcPr/>
+                </a:tc>
+              </a:tr>
+              <a:tr h="349304">
+                <a:tc>
+                  <a:txBody>
+                    <a:bodyPr/>
+                    <a:lstStyle/>
+                    <a:p>
+                      <a:r>
+                        <a:rPr kumimoji="1" lang="en-US" altLang="ja-JP" sz="1600" dirty="0" smtClean="0"/>
+                        <a:t>User1</a:t>
+                      </a:r>
+                      <a:endParaRPr kumimoji="1" lang="ja-JP" altLang="en-US" sz="1600" dirty="0"/>
+                    </a:p>
+                  </a:txBody>
+                  <a:tcPr/>
+                </a:tc>
+                <a:tc>
+                  <a:txBody>
+                    <a:bodyPr/>
+                    <a:lstStyle/>
+                    <a:p>
+                      <a:r>
+                        <a:rPr kumimoji="1" lang="en-US" altLang="ja-JP" sz="1600" dirty="0" smtClean="0"/>
+                        <a:t>password1234</a:t>
+                      </a:r>
+                      <a:endParaRPr kumimoji="1" lang="ja-JP" altLang="en-US" sz="1600" dirty="0"/>
+                    </a:p>
+                  </a:txBody>
+                  <a:tcPr/>
+                </a:tc>
+              </a:tr>
+            </a:tbl>
+          </a:graphicData>
+        </a:graphic>
+      </p:graphicFrame>
+      <p:sp>
+        <p:nvSpPr>
+          <p:cNvPr id="41" name="正方形/長方形 40"/>
+          <p:cNvSpPr/>
+          <p:nvPr/>
+        </p:nvSpPr>
+        <p:spPr>
+          <a:xfrm>
+            <a:off x="58627" y="1722402"/>
+            <a:ext cx="2534944" cy="1240655"/>
+          </a:xfrm>
+          <a:prstGeom prst="rect">
+            <a:avLst/>
+          </a:prstGeom>
+          <a:solidFill>
+            <a:schemeClr val="bg1"/>
+          </a:solidFill>
+          <a:ln w="60325">
+            <a:solidFill>
+              <a:schemeClr val="bg1">
+                <a:lumMod val="65000"/>
+              </a:schemeClr>
+            </a:solidFill>
+            <a:miter lim="800000"/>
+          </a:ln>
+          <a:effectLst/>
+        </p:spPr>
+        <p:style>
+          <a:lnRef idx="1">
+            <a:schemeClr val="accent1"/>
+          </a:lnRef>
+          <a:fillRef idx="3">
+            <a:schemeClr val="accent1"/>
+          </a:fillRef>
+          <a:effectRef idx="2">
+            <a:schemeClr val="accent1"/>
+          </a:effectRef>
+          <a:fontRef idx="minor">
+            <a:schemeClr val="lt1"/>
+          </a:fontRef>
+        </p:style>
+        <p:txBody>
+          <a:bodyPr rtlCol="0" anchor="t" anchorCtr="0"/>
+          <a:lstStyle/>
+          <a:p>
+            <a:pPr algn="ctr"/>
+            <a:r>
+              <a:rPr lang="en-US" altLang="ja-JP" sz="2000" dirty="0">
+                <a:solidFill>
+                  <a:schemeClr val="tx1">
+                    <a:lumMod val="50000"/>
+                    <a:lumOff val="50000"/>
+                  </a:schemeClr>
+                </a:solidFill>
+              </a:rPr>
+              <a:t>Authentication User</a:t>
+            </a:r>
+          </a:p>
+        </p:txBody>
+      </p:sp>
+      <p:cxnSp>
+        <p:nvCxnSpPr>
+          <p:cNvPr id="57" name="直線矢印コネクタ 64"/>
+          <p:cNvCxnSpPr/>
+          <p:nvPr/>
+        </p:nvCxnSpPr>
+        <p:spPr bwMode="invGray">
+          <a:xfrm rot="10800000">
+            <a:off x="1625748" y="2655394"/>
+            <a:ext cx="1188607" cy="1092937"/>
+          </a:xfrm>
+          <a:prstGeom prst="bentConnector3">
+            <a:avLst>
+              <a:gd name="adj1" fmla="val 345"/>
+            </a:avLst>
+          </a:prstGeom>
+          <a:ln w="50800" cap="rnd">
+            <a:solidFill>
+              <a:schemeClr val="accent3">
+                <a:lumMod val="75000"/>
+              </a:schemeClr>
+            </a:solidFill>
+            <a:headEnd type="triangle" w="lg" len="lg"/>
+            <a:tailEnd type="none" w="lg" len="lg"/>
+          </a:ln>
+        </p:spPr>
+        <p:style>
+          <a:lnRef idx="1">
+            <a:schemeClr val="accent1"/>
+          </a:lnRef>
+          <a:fillRef idx="0">
+            <a:schemeClr val="accent1"/>
+          </a:fillRef>
+          <a:effectRef idx="0">
+            <a:schemeClr val="accent1"/>
+          </a:effectRef>
+          <a:fontRef idx="minor">
+            <a:schemeClr val="tx1"/>
+          </a:fontRef>
+        </p:style>
+      </p:cxnSp>
+      <p:cxnSp>
+        <p:nvCxnSpPr>
+          <p:cNvPr id="60" name="直線矢印コネクタ 64"/>
+          <p:cNvCxnSpPr/>
+          <p:nvPr/>
+        </p:nvCxnSpPr>
+        <p:spPr bwMode="invGray">
+          <a:xfrm rot="5400000" flipH="1" flipV="1">
+            <a:off x="3196227" y="2231365"/>
+            <a:ext cx="2025931" cy="1008002"/>
+          </a:xfrm>
+          <a:prstGeom prst="bentConnector3">
+            <a:avLst>
+              <a:gd name="adj1" fmla="val 100925"/>
+            </a:avLst>
+          </a:prstGeom>
+          <a:ln w="50800" cap="rnd">
+            <a:solidFill>
+              <a:schemeClr val="accent3">
+                <a:lumMod val="75000"/>
+              </a:schemeClr>
+            </a:solidFill>
+            <a:headEnd type="triangle" w="lg" len="lg"/>
+            <a:tailEnd type="none" w="lg" len="lg"/>
+          </a:ln>
+        </p:spPr>
+        <p:style>
+          <a:lnRef idx="1">
+            <a:schemeClr val="accent1"/>
+          </a:lnRef>
+          <a:fillRef idx="0">
+            <a:schemeClr val="accent1"/>
+          </a:fillRef>
+          <a:effectRef idx="0">
+            <a:schemeClr val="accent1"/>
+          </a:effectRef>
+          <a:fontRef idx="minor">
+            <a:schemeClr val="tx1"/>
+          </a:fontRef>
+        </p:style>
+      </p:cxnSp>
+      <p:graphicFrame>
+        <p:nvGraphicFramePr>
+          <p:cNvPr id="42" name="表 41"/>
+          <p:cNvGraphicFramePr>
+            <a:graphicFrameLocks noGrp="1"/>
+          </p:cNvGraphicFramePr>
+          <p:nvPr>
+            <p:extLst>
+              <p:ext uri="{D42A27DB-BD31-4B8C-83A1-F6EECF244321}">
+                <p14:modId xmlns:p14="http://schemas.microsoft.com/office/powerpoint/2010/main" val="4166609185"/>
+              </p:ext>
+            </p:extLst>
+          </p:nvPr>
+        </p:nvGraphicFramePr>
+        <p:xfrm>
+          <a:off x="294986" y="2122291"/>
+          <a:ext cx="2123644" cy="698608"/>
+        </p:xfrm>
+        <a:graphic>
+          <a:graphicData uri="http://schemas.openxmlformats.org/drawingml/2006/table">
+            <a:tbl>
+              <a:tblPr firstRow="1" bandRow="1">
+                <a:tableStyleId>{5C22544A-7EE6-4342-B048-85BDC9FD1C3A}</a:tableStyleId>
+              </a:tblPr>
+              <a:tblGrid>
+                <a:gridCol w="709900"/>
+                <a:gridCol w="1413744"/>
+              </a:tblGrid>
+              <a:tr h="349304">
+                <a:tc>
+                  <a:txBody>
+                    <a:bodyPr/>
+                    <a:lstStyle/>
+                    <a:p>
+                      <a:pPr algn="ctr"/>
+                      <a:r>
+                        <a:rPr kumimoji="1" lang="en-US" altLang="ja-JP" sz="1600" dirty="0" smtClean="0"/>
+                        <a:t>user</a:t>
+                      </a:r>
+                      <a:endParaRPr kumimoji="1" lang="ja-JP" altLang="en-US" sz="1600" dirty="0"/>
+                    </a:p>
+                  </a:txBody>
+                  <a:tcPr/>
+                </a:tc>
+                <a:tc>
+                  <a:txBody>
+                    <a:bodyPr/>
+                    <a:lstStyle/>
+                    <a:p>
+                      <a:pPr algn="ctr"/>
+                      <a:r>
+                        <a:rPr kumimoji="1" lang="en-US" altLang="ja-JP" sz="1600" dirty="0" smtClean="0"/>
+                        <a:t>p</a:t>
+                      </a:r>
+                      <a:r>
+                        <a:rPr kumimoji="1" lang="ja-JP" altLang="en-US" sz="1600" dirty="0" smtClean="0"/>
+                        <a:t>ａｓｓｗｏｒｄ</a:t>
+                      </a:r>
+                      <a:endParaRPr kumimoji="1" lang="ja-JP" altLang="en-US" sz="1600" dirty="0"/>
+                    </a:p>
+                  </a:txBody>
+                  <a:tcPr/>
+                </a:tc>
+              </a:tr>
+              <a:tr h="349304">
+                <a:tc>
+                  <a:txBody>
+                    <a:bodyPr/>
+                    <a:lstStyle/>
+                    <a:p>
+                      <a:r>
+                        <a:rPr kumimoji="1" lang="en-US" altLang="ja-JP" sz="1600" dirty="0" smtClean="0"/>
+                        <a:t>User2</a:t>
+                      </a:r>
+                      <a:endParaRPr kumimoji="1" lang="ja-JP" altLang="en-US" sz="1600" dirty="0"/>
+                    </a:p>
+                  </a:txBody>
+                  <a:tcPr/>
+                </a:tc>
+                <a:tc>
+                  <a:txBody>
+                    <a:bodyPr/>
+                    <a:lstStyle/>
+                    <a:p>
+                      <a:r>
+                        <a:rPr kumimoji="1" lang="en-US" altLang="ja-JP" sz="1600" dirty="0" smtClean="0"/>
+                        <a:t>password1234</a:t>
+                      </a:r>
+                      <a:endParaRPr kumimoji="1" lang="ja-JP" altLang="en-US" sz="1600" dirty="0"/>
+                    </a:p>
+                  </a:txBody>
+                  <a:tcPr/>
+                </a:tc>
+              </a:tr>
+            </a:tbl>
+          </a:graphicData>
+        </a:graphic>
+      </p:graphicFrame>
+      <p:sp>
+        <p:nvSpPr>
+          <p:cNvPr id="27" name="正方形/長方形 26"/>
+          <p:cNvSpPr/>
+          <p:nvPr/>
+        </p:nvSpPr>
+        <p:spPr>
+          <a:xfrm>
+            <a:off x="170909" y="3756464"/>
+            <a:ext cx="6409593" cy="2846404"/>
+          </a:xfrm>
+          <a:prstGeom prst="rect">
+            <a:avLst/>
+          </a:prstGeom>
+          <a:solidFill>
+            <a:schemeClr val="bg1"/>
+          </a:solidFill>
+          <a:ln w="60325">
+            <a:solidFill>
+              <a:schemeClr val="bg1">
+                <a:lumMod val="65000"/>
+              </a:schemeClr>
+            </a:solidFill>
+            <a:miter lim="800000"/>
+          </a:ln>
+          <a:effectLst/>
+        </p:spPr>
+        <p:style>
+          <a:lnRef idx="1">
+            <a:schemeClr val="accent1"/>
+          </a:lnRef>
+          <a:fillRef idx="3">
+            <a:schemeClr val="accent1"/>
+          </a:fillRef>
+          <a:effectRef idx="2">
+            <a:schemeClr val="accent1"/>
+          </a:effectRef>
+          <a:fontRef idx="minor">
+            <a:schemeClr val="lt1"/>
+          </a:fontRef>
+        </p:style>
+        <p:txBody>
+          <a:bodyPr rtlCol="0" anchor="t" anchorCtr="0"/>
+          <a:lstStyle/>
+          <a:p>
+            <a:pPr algn="ctr"/>
+            <a:r>
+              <a:rPr lang="en-US" altLang="ja-JP" sz="2000" dirty="0">
+                <a:solidFill>
+                  <a:schemeClr val="bg1">
+                    <a:lumMod val="65000"/>
+                  </a:schemeClr>
+                </a:solidFill>
+                <a:ea typeface="HGP創英角ｺﾞｼｯｸUB" panose="020B0900000000000000" pitchFamily="50" charset="-128"/>
+              </a:rPr>
+              <a:t>DaoAuthenticationProvider</a:t>
+            </a:r>
+          </a:p>
+          <a:p>
+            <a:pPr algn="ctr"/>
+            <a:endParaRPr lang="en-US" altLang="ja-JP" sz="2000" dirty="0">
+              <a:solidFill>
+                <a:schemeClr val="tx1">
+                  <a:lumMod val="50000"/>
+                  <a:lumOff val="50000"/>
+                </a:schemeClr>
+              </a:solidFill>
+            </a:endParaRPr>
+          </a:p>
+        </p:txBody>
+      </p:sp>
+      <p:sp>
+        <p:nvSpPr>
+          <p:cNvPr id="28" name="正方形/長方形 27"/>
+          <p:cNvSpPr/>
+          <p:nvPr/>
+        </p:nvSpPr>
+        <p:spPr>
+          <a:xfrm>
+            <a:off x="300923" y="4594832"/>
+            <a:ext cx="6099878" cy="1850095"/>
+          </a:xfrm>
+          <a:prstGeom prst="rect">
+            <a:avLst/>
+          </a:prstGeom>
+          <a:noFill/>
+          <a:ln w="28575">
+            <a:solidFill>
+              <a:schemeClr val="accent6">
+                <a:lumMod val="60000"/>
+                <a:lumOff val="40000"/>
+              </a:schemeClr>
+            </a:solidFill>
+            <a:prstDash val="solid"/>
+            <a:miter lim="800000"/>
+          </a:ln>
+          <a:effectLst/>
+        </p:spPr>
+        <p:style>
+          <a:lnRef idx="1">
+            <a:schemeClr val="accent1"/>
+          </a:lnRef>
+          <a:fillRef idx="3">
+            <a:schemeClr val="accent1"/>
+          </a:fillRef>
+          <a:effectRef idx="2">
+            <a:schemeClr val="accent1"/>
+          </a:effectRef>
+          <a:fontRef idx="minor">
+            <a:schemeClr val="lt1"/>
+          </a:fontRef>
+        </p:style>
+        <p:txBody>
+          <a:bodyPr rtlCol="0" anchor="t" anchorCtr="0"/>
+          <a:lstStyle/>
+          <a:p>
+            <a:pPr algn="ctr"/>
+            <a:endParaRPr lang="en-US" altLang="ja-JP" sz="2000" dirty="0">
+              <a:solidFill>
+                <a:schemeClr val="tx1">
+                  <a:lumMod val="50000"/>
+                  <a:lumOff val="50000"/>
+                </a:schemeClr>
+              </a:solidFill>
+            </a:endParaRPr>
+          </a:p>
+        </p:txBody>
+      </p:sp>
+      <p:sp>
+        <p:nvSpPr>
+          <p:cNvPr id="11" name="正方形/長方形 10"/>
+          <p:cNvSpPr/>
+          <p:nvPr/>
+        </p:nvSpPr>
+        <p:spPr>
+          <a:xfrm>
+            <a:off x="403665" y="5677996"/>
+            <a:ext cx="1849084" cy="690191"/>
+          </a:xfrm>
+          <a:prstGeom prst="rect">
+            <a:avLst/>
+          </a:prstGeom>
+          <a:solidFill>
+            <a:schemeClr val="accent6">
+              <a:lumMod val="60000"/>
+              <a:lumOff val="40000"/>
+            </a:schemeClr>
+          </a:solidFill>
+          <a:ln>
+            <a:noFill/>
+          </a:ln>
+        </p:spPr>
+        <p:style>
+          <a:lnRef idx="2">
+            <a:schemeClr val="accent1">
+              <a:shade val="50000"/>
+            </a:schemeClr>
+          </a:lnRef>
+          <a:fillRef idx="1">
+            <a:schemeClr val="accent1"/>
+          </a:fillRef>
+          <a:effectRef idx="0">
+            <a:schemeClr val="accent1"/>
+          </a:effectRef>
+          <a:fontRef idx="minor">
+            <a:schemeClr val="lt1"/>
+          </a:fontRef>
+        </p:style>
+        <p:txBody>
+          <a:bodyPr rtlCol="0" anchor="ctr"/>
+          <a:lstStyle/>
+          <a:p>
+            <a:pPr algn="ctr"/>
+            <a:r>
+              <a:rPr lang="en-US" altLang="ja-JP" sz="1600" dirty="0">
+                <a:solidFill>
+                  <a:prstClr val="black">
                     <a:lumMod val="75000"/>
                     <a:lumOff val="25000"/>
-                  </a:schemeClr>
+                  </a:prstClr>
                 </a:solidFill>
                 <a:latin typeface="HGP創英角ｺﾞｼｯｸUB" panose="020B0900000000000000" pitchFamily="50" charset="-128"/>
                 <a:ea typeface="HGP創英角ｺﾞｼｯｸUB" panose="020B0900000000000000" pitchFamily="50" charset="-128"/>
               </a:rPr>
-              <a:t>page2)</a:t>
-            </a:r>
-            <a:endParaRPr lang="en-US" altLang="ja-JP" dirty="0">
+              <a:t>Pbkdf2</a:t>
+            </a:r>
+          </a:p>
+          <a:p>
+            <a:pPr algn="ctr"/>
+            <a:r>
+              <a:rPr lang="en-US" altLang="ja-JP" sz="1600" dirty="0" err="1">
+                <a:solidFill>
+                  <a:prstClr val="black">
+                    <a:lumMod val="75000"/>
+                    <a:lumOff val="25000"/>
+                  </a:prstClr>
+                </a:solidFill>
+                <a:latin typeface="HGP創英角ｺﾞｼｯｸUB" panose="020B0900000000000000" pitchFamily="50" charset="-128"/>
+                <a:ea typeface="HGP創英角ｺﾞｼｯｸUB" panose="020B0900000000000000" pitchFamily="50" charset="-128"/>
+              </a:rPr>
+              <a:t>PasswordEncoder</a:t>
+            </a:r>
+            <a:endParaRPr lang="en-US" altLang="ja-JP" sz="1600" dirty="0">
+              <a:solidFill>
+                <a:prstClr val="black">
+                  <a:lumMod val="75000"/>
+                  <a:lumOff val="25000"/>
+                </a:prstClr>
+              </a:solidFill>
+              <a:latin typeface="HGP創英角ｺﾞｼｯｸUB" panose="020B0900000000000000" pitchFamily="50" charset="-128"/>
+              <a:ea typeface="HGP創英角ｺﾞｼｯｸUB" panose="020B0900000000000000" pitchFamily="50" charset="-128"/>
+            </a:endParaRPr>
+          </a:p>
+        </p:txBody>
+      </p:sp>
+      <p:sp>
+        <p:nvSpPr>
+          <p:cNvPr id="13" name="正方形/長方形 12"/>
+          <p:cNvSpPr/>
+          <p:nvPr/>
+        </p:nvSpPr>
+        <p:spPr>
+          <a:xfrm>
+            <a:off x="4440421" y="5665130"/>
+            <a:ext cx="1782635" cy="690191"/>
+          </a:xfrm>
+          <a:prstGeom prst="rect">
+            <a:avLst/>
+          </a:prstGeom>
+          <a:solidFill>
+            <a:schemeClr val="accent6">
+              <a:lumMod val="60000"/>
+              <a:lumOff val="40000"/>
+            </a:schemeClr>
+          </a:solidFill>
+          <a:ln>
+            <a:noFill/>
+          </a:ln>
+        </p:spPr>
+        <p:style>
+          <a:lnRef idx="2">
+            <a:schemeClr val="accent1">
+              <a:shade val="50000"/>
+            </a:schemeClr>
+          </a:lnRef>
+          <a:fillRef idx="1">
+            <a:schemeClr val="accent1"/>
+          </a:fillRef>
+          <a:effectRef idx="0">
+            <a:schemeClr val="accent1"/>
+          </a:effectRef>
+          <a:fontRef idx="minor">
+            <a:schemeClr val="lt1"/>
+          </a:fontRef>
+        </p:style>
+        <p:txBody>
+          <a:bodyPr rtlCol="0" anchor="ctr"/>
+          <a:lstStyle/>
+          <a:p>
+            <a:pPr algn="ctr"/>
+            <a:r>
+              <a:rPr lang="en-US" altLang="ja-JP" sz="1600" dirty="0">
+                <a:solidFill>
+                  <a:prstClr val="black">
+                    <a:lumMod val="75000"/>
+                    <a:lumOff val="25000"/>
+                  </a:prstClr>
+                </a:solidFill>
+                <a:latin typeface="HGP創英角ｺﾞｼｯｸUB" panose="020B0900000000000000" pitchFamily="50" charset="-128"/>
+                <a:ea typeface="HGP創英角ｺﾞｼｯｸUB" panose="020B0900000000000000" pitchFamily="50" charset="-128"/>
+              </a:rPr>
+              <a:t>SC</a:t>
+            </a:r>
+            <a:r>
+              <a:rPr lang="ja-JP" altLang="en-US" sz="1600" dirty="0">
+                <a:solidFill>
+                  <a:prstClr val="black">
+                    <a:lumMod val="75000"/>
+                    <a:lumOff val="25000"/>
+                  </a:prstClr>
+                </a:solidFill>
+                <a:latin typeface="HGP創英角ｺﾞｼｯｸUB" panose="020B0900000000000000" pitchFamily="50" charset="-128"/>
+                <a:ea typeface="HGP創英角ｺﾞｼｯｸUB" panose="020B0900000000000000" pitchFamily="50" charset="-128"/>
+              </a:rPr>
+              <a:t>ｒｙｐｔ</a:t>
+            </a:r>
+            <a:endParaRPr lang="en-US" altLang="ja-JP" sz="1600" dirty="0">
+              <a:solidFill>
+                <a:prstClr val="black">
+                  <a:lumMod val="75000"/>
+                  <a:lumOff val="25000"/>
+                </a:prstClr>
+              </a:solidFill>
+              <a:latin typeface="HGP創英角ｺﾞｼｯｸUB" panose="020B0900000000000000" pitchFamily="50" charset="-128"/>
+              <a:ea typeface="HGP創英角ｺﾞｼｯｸUB" panose="020B0900000000000000" pitchFamily="50" charset="-128"/>
+            </a:endParaRPr>
+          </a:p>
+          <a:p>
+            <a:pPr algn="ctr"/>
+            <a:r>
+              <a:rPr lang="en-US" altLang="ja-JP" sz="1600" dirty="0" err="1">
+                <a:solidFill>
+                  <a:prstClr val="black">
+                    <a:lumMod val="75000"/>
+                    <a:lumOff val="25000"/>
+                  </a:prstClr>
+                </a:solidFill>
+                <a:latin typeface="HGP創英角ｺﾞｼｯｸUB" panose="020B0900000000000000" pitchFamily="50" charset="-128"/>
+                <a:ea typeface="HGP創英角ｺﾞｼｯｸUB" panose="020B0900000000000000" pitchFamily="50" charset="-128"/>
+              </a:rPr>
+              <a:t>PasswordEncoder</a:t>
+            </a:r>
+            <a:endParaRPr lang="en-US" altLang="ja-JP" sz="1600" dirty="0">
+              <a:solidFill>
+                <a:prstClr val="black">
+                  <a:lumMod val="75000"/>
+                  <a:lumOff val="25000"/>
+                </a:prstClr>
+              </a:solidFill>
+              <a:latin typeface="HGP創英角ｺﾞｼｯｸUB" panose="020B0900000000000000" pitchFamily="50" charset="-128"/>
+              <a:ea typeface="HGP創英角ｺﾞｼｯｸUB" panose="020B0900000000000000" pitchFamily="50" charset="-128"/>
+            </a:endParaRPr>
+          </a:p>
+        </p:txBody>
+      </p:sp>
+      <p:cxnSp>
+        <p:nvCxnSpPr>
+          <p:cNvPr id="21" name="直線矢印コネクタ 20"/>
+          <p:cNvCxnSpPr>
+            <a:stCxn id="12" idx="0"/>
+            <a:endCxn id="7" idx="2"/>
+          </p:cNvCxnSpPr>
+          <p:nvPr/>
+        </p:nvCxnSpPr>
+        <p:spPr bwMode="invGray">
+          <a:xfrm flipH="1" flipV="1">
+            <a:off x="3316834" y="4951678"/>
+            <a:ext cx="2275" cy="705139"/>
+          </a:xfrm>
+          <a:prstGeom prst="straightConnector1">
+            <a:avLst/>
+          </a:prstGeom>
+          <a:ln w="50800">
+            <a:solidFill>
+              <a:schemeClr val="tx2">
+                <a:lumMod val="40000"/>
+                <a:lumOff val="60000"/>
+              </a:schemeClr>
+            </a:solidFill>
+            <a:headEnd type="triangle" w="lg" len="lg"/>
+            <a:tailEnd type="triangle" w="lg" len="lg"/>
+          </a:ln>
+        </p:spPr>
+        <p:style>
+          <a:lnRef idx="1">
+            <a:schemeClr val="accent1"/>
+          </a:lnRef>
+          <a:fillRef idx="0">
+            <a:schemeClr val="accent1"/>
+          </a:fillRef>
+          <a:effectRef idx="0">
+            <a:schemeClr val="accent1"/>
+          </a:effectRef>
+          <a:fontRef idx="minor">
+            <a:schemeClr val="tx1"/>
+          </a:fontRef>
+        </p:style>
+      </p:cxnSp>
+      <p:sp>
+        <p:nvSpPr>
+          <p:cNvPr id="12" name="正方形/長方形 11"/>
+          <p:cNvSpPr/>
+          <p:nvPr/>
+        </p:nvSpPr>
+        <p:spPr>
+          <a:xfrm>
+            <a:off x="2431975" y="5656817"/>
+            <a:ext cx="1774267" cy="690191"/>
+          </a:xfrm>
+          <a:prstGeom prst="rect">
+            <a:avLst/>
+          </a:prstGeom>
+          <a:solidFill>
+            <a:schemeClr val="accent6">
+              <a:lumMod val="60000"/>
+              <a:lumOff val="40000"/>
+            </a:schemeClr>
+          </a:solidFill>
+          <a:ln>
+            <a:noFill/>
+          </a:ln>
+        </p:spPr>
+        <p:style>
+          <a:lnRef idx="2">
+            <a:schemeClr val="accent1">
+              <a:shade val="50000"/>
+            </a:schemeClr>
+          </a:lnRef>
+          <a:fillRef idx="1">
+            <a:schemeClr val="accent1"/>
+          </a:fillRef>
+          <a:effectRef idx="0">
+            <a:schemeClr val="accent1"/>
+          </a:effectRef>
+          <a:fontRef idx="minor">
+            <a:schemeClr val="lt1"/>
+          </a:fontRef>
+        </p:style>
+        <p:txBody>
+          <a:bodyPr rtlCol="0" anchor="ctr"/>
+          <a:lstStyle/>
+          <a:p>
+            <a:pPr algn="ctr"/>
+            <a:r>
+              <a:rPr lang="en-US" altLang="ja-JP" sz="1600" dirty="0">
+                <a:solidFill>
+                  <a:prstClr val="black">
+                    <a:lumMod val="75000"/>
+                    <a:lumOff val="25000"/>
+                  </a:prstClr>
+                </a:solidFill>
+                <a:latin typeface="HGP創英角ｺﾞｼｯｸUB" panose="020B0900000000000000" pitchFamily="50" charset="-128"/>
+                <a:ea typeface="HGP創英角ｺﾞｼｯｸUB" panose="020B0900000000000000" pitchFamily="50" charset="-128"/>
+              </a:rPr>
+              <a:t>BC</a:t>
+            </a:r>
+            <a:r>
+              <a:rPr lang="ja-JP" altLang="en-US" sz="1600" dirty="0">
+                <a:solidFill>
+                  <a:prstClr val="black">
+                    <a:lumMod val="75000"/>
+                    <a:lumOff val="25000"/>
+                  </a:prstClr>
+                </a:solidFill>
+                <a:latin typeface="HGP創英角ｺﾞｼｯｸUB" panose="020B0900000000000000" pitchFamily="50" charset="-128"/>
+                <a:ea typeface="HGP創英角ｺﾞｼｯｸUB" panose="020B0900000000000000" pitchFamily="50" charset="-128"/>
+              </a:rPr>
+              <a:t>ｒｙｐｔ</a:t>
+            </a:r>
+            <a:endParaRPr lang="en-US" altLang="ja-JP" sz="1600" dirty="0">
+              <a:solidFill>
+                <a:prstClr val="black">
+                  <a:lumMod val="75000"/>
+                  <a:lumOff val="25000"/>
+                </a:prstClr>
+              </a:solidFill>
+              <a:latin typeface="HGP創英角ｺﾞｼｯｸUB" panose="020B0900000000000000" pitchFamily="50" charset="-128"/>
+              <a:ea typeface="HGP創英角ｺﾞｼｯｸUB" panose="020B0900000000000000" pitchFamily="50" charset="-128"/>
+            </a:endParaRPr>
+          </a:p>
+          <a:p>
+            <a:pPr algn="ctr"/>
+            <a:r>
+              <a:rPr lang="en-US" altLang="ja-JP" sz="1600" dirty="0" err="1">
+                <a:solidFill>
+                  <a:prstClr val="black">
+                    <a:lumMod val="75000"/>
+                    <a:lumOff val="25000"/>
+                  </a:prstClr>
+                </a:solidFill>
+                <a:latin typeface="HGP創英角ｺﾞｼｯｸUB" panose="020B0900000000000000" pitchFamily="50" charset="-128"/>
+                <a:ea typeface="HGP創英角ｺﾞｼｯｸUB" panose="020B0900000000000000" pitchFamily="50" charset="-128"/>
+              </a:rPr>
+              <a:t>PasswordEncoder</a:t>
+            </a:r>
+            <a:endParaRPr lang="en-US" altLang="ja-JP" sz="1600" dirty="0">
+              <a:solidFill>
+                <a:prstClr val="black">
+                  <a:lumMod val="75000"/>
+                  <a:lumOff val="25000"/>
+                </a:prstClr>
+              </a:solidFill>
+              <a:latin typeface="HGP創英角ｺﾞｼｯｸUB" panose="020B0900000000000000" pitchFamily="50" charset="-128"/>
+              <a:ea typeface="HGP創英角ｺﾞｼｯｸUB" panose="020B0900000000000000" pitchFamily="50" charset="-128"/>
+            </a:endParaRPr>
+          </a:p>
+        </p:txBody>
+      </p:sp>
+      <p:sp>
+        <p:nvSpPr>
+          <p:cNvPr id="7" name="正方形/長方形 6"/>
+          <p:cNvSpPr/>
+          <p:nvPr/>
+        </p:nvSpPr>
+        <p:spPr>
+          <a:xfrm>
+            <a:off x="2427424" y="4261487"/>
+            <a:ext cx="1778819" cy="690191"/>
+          </a:xfrm>
+          <a:prstGeom prst="rect">
+            <a:avLst/>
+          </a:prstGeom>
+          <a:solidFill>
+            <a:schemeClr val="accent6">
+              <a:lumMod val="60000"/>
+              <a:lumOff val="40000"/>
+            </a:schemeClr>
+          </a:solidFill>
+          <a:ln>
+            <a:noFill/>
+          </a:ln>
+        </p:spPr>
+        <p:style>
+          <a:lnRef idx="2">
+            <a:schemeClr val="accent1">
+              <a:shade val="50000"/>
+            </a:schemeClr>
+          </a:lnRef>
+          <a:fillRef idx="1">
+            <a:schemeClr val="accent1"/>
+          </a:fillRef>
+          <a:effectRef idx="0">
+            <a:schemeClr val="accent1"/>
+          </a:effectRef>
+          <a:fontRef idx="minor">
+            <a:schemeClr val="lt1"/>
+          </a:fontRef>
+        </p:style>
+        <p:txBody>
+          <a:bodyPr rtlCol="0" anchor="ctr"/>
+          <a:lstStyle/>
+          <a:p>
+            <a:pPr algn="ctr"/>
+            <a:r>
+              <a:rPr lang="en-US" altLang="ja-JP" sz="1600" dirty="0">
+                <a:solidFill>
+                  <a:prstClr val="black">
+                    <a:lumMod val="75000"/>
+                    <a:lumOff val="25000"/>
+                  </a:prstClr>
+                </a:solidFill>
+                <a:latin typeface="HGP創英角ｺﾞｼｯｸUB" panose="020B0900000000000000" pitchFamily="50" charset="-128"/>
+                <a:ea typeface="HGP創英角ｺﾞｼｯｸUB" panose="020B0900000000000000" pitchFamily="50" charset="-128"/>
+              </a:rPr>
+              <a:t>Delegating</a:t>
+            </a:r>
+          </a:p>
+          <a:p>
+            <a:pPr algn="ctr"/>
+            <a:r>
+              <a:rPr lang="en-US" altLang="ja-JP" sz="1600" dirty="0" err="1">
+                <a:solidFill>
+                  <a:prstClr val="black">
+                    <a:lumMod val="75000"/>
+                    <a:lumOff val="25000"/>
+                  </a:prstClr>
+                </a:solidFill>
+                <a:latin typeface="HGP創英角ｺﾞｼｯｸUB" panose="020B0900000000000000" pitchFamily="50" charset="-128"/>
+                <a:ea typeface="HGP創英角ｺﾞｼｯｸUB" panose="020B0900000000000000" pitchFamily="50" charset="-128"/>
+              </a:rPr>
+              <a:t>PasswordEncoder</a:t>
+            </a:r>
+            <a:endParaRPr lang="en-US" altLang="ja-JP" sz="1600" dirty="0">
+              <a:solidFill>
+                <a:prstClr val="black">
+                  <a:lumMod val="75000"/>
+                  <a:lumOff val="25000"/>
+                </a:prstClr>
+              </a:solidFill>
+              <a:latin typeface="HGP創英角ｺﾞｼｯｸUB" panose="020B0900000000000000" pitchFamily="50" charset="-128"/>
+              <a:ea typeface="HGP創英角ｺﾞｼｯｸUB" panose="020B0900000000000000" pitchFamily="50" charset="-128"/>
+            </a:endParaRPr>
+          </a:p>
+        </p:txBody>
+      </p:sp>
+      <p:cxnSp>
+        <p:nvCxnSpPr>
+          <p:cNvPr id="74" name="直線矢印コネクタ 73"/>
+          <p:cNvCxnSpPr>
+            <a:stCxn id="11" idx="0"/>
+          </p:cNvCxnSpPr>
+          <p:nvPr/>
+        </p:nvCxnSpPr>
+        <p:spPr bwMode="invGray">
+          <a:xfrm flipV="1">
+            <a:off x="1328207" y="4761222"/>
+            <a:ext cx="1090423" cy="916774"/>
+          </a:xfrm>
+          <a:prstGeom prst="straightConnector1">
+            <a:avLst/>
+          </a:prstGeom>
+          <a:ln w="50800">
+            <a:solidFill>
+              <a:schemeClr val="accent3">
+                <a:lumMod val="75000"/>
+              </a:schemeClr>
+            </a:solidFill>
+            <a:headEnd type="triangle" w="lg" len="lg"/>
+            <a:tailEnd type="triangle" w="lg" len="lg"/>
+          </a:ln>
+        </p:spPr>
+        <p:style>
+          <a:lnRef idx="1">
+            <a:schemeClr val="accent1"/>
+          </a:lnRef>
+          <a:fillRef idx="0">
+            <a:schemeClr val="accent1"/>
+          </a:fillRef>
+          <a:effectRef idx="0">
+            <a:schemeClr val="accent1"/>
+          </a:effectRef>
+          <a:fontRef idx="minor">
+            <a:schemeClr val="tx1"/>
+          </a:fontRef>
+        </p:style>
+      </p:cxnSp>
+      <p:graphicFrame>
+        <p:nvGraphicFramePr>
+          <p:cNvPr id="2" name="表 1"/>
+          <p:cNvGraphicFramePr>
+            <a:graphicFrameLocks noGrp="1"/>
+          </p:cNvGraphicFramePr>
+          <p:nvPr>
+            <p:extLst>
+              <p:ext uri="{D42A27DB-BD31-4B8C-83A1-F6EECF244321}">
+                <p14:modId xmlns:p14="http://schemas.microsoft.com/office/powerpoint/2010/main" val="1320264143"/>
+              </p:ext>
+            </p:extLst>
+          </p:nvPr>
+        </p:nvGraphicFramePr>
+        <p:xfrm>
+          <a:off x="4041592" y="844109"/>
+          <a:ext cx="2136097" cy="1712792"/>
+        </p:xfrm>
+        <a:graphic>
+          <a:graphicData uri="http://schemas.openxmlformats.org/drawingml/2006/table">
+            <a:tbl>
+              <a:tblPr firstRow="1" bandRow="1">
+                <a:tableStyleId>{5C22544A-7EE6-4342-B048-85BDC9FD1C3A}</a:tableStyleId>
+              </a:tblPr>
+              <a:tblGrid>
+                <a:gridCol w="714063"/>
+                <a:gridCol w="1422034"/>
+              </a:tblGrid>
+              <a:tr h="304962">
+                <a:tc>
+                  <a:txBody>
+                    <a:bodyPr/>
+                    <a:lstStyle/>
+                    <a:p>
+                      <a:pPr algn="ctr"/>
+                      <a:r>
+                        <a:rPr kumimoji="1" lang="en-US" altLang="ja-JP" sz="1600" dirty="0" smtClean="0"/>
+                        <a:t>user</a:t>
+                      </a:r>
+                      <a:endParaRPr kumimoji="1" lang="ja-JP" altLang="en-US" sz="1600" dirty="0"/>
+                    </a:p>
+                  </a:txBody>
+                  <a:tcPr/>
+                </a:tc>
+                <a:tc>
+                  <a:txBody>
+                    <a:bodyPr/>
+                    <a:lstStyle/>
+                    <a:p>
+                      <a:pPr algn="ctr"/>
+                      <a:r>
+                        <a:rPr kumimoji="1" lang="en-US" altLang="ja-JP" sz="1600" dirty="0" smtClean="0"/>
+                        <a:t>p</a:t>
+                      </a:r>
+                      <a:r>
+                        <a:rPr kumimoji="1" lang="ja-JP" altLang="en-US" sz="1600" dirty="0" smtClean="0"/>
+                        <a:t>ａｓｓｗｏｒｄ</a:t>
+                      </a:r>
+                      <a:endParaRPr kumimoji="1" lang="ja-JP" altLang="en-US" sz="1600" dirty="0"/>
+                    </a:p>
+                  </a:txBody>
+                  <a:tcPr/>
+                </a:tc>
+              </a:tr>
+              <a:tr h="304962">
+                <a:tc>
+                  <a:txBody>
+                    <a:bodyPr/>
+                    <a:lstStyle/>
+                    <a:p>
+                      <a:r>
+                        <a:rPr kumimoji="1" lang="en-US" altLang="ja-JP" sz="1600" dirty="0" smtClean="0"/>
+                        <a:t>User1</a:t>
+                      </a:r>
+                      <a:endParaRPr kumimoji="1" lang="ja-JP" altLang="en-US" sz="1600" dirty="0"/>
+                    </a:p>
+                  </a:txBody>
+                  <a:tcPr/>
+                </a:tc>
+                <a:tc>
+                  <a:txBody>
+                    <a:bodyPr/>
+                    <a:lstStyle/>
+                    <a:p>
+                      <a:r>
+                        <a:rPr kumimoji="1" lang="en-US" altLang="ja-JP" sz="1600" dirty="0" smtClean="0"/>
+                        <a:t>{</a:t>
+                      </a:r>
+                      <a:r>
+                        <a:rPr kumimoji="1" lang="en-US" altLang="ja-JP" sz="1600" dirty="0" err="1" smtClean="0"/>
+                        <a:t>bcrypt</a:t>
+                      </a:r>
+                      <a:r>
+                        <a:rPr kumimoji="1" lang="en-US" altLang="ja-JP" sz="1600" dirty="0" smtClean="0"/>
+                        <a:t>}XXXXX</a:t>
+                      </a:r>
+                      <a:endParaRPr kumimoji="1" lang="ja-JP" altLang="en-US" sz="1600" dirty="0"/>
+                    </a:p>
+                  </a:txBody>
+                  <a:tcPr/>
+                </a:tc>
+              </a:tr>
+              <a:tr h="304962">
+                <a:tc>
+                  <a:txBody>
+                    <a:bodyPr/>
+                    <a:lstStyle/>
+                    <a:p>
+                      <a:pPr marL="0" marR="0" lvl="0" indent="0" algn="l" defTabSz="457200" rtl="0" eaLnBrk="1" fontAlgn="auto" latinLnBrk="0" hangingPunct="1">
+                        <a:lnSpc>
+                          <a:spcPct val="100000"/>
+                        </a:lnSpc>
+                        <a:spcBef>
+                          <a:spcPts val="0"/>
+                        </a:spcBef>
+                        <a:spcAft>
+                          <a:spcPts val="0"/>
+                        </a:spcAft>
+                        <a:buClrTx/>
+                        <a:buSzTx/>
+                        <a:buFontTx/>
+                        <a:buNone/>
+                        <a:tabLst/>
+                        <a:defRPr/>
+                      </a:pPr>
+                      <a:r>
+                        <a:rPr kumimoji="1" lang="en-US" altLang="ja-JP" sz="1600" dirty="0" smtClean="0"/>
+                        <a:t>User2</a:t>
+                      </a:r>
+                      <a:endParaRPr kumimoji="1" lang="ja-JP" altLang="en-US" sz="1600" dirty="0" smtClean="0"/>
+                    </a:p>
+                  </a:txBody>
+                  <a:tcPr/>
+                </a:tc>
+                <a:tc>
+                  <a:txBody>
+                    <a:bodyPr/>
+                    <a:lstStyle/>
+                    <a:p>
+                      <a:pPr marL="0" marR="0" lvl="0" indent="0" algn="l" defTabSz="457200" rtl="0" eaLnBrk="1" fontAlgn="auto" latinLnBrk="0" hangingPunct="1">
+                        <a:lnSpc>
+                          <a:spcPct val="100000"/>
+                        </a:lnSpc>
+                        <a:spcBef>
+                          <a:spcPts val="0"/>
+                        </a:spcBef>
+                        <a:spcAft>
+                          <a:spcPts val="0"/>
+                        </a:spcAft>
+                        <a:buClrTx/>
+                        <a:buSzTx/>
+                        <a:buFontTx/>
+                        <a:buNone/>
+                        <a:tabLst/>
+                        <a:defRPr/>
+                      </a:pPr>
+                      <a:r>
+                        <a:rPr kumimoji="1" lang="en-US" altLang="ja-JP" sz="1600" dirty="0" smtClean="0"/>
+                        <a:t>{pbkdf2}YYYYY</a:t>
+                      </a:r>
+                      <a:endParaRPr kumimoji="1" lang="ja-JP" altLang="en-US" sz="1600" dirty="0" smtClean="0"/>
+                    </a:p>
+                  </a:txBody>
+                  <a:tcPr/>
+                </a:tc>
+              </a:tr>
+              <a:tr h="304962">
+                <a:tc>
+                  <a:txBody>
+                    <a:bodyPr/>
+                    <a:lstStyle/>
+                    <a:p>
+                      <a:pPr marL="0" marR="0" lvl="0" indent="0" algn="l" defTabSz="457200" rtl="0" eaLnBrk="1" fontAlgn="auto" latinLnBrk="0" hangingPunct="1">
+                        <a:lnSpc>
+                          <a:spcPct val="100000"/>
+                        </a:lnSpc>
+                        <a:spcBef>
+                          <a:spcPts val="0"/>
+                        </a:spcBef>
+                        <a:spcAft>
+                          <a:spcPts val="0"/>
+                        </a:spcAft>
+                        <a:buClrTx/>
+                        <a:buSzTx/>
+                        <a:buFontTx/>
+                        <a:buNone/>
+                        <a:tabLst/>
+                        <a:defRPr/>
+                      </a:pPr>
+                      <a:r>
+                        <a:rPr kumimoji="1" lang="en-US" altLang="ja-JP" sz="1600" dirty="0" smtClean="0"/>
+                        <a:t>User3</a:t>
+                      </a:r>
+                      <a:endParaRPr kumimoji="1" lang="ja-JP" altLang="en-US" sz="1600" dirty="0" smtClean="0"/>
+                    </a:p>
+                  </a:txBody>
+                  <a:tcPr/>
+                </a:tc>
+                <a:tc>
+                  <a:txBody>
+                    <a:bodyPr/>
+                    <a:lstStyle/>
+                    <a:p>
+                      <a:pPr marL="0" marR="0" lvl="0" indent="0" algn="l" defTabSz="457200" rtl="0" eaLnBrk="1" fontAlgn="auto" latinLnBrk="0" hangingPunct="1">
+                        <a:lnSpc>
+                          <a:spcPct val="100000"/>
+                        </a:lnSpc>
+                        <a:spcBef>
+                          <a:spcPts val="0"/>
+                        </a:spcBef>
+                        <a:spcAft>
+                          <a:spcPts val="0"/>
+                        </a:spcAft>
+                        <a:buClrTx/>
+                        <a:buSzTx/>
+                        <a:buFontTx/>
+                        <a:buNone/>
+                        <a:tabLst/>
+                        <a:defRPr/>
+                      </a:pPr>
+                      <a:r>
+                        <a:rPr kumimoji="1" lang="en-US" altLang="ja-JP" sz="1600" dirty="0" smtClean="0"/>
+                        <a:t>{</a:t>
+                      </a:r>
+                      <a:r>
+                        <a:rPr kumimoji="1" lang="en-US" altLang="ja-JP" sz="1600" dirty="0" smtClean="0"/>
+                        <a:t>pbkdf2}ZZZZZ</a:t>
+                      </a:r>
+                      <a:endParaRPr kumimoji="1" lang="ja-JP" altLang="en-US" sz="1600" dirty="0" smtClean="0"/>
+                    </a:p>
+                  </a:txBody>
+                  <a:tcPr/>
+                </a:tc>
+              </a:tr>
+              <a:tr h="371672">
+                <a:tc>
+                  <a:txBody>
+                    <a:bodyPr/>
+                    <a:lstStyle/>
+                    <a:p>
+                      <a:pPr marL="0" marR="0" lvl="0" indent="0" algn="ctr" defTabSz="457200" rtl="0" eaLnBrk="1" fontAlgn="auto" latinLnBrk="0" hangingPunct="1">
+                        <a:lnSpc>
+                          <a:spcPct val="100000"/>
+                        </a:lnSpc>
+                        <a:spcBef>
+                          <a:spcPts val="0"/>
+                        </a:spcBef>
+                        <a:spcAft>
+                          <a:spcPts val="0"/>
+                        </a:spcAft>
+                        <a:buClrTx/>
+                        <a:buSzTx/>
+                        <a:buFontTx/>
+                        <a:buNone/>
+                        <a:tabLst/>
+                        <a:defRPr/>
+                      </a:pPr>
+                      <a:r>
+                        <a:rPr kumimoji="1" lang="ja-JP" altLang="en-US" sz="600" b="1" dirty="0" smtClean="0"/>
+                        <a:t>・</a:t>
+                      </a:r>
+                      <a:endParaRPr kumimoji="1" lang="en-US" altLang="ja-JP" sz="600" b="1" dirty="0" smtClean="0"/>
+                    </a:p>
+                    <a:p>
+                      <a:pPr marL="0" marR="0" lvl="0" indent="0" algn="ctr" defTabSz="457200" rtl="0" eaLnBrk="1" fontAlgn="auto" latinLnBrk="0" hangingPunct="1">
+                        <a:lnSpc>
+                          <a:spcPct val="100000"/>
+                        </a:lnSpc>
+                        <a:spcBef>
+                          <a:spcPts val="0"/>
+                        </a:spcBef>
+                        <a:spcAft>
+                          <a:spcPts val="0"/>
+                        </a:spcAft>
+                        <a:buClrTx/>
+                        <a:buSzTx/>
+                        <a:buFontTx/>
+                        <a:buNone/>
+                        <a:tabLst/>
+                        <a:defRPr/>
+                      </a:pPr>
+                      <a:r>
+                        <a:rPr kumimoji="1" lang="ja-JP" altLang="en-US" sz="600" b="1" dirty="0" smtClean="0"/>
+                        <a:t>・</a:t>
+                      </a:r>
+                      <a:endParaRPr kumimoji="1" lang="en-US" altLang="ja-JP" sz="600" b="1" dirty="0" smtClean="0"/>
+                    </a:p>
+                    <a:p>
+                      <a:pPr marL="0" marR="0" lvl="0" indent="0" algn="ctr" defTabSz="457200" rtl="0" eaLnBrk="1" fontAlgn="auto" latinLnBrk="0" hangingPunct="1">
+                        <a:lnSpc>
+                          <a:spcPct val="100000"/>
+                        </a:lnSpc>
+                        <a:spcBef>
+                          <a:spcPts val="0"/>
+                        </a:spcBef>
+                        <a:spcAft>
+                          <a:spcPts val="0"/>
+                        </a:spcAft>
+                        <a:buClrTx/>
+                        <a:buSzTx/>
+                        <a:buFontTx/>
+                        <a:buNone/>
+                        <a:tabLst/>
+                        <a:defRPr/>
+                      </a:pPr>
+                      <a:r>
+                        <a:rPr kumimoji="1" lang="ja-JP" altLang="en-US" sz="600" b="1" dirty="0" smtClean="0"/>
+                        <a:t>・</a:t>
+                      </a:r>
+                    </a:p>
+                  </a:txBody>
+                  <a:tcPr/>
+                </a:tc>
+                <a:tc>
+                  <a:txBody>
+                    <a:bodyPr/>
+                    <a:lstStyle/>
+                    <a:p>
+                      <a:pPr marL="0" marR="0" lvl="0" indent="0" algn="ctr" defTabSz="457200" rtl="0" eaLnBrk="1" fontAlgn="auto" latinLnBrk="0" hangingPunct="1">
+                        <a:lnSpc>
+                          <a:spcPct val="100000"/>
+                        </a:lnSpc>
+                        <a:spcBef>
+                          <a:spcPts val="0"/>
+                        </a:spcBef>
+                        <a:spcAft>
+                          <a:spcPts val="0"/>
+                        </a:spcAft>
+                        <a:buClrTx/>
+                        <a:buSzTx/>
+                        <a:buFontTx/>
+                        <a:buNone/>
+                        <a:tabLst/>
+                        <a:defRPr/>
+                      </a:pPr>
+                      <a:r>
+                        <a:rPr kumimoji="1" lang="ja-JP" altLang="en-US" sz="600" b="1" dirty="0" smtClean="0"/>
+                        <a:t>・</a:t>
+                      </a:r>
+                      <a:endParaRPr kumimoji="1" lang="en-US" altLang="ja-JP" sz="600" b="1" dirty="0" smtClean="0"/>
+                    </a:p>
+                    <a:p>
+                      <a:pPr marL="0" marR="0" lvl="0" indent="0" algn="ctr" defTabSz="457200" rtl="0" eaLnBrk="1" fontAlgn="auto" latinLnBrk="0" hangingPunct="1">
+                        <a:lnSpc>
+                          <a:spcPct val="100000"/>
+                        </a:lnSpc>
+                        <a:spcBef>
+                          <a:spcPts val="0"/>
+                        </a:spcBef>
+                        <a:spcAft>
+                          <a:spcPts val="0"/>
+                        </a:spcAft>
+                        <a:buClrTx/>
+                        <a:buSzTx/>
+                        <a:buFontTx/>
+                        <a:buNone/>
+                        <a:tabLst/>
+                        <a:defRPr/>
+                      </a:pPr>
+                      <a:r>
+                        <a:rPr kumimoji="1" lang="ja-JP" altLang="en-US" sz="600" b="1" dirty="0" smtClean="0"/>
+                        <a:t>・</a:t>
+                      </a:r>
+                      <a:endParaRPr kumimoji="1" lang="en-US" altLang="ja-JP" sz="600" b="1" dirty="0" smtClean="0"/>
+                    </a:p>
+                    <a:p>
+                      <a:pPr marL="0" marR="0" lvl="0" indent="0" algn="ctr" defTabSz="457200" rtl="0" eaLnBrk="1" fontAlgn="auto" latinLnBrk="0" hangingPunct="1">
+                        <a:lnSpc>
+                          <a:spcPct val="100000"/>
+                        </a:lnSpc>
+                        <a:spcBef>
+                          <a:spcPts val="0"/>
+                        </a:spcBef>
+                        <a:spcAft>
+                          <a:spcPts val="0"/>
+                        </a:spcAft>
+                        <a:buClrTx/>
+                        <a:buSzTx/>
+                        <a:buFontTx/>
+                        <a:buNone/>
+                        <a:tabLst/>
+                        <a:defRPr/>
+                      </a:pPr>
+                      <a:r>
+                        <a:rPr kumimoji="1" lang="ja-JP" altLang="en-US" sz="600" b="1" dirty="0" smtClean="0"/>
+                        <a:t>・</a:t>
+                      </a:r>
+                    </a:p>
+                  </a:txBody>
+                  <a:tcPr/>
+                </a:tc>
+              </a:tr>
+            </a:tbl>
+          </a:graphicData>
+        </a:graphic>
+      </p:graphicFrame>
+      <p:sp>
+        <p:nvSpPr>
+          <p:cNvPr id="37" name="円形吹き出し 36"/>
+          <p:cNvSpPr/>
+          <p:nvPr/>
+        </p:nvSpPr>
+        <p:spPr>
+          <a:xfrm>
+            <a:off x="6173074" y="26783"/>
+            <a:ext cx="2962610" cy="1104244"/>
+          </a:xfrm>
+          <a:prstGeom prst="wedgeEllipseCallout">
+            <a:avLst>
+              <a:gd name="adj1" fmla="val -54163"/>
+              <a:gd name="adj2" fmla="val 72333"/>
+            </a:avLst>
+          </a:prstGeom>
+          <a:solidFill>
+            <a:schemeClr val="tx2">
+              <a:lumMod val="20000"/>
+              <a:lumOff val="80000"/>
+            </a:schemeClr>
+          </a:solidFill>
+          <a:ln w="12700">
+            <a:solidFill>
+              <a:schemeClr val="tx1"/>
+            </a:solidFill>
+          </a:ln>
+          <a:effectLst/>
+        </p:spPr>
+        <p:style>
+          <a:lnRef idx="3">
+            <a:schemeClr val="lt1"/>
+          </a:lnRef>
+          <a:fillRef idx="1">
+            <a:schemeClr val="accent6"/>
+          </a:fillRef>
+          <a:effectRef idx="1">
+            <a:schemeClr val="accent6"/>
+          </a:effectRef>
+          <a:fontRef idx="minor">
+            <a:schemeClr val="lt1"/>
+          </a:fontRef>
+        </p:style>
+        <p:txBody>
+          <a:bodyPr rtlCol="0" anchor="ctr"/>
+          <a:lstStyle/>
+          <a:p>
+            <a:pPr algn="ctr"/>
+            <a:r>
+              <a:rPr lang="en-US" altLang="ja-JP" sz="1600" dirty="0">
+                <a:solidFill>
+                  <a:schemeClr val="tx1">
+                    <a:lumMod val="75000"/>
+                    <a:lumOff val="25000"/>
+                  </a:schemeClr>
+                </a:solidFill>
+                <a:latin typeface="HGP創英角ｺﾞｼｯｸUB" panose="020B0900000000000000" pitchFamily="50" charset="-128"/>
+                <a:ea typeface="HGP創英角ｺﾞｼｯｸUB" panose="020B0900000000000000" pitchFamily="50" charset="-128"/>
+              </a:rPr>
+              <a:t>‘XXXXX’ is the </a:t>
+            </a:r>
+            <a:r>
+              <a:rPr lang="en-US" altLang="ja-JP" sz="1600" dirty="0" smtClean="0">
+                <a:solidFill>
+                  <a:schemeClr val="tx1">
+                    <a:lumMod val="75000"/>
+                    <a:lumOff val="25000"/>
+                  </a:schemeClr>
+                </a:solidFill>
+                <a:latin typeface="HGP創英角ｺﾞｼｯｸUB" panose="020B0900000000000000" pitchFamily="50" charset="-128"/>
+                <a:ea typeface="HGP創英角ｺﾞｼｯｸUB" panose="020B0900000000000000" pitchFamily="50" charset="-128"/>
+              </a:rPr>
+              <a:t>value of‘password1234</a:t>
+            </a:r>
+            <a:r>
+              <a:rPr lang="en-US" altLang="ja-JP" sz="1600" dirty="0">
+                <a:solidFill>
+                  <a:schemeClr val="tx1">
+                    <a:lumMod val="75000"/>
+                    <a:lumOff val="25000"/>
+                  </a:schemeClr>
+                </a:solidFill>
+                <a:latin typeface="HGP創英角ｺﾞｼｯｸUB" panose="020B0900000000000000" pitchFamily="50" charset="-128"/>
+                <a:ea typeface="HGP創英角ｺﾞｼｯｸUB" panose="020B0900000000000000" pitchFamily="50" charset="-128"/>
+              </a:rPr>
+              <a:t>’ encoded with </a:t>
+            </a:r>
+            <a:r>
+              <a:rPr lang="en-US" altLang="ja-JP" sz="1600" dirty="0" err="1" smtClean="0">
+                <a:solidFill>
+                  <a:schemeClr val="tx1">
+                    <a:lumMod val="75000"/>
+                    <a:lumOff val="25000"/>
+                  </a:schemeClr>
+                </a:solidFill>
+                <a:latin typeface="HGP創英角ｺﾞｼｯｸUB" panose="020B0900000000000000" pitchFamily="50" charset="-128"/>
+                <a:ea typeface="HGP創英角ｺﾞｼｯｸUB" panose="020B0900000000000000" pitchFamily="50" charset="-128"/>
+              </a:rPr>
+              <a:t>BCrypt</a:t>
+            </a:r>
+            <a:endParaRPr lang="en-US" altLang="ja-JP" sz="1600" dirty="0">
               <a:solidFill>
                 <a:schemeClr val="tx1">
                   <a:lumMod val="75000"/>
@@ -15995,10 +17039,503 @@
           </a:p>
         </p:txBody>
       </p:sp>
+      <p:sp>
+        <p:nvSpPr>
+          <p:cNvPr id="99" name="円形吹き出し 98"/>
+          <p:cNvSpPr/>
+          <p:nvPr/>
+        </p:nvSpPr>
+        <p:spPr>
+          <a:xfrm>
+            <a:off x="6214740" y="1837857"/>
+            <a:ext cx="2929258" cy="1104244"/>
+          </a:xfrm>
+          <a:prstGeom prst="wedgeEllipseCallout">
+            <a:avLst>
+              <a:gd name="adj1" fmla="val -55469"/>
+              <a:gd name="adj2" fmla="val -61738"/>
+            </a:avLst>
+          </a:prstGeom>
+          <a:solidFill>
+            <a:schemeClr val="accent3">
+              <a:lumMod val="60000"/>
+              <a:lumOff val="40000"/>
+            </a:schemeClr>
+          </a:solidFill>
+          <a:ln w="12700">
+            <a:solidFill>
+              <a:schemeClr val="tx1"/>
+            </a:solidFill>
+          </a:ln>
+          <a:effectLst/>
+        </p:spPr>
+        <p:style>
+          <a:lnRef idx="3">
+            <a:schemeClr val="lt1"/>
+          </a:lnRef>
+          <a:fillRef idx="1">
+            <a:schemeClr val="accent6"/>
+          </a:fillRef>
+          <a:effectRef idx="1">
+            <a:schemeClr val="accent6"/>
+          </a:effectRef>
+          <a:fontRef idx="minor">
+            <a:schemeClr val="lt1"/>
+          </a:fontRef>
+        </p:style>
+        <p:txBody>
+          <a:bodyPr rtlCol="0" anchor="ctr"/>
+          <a:lstStyle/>
+          <a:p>
+            <a:pPr algn="ctr"/>
+            <a:r>
+              <a:rPr lang="en-US" altLang="ja-JP" sz="1600" dirty="0">
+                <a:solidFill>
+                  <a:schemeClr val="tx1">
+                    <a:lumMod val="75000"/>
+                    <a:lumOff val="25000"/>
+                  </a:schemeClr>
+                </a:solidFill>
+                <a:latin typeface="HGP創英角ｺﾞｼｯｸUB" panose="020B0900000000000000" pitchFamily="50" charset="-128"/>
+                <a:ea typeface="HGP創英角ｺﾞｼｯｸUB" panose="020B0900000000000000" pitchFamily="50" charset="-128"/>
+              </a:rPr>
+              <a:t>‘YYYYY’ is the value of‘password1234’ encoded with Pbkdf2</a:t>
+            </a:r>
+          </a:p>
+        </p:txBody>
+      </p:sp>
+      <p:sp>
+        <p:nvSpPr>
+          <p:cNvPr id="115" name="テキスト ボックス 114"/>
+          <p:cNvSpPr txBox="1"/>
+          <p:nvPr/>
+        </p:nvSpPr>
+        <p:spPr>
+          <a:xfrm>
+            <a:off x="3112674" y="883568"/>
+            <a:ext cx="723275" cy="461665"/>
+          </a:xfrm>
+          <a:prstGeom prst="rect">
+            <a:avLst/>
+          </a:prstGeom>
+          <a:noFill/>
+        </p:spPr>
+        <p:txBody>
+          <a:bodyPr wrap="none" rtlCol="0">
+            <a:spAutoFit/>
+          </a:bodyPr>
+          <a:lstStyle/>
+          <a:p>
+            <a:r>
+              <a:rPr lang="ja-JP" altLang="en-US" sz="2400" dirty="0" smtClean="0">
+                <a:solidFill>
+                  <a:schemeClr val="tx1">
+                    <a:lumMod val="65000"/>
+                    <a:lumOff val="35000"/>
+                  </a:schemeClr>
+                </a:solidFill>
+                <a:latin typeface="HGP創英角ｺﾞｼｯｸUB" panose="020B0900000000000000" pitchFamily="50" charset="-128"/>
+                <a:ea typeface="HGP創英角ｺﾞｼｯｸUB" panose="020B0900000000000000" pitchFamily="50" charset="-128"/>
+              </a:rPr>
+              <a:t>（１）</a:t>
+            </a:r>
+            <a:endParaRPr lang="ja-JP" altLang="en-US" sz="2400" dirty="0">
+              <a:solidFill>
+                <a:schemeClr val="tx1">
+                  <a:lumMod val="65000"/>
+                  <a:lumOff val="35000"/>
+                </a:schemeClr>
+              </a:solidFill>
+              <a:latin typeface="HGP創英角ｺﾞｼｯｸUB" panose="020B0900000000000000" pitchFamily="50" charset="-128"/>
+              <a:ea typeface="HGP創英角ｺﾞｼｯｸUB" panose="020B0900000000000000" pitchFamily="50" charset="-128"/>
+            </a:endParaRPr>
+          </a:p>
+        </p:txBody>
+      </p:sp>
+      <p:sp>
+        <p:nvSpPr>
+          <p:cNvPr id="116" name="テキスト ボックス 115"/>
+          <p:cNvSpPr txBox="1"/>
+          <p:nvPr/>
+        </p:nvSpPr>
+        <p:spPr>
+          <a:xfrm>
+            <a:off x="2302625" y="5069171"/>
+            <a:ext cx="686406" cy="461665"/>
+          </a:xfrm>
+          <a:prstGeom prst="rect">
+            <a:avLst/>
+          </a:prstGeom>
+          <a:noFill/>
+        </p:spPr>
+        <p:txBody>
+          <a:bodyPr wrap="none" rtlCol="0">
+            <a:spAutoFit/>
+          </a:bodyPr>
+          <a:lstStyle/>
+          <a:p>
+            <a:r>
+              <a:rPr lang="ja-JP" altLang="en-US" sz="2400" dirty="0" smtClean="0">
+                <a:solidFill>
+                  <a:schemeClr val="tx1">
+                    <a:lumMod val="65000"/>
+                    <a:lumOff val="35000"/>
+                  </a:schemeClr>
+                </a:solidFill>
+                <a:latin typeface="HGP創英角ｺﾞｼｯｸUB" panose="020B0900000000000000" pitchFamily="50" charset="-128"/>
+                <a:ea typeface="HGP創英角ｺﾞｼｯｸUB" panose="020B0900000000000000" pitchFamily="50" charset="-128"/>
+              </a:rPr>
+              <a:t>（</a:t>
+            </a:r>
+            <a:r>
+              <a:rPr lang="en-US" altLang="ja-JP" sz="2400" dirty="0" smtClean="0">
+                <a:solidFill>
+                  <a:schemeClr val="tx1">
+                    <a:lumMod val="65000"/>
+                    <a:lumOff val="35000"/>
+                  </a:schemeClr>
+                </a:solidFill>
+                <a:latin typeface="HGP創英角ｺﾞｼｯｸUB" panose="020B0900000000000000" pitchFamily="50" charset="-128"/>
+                <a:ea typeface="HGP創英角ｺﾞｼｯｸUB" panose="020B0900000000000000" pitchFamily="50" charset="-128"/>
+              </a:rPr>
+              <a:t>2</a:t>
+            </a:r>
+            <a:r>
+              <a:rPr lang="ja-JP" altLang="en-US" sz="2400" dirty="0" smtClean="0">
+                <a:solidFill>
+                  <a:schemeClr val="tx1">
+                    <a:lumMod val="65000"/>
+                    <a:lumOff val="35000"/>
+                  </a:schemeClr>
+                </a:solidFill>
+                <a:latin typeface="HGP創英角ｺﾞｼｯｸUB" panose="020B0900000000000000" pitchFamily="50" charset="-128"/>
+                <a:ea typeface="HGP創英角ｺﾞｼｯｸUB" panose="020B0900000000000000" pitchFamily="50" charset="-128"/>
+              </a:rPr>
+              <a:t>）</a:t>
+            </a:r>
+            <a:endParaRPr lang="ja-JP" altLang="en-US" sz="2400" dirty="0">
+              <a:solidFill>
+                <a:schemeClr val="tx1">
+                  <a:lumMod val="65000"/>
+                  <a:lumOff val="35000"/>
+                </a:schemeClr>
+              </a:solidFill>
+              <a:latin typeface="HGP創英角ｺﾞｼｯｸUB" panose="020B0900000000000000" pitchFamily="50" charset="-128"/>
+              <a:ea typeface="HGP創英角ｺﾞｼｯｸUB" panose="020B0900000000000000" pitchFamily="50" charset="-128"/>
+            </a:endParaRPr>
+          </a:p>
+        </p:txBody>
+      </p:sp>
+      <p:sp>
+        <p:nvSpPr>
+          <p:cNvPr id="26" name="円形吹き出し 25"/>
+          <p:cNvSpPr/>
+          <p:nvPr/>
+        </p:nvSpPr>
+        <p:spPr>
+          <a:xfrm>
+            <a:off x="4506117" y="4395210"/>
+            <a:ext cx="3730304" cy="958122"/>
+          </a:xfrm>
+          <a:prstGeom prst="wedgeEllipseCallout">
+            <a:avLst>
+              <a:gd name="adj1" fmla="val -74709"/>
+              <a:gd name="adj2" fmla="val 75939"/>
+            </a:avLst>
+          </a:prstGeom>
+          <a:solidFill>
+            <a:schemeClr val="tx2">
+              <a:lumMod val="20000"/>
+              <a:lumOff val="80000"/>
+            </a:schemeClr>
+          </a:solidFill>
+          <a:ln w="12700">
+            <a:solidFill>
+              <a:schemeClr val="tx1"/>
+            </a:solidFill>
+          </a:ln>
+          <a:effectLst/>
+        </p:spPr>
+        <p:style>
+          <a:lnRef idx="3">
+            <a:schemeClr val="lt1"/>
+          </a:lnRef>
+          <a:fillRef idx="1">
+            <a:schemeClr val="accent6"/>
+          </a:fillRef>
+          <a:effectRef idx="1">
+            <a:schemeClr val="accent6"/>
+          </a:effectRef>
+          <a:fontRef idx="minor">
+            <a:schemeClr val="lt1"/>
+          </a:fontRef>
+        </p:style>
+        <p:txBody>
+          <a:bodyPr rtlCol="0" anchor="ctr"/>
+          <a:lstStyle/>
+          <a:p>
+            <a:pPr algn="ctr"/>
+            <a:r>
+              <a:rPr lang="en-US" altLang="ja-JP" sz="1600" dirty="0">
+                <a:solidFill>
+                  <a:schemeClr val="tx1">
+                    <a:lumMod val="75000"/>
+                    <a:lumOff val="25000"/>
+                  </a:schemeClr>
+                </a:solidFill>
+                <a:latin typeface="HGP創英角ｺﾞｼｯｸUB" panose="020B0900000000000000" pitchFamily="50" charset="-128"/>
+                <a:ea typeface="HGP創英角ｺﾞｼｯｸUB" panose="020B0900000000000000" pitchFamily="50" charset="-128"/>
+              </a:rPr>
+              <a:t>Since </a:t>
+            </a:r>
+            <a:r>
+              <a:rPr lang="en-US" altLang="ja-JP" sz="1600" dirty="0" smtClean="0">
+                <a:solidFill>
+                  <a:schemeClr val="tx1">
+                    <a:lumMod val="75000"/>
+                    <a:lumOff val="25000"/>
+                  </a:schemeClr>
+                </a:solidFill>
+                <a:latin typeface="HGP創英角ｺﾞｼｯｸUB" panose="020B0900000000000000" pitchFamily="50" charset="-128"/>
+                <a:ea typeface="HGP創英角ｺﾞｼｯｸUB" panose="020B0900000000000000" pitchFamily="50" charset="-128"/>
+              </a:rPr>
+              <a:t>‘</a:t>
+            </a:r>
+            <a:r>
+              <a:rPr lang="en-US" altLang="ja-JP" sz="1600" dirty="0" err="1" smtClean="0">
+                <a:solidFill>
+                  <a:schemeClr val="tx1">
+                    <a:lumMod val="75000"/>
+                    <a:lumOff val="25000"/>
+                  </a:schemeClr>
+                </a:solidFill>
+                <a:latin typeface="HGP創英角ｺﾞｼｯｸUB" panose="020B0900000000000000" pitchFamily="50" charset="-128"/>
+                <a:ea typeface="HGP創英角ｺﾞｼｯｸUB" panose="020B0900000000000000" pitchFamily="50" charset="-128"/>
+              </a:rPr>
+              <a:t>bcrypt</a:t>
+            </a:r>
+            <a:r>
+              <a:rPr lang="en-US" altLang="ja-JP" sz="1600" dirty="0" smtClean="0">
+                <a:solidFill>
+                  <a:schemeClr val="tx1">
+                    <a:lumMod val="75000"/>
+                    <a:lumOff val="25000"/>
+                  </a:schemeClr>
+                </a:solidFill>
+                <a:latin typeface="HGP創英角ｺﾞｼｯｸUB" panose="020B0900000000000000" pitchFamily="50" charset="-128"/>
+                <a:ea typeface="HGP創英角ｺﾞｼｯｸUB" panose="020B0900000000000000" pitchFamily="50" charset="-128"/>
+              </a:rPr>
+              <a:t>’ </a:t>
+            </a:r>
+            <a:r>
+              <a:rPr lang="en-US" altLang="ja-JP" sz="1600" dirty="0">
+                <a:solidFill>
+                  <a:schemeClr val="tx1">
+                    <a:lumMod val="75000"/>
+                    <a:lumOff val="25000"/>
+                  </a:schemeClr>
+                </a:solidFill>
+                <a:latin typeface="HGP創英角ｺﾞｼｯｸUB" panose="020B0900000000000000" pitchFamily="50" charset="-128"/>
+                <a:ea typeface="HGP創英角ｺﾞｼｯｸUB" panose="020B0900000000000000" pitchFamily="50" charset="-128"/>
+              </a:rPr>
+              <a:t>is given as a </a:t>
+            </a:r>
+            <a:r>
+              <a:rPr lang="en-US" altLang="ja-JP" sz="1600" dirty="0" smtClean="0">
+                <a:solidFill>
+                  <a:schemeClr val="tx1">
+                    <a:lumMod val="75000"/>
+                    <a:lumOff val="25000"/>
+                  </a:schemeClr>
+                </a:solidFill>
+                <a:latin typeface="HGP創英角ｺﾞｼｯｸUB" panose="020B0900000000000000" pitchFamily="50" charset="-128"/>
+                <a:ea typeface="HGP創英角ｺﾞｼｯｸUB" panose="020B0900000000000000" pitchFamily="50" charset="-128"/>
+              </a:rPr>
+              <a:t>password</a:t>
+            </a:r>
+            <a:r>
+              <a:rPr lang="ja-JP" altLang="en-US" sz="1600" dirty="0" smtClean="0">
+                <a:solidFill>
+                  <a:schemeClr val="tx1">
+                    <a:lumMod val="75000"/>
+                    <a:lumOff val="25000"/>
+                  </a:schemeClr>
+                </a:solidFill>
+                <a:latin typeface="HGP創英角ｺﾞｼｯｸUB" panose="020B0900000000000000" pitchFamily="50" charset="-128"/>
+                <a:ea typeface="HGP創英角ｺﾞｼｯｸUB" panose="020B0900000000000000" pitchFamily="50" charset="-128"/>
+              </a:rPr>
+              <a:t> </a:t>
+            </a:r>
+            <a:r>
+              <a:rPr lang="en-US" altLang="ja-JP" sz="1600" dirty="0" smtClean="0">
+                <a:solidFill>
+                  <a:schemeClr val="tx1">
+                    <a:lumMod val="75000"/>
+                    <a:lumOff val="25000"/>
+                  </a:schemeClr>
+                </a:solidFill>
+                <a:latin typeface="HGP創英角ｺﾞｼｯｸUB" panose="020B0900000000000000" pitchFamily="50" charset="-128"/>
+                <a:ea typeface="HGP創英角ｺﾞｼｯｸUB" panose="020B0900000000000000" pitchFamily="50" charset="-128"/>
+              </a:rPr>
+              <a:t>prefix</a:t>
+            </a:r>
+            <a:r>
+              <a:rPr lang="en-US" altLang="ja-JP" sz="1600" dirty="0">
+                <a:solidFill>
+                  <a:schemeClr val="tx1">
+                    <a:lumMod val="75000"/>
+                    <a:lumOff val="25000"/>
+                  </a:schemeClr>
+                </a:solidFill>
+                <a:latin typeface="HGP創英角ｺﾞｼｯｸUB" panose="020B0900000000000000" pitchFamily="50" charset="-128"/>
+                <a:ea typeface="HGP創英角ｺﾞｼｯｸUB" panose="020B0900000000000000" pitchFamily="50" charset="-128"/>
+              </a:rPr>
+              <a:t>, use this</a:t>
+            </a:r>
+            <a:endParaRPr lang="en-US" altLang="ja-JP" sz="1600" dirty="0">
+              <a:solidFill>
+                <a:schemeClr val="tx1">
+                  <a:lumMod val="75000"/>
+                  <a:lumOff val="25000"/>
+                </a:schemeClr>
+              </a:solidFill>
+              <a:latin typeface="HGP創英角ｺﾞｼｯｸUB" panose="020B0900000000000000" pitchFamily="50" charset="-128"/>
+              <a:ea typeface="HGP創英角ｺﾞｼｯｸUB" panose="020B0900000000000000" pitchFamily="50" charset="-128"/>
+            </a:endParaRPr>
+          </a:p>
+        </p:txBody>
+      </p:sp>
+      <p:sp>
+        <p:nvSpPr>
+          <p:cNvPr id="29" name="円形吹き出し 28"/>
+          <p:cNvSpPr/>
+          <p:nvPr/>
+        </p:nvSpPr>
+        <p:spPr>
+          <a:xfrm>
+            <a:off x="-1507684" y="4081497"/>
+            <a:ext cx="3719128" cy="958122"/>
+          </a:xfrm>
+          <a:prstGeom prst="wedgeEllipseCallout">
+            <a:avLst>
+              <a:gd name="adj1" fmla="val 19681"/>
+              <a:gd name="adj2" fmla="val 111728"/>
+            </a:avLst>
+          </a:prstGeom>
+          <a:solidFill>
+            <a:schemeClr val="accent3">
+              <a:lumMod val="60000"/>
+              <a:lumOff val="40000"/>
+            </a:schemeClr>
+          </a:solidFill>
+          <a:ln w="12700">
+            <a:solidFill>
+              <a:schemeClr val="tx1"/>
+            </a:solidFill>
+          </a:ln>
+          <a:effectLst/>
+        </p:spPr>
+        <p:style>
+          <a:lnRef idx="3">
+            <a:schemeClr val="lt1"/>
+          </a:lnRef>
+          <a:fillRef idx="1">
+            <a:schemeClr val="accent6"/>
+          </a:fillRef>
+          <a:effectRef idx="1">
+            <a:schemeClr val="accent6"/>
+          </a:effectRef>
+          <a:fontRef idx="minor">
+            <a:schemeClr val="lt1"/>
+          </a:fontRef>
+        </p:style>
+        <p:txBody>
+          <a:bodyPr rtlCol="0" anchor="ctr"/>
+          <a:lstStyle/>
+          <a:p>
+            <a:pPr algn="ctr"/>
+            <a:r>
+              <a:rPr lang="en-US" altLang="ja-JP" sz="1600" dirty="0">
+                <a:solidFill>
+                  <a:schemeClr val="tx1">
+                    <a:lumMod val="75000"/>
+                    <a:lumOff val="25000"/>
+                  </a:schemeClr>
+                </a:solidFill>
+                <a:latin typeface="HGP創英角ｺﾞｼｯｸUB" panose="020B0900000000000000" pitchFamily="50" charset="-128"/>
+                <a:ea typeface="HGP創英角ｺﾞｼｯｸUB" panose="020B0900000000000000" pitchFamily="50" charset="-128"/>
+              </a:rPr>
+              <a:t>Since </a:t>
+            </a:r>
+            <a:r>
+              <a:rPr lang="en-US" altLang="ja-JP" sz="1600" dirty="0" smtClean="0">
+                <a:solidFill>
+                  <a:schemeClr val="tx1">
+                    <a:lumMod val="75000"/>
+                    <a:lumOff val="25000"/>
+                  </a:schemeClr>
+                </a:solidFill>
+                <a:latin typeface="HGP創英角ｺﾞｼｯｸUB" panose="020B0900000000000000" pitchFamily="50" charset="-128"/>
+                <a:ea typeface="HGP創英角ｺﾞｼｯｸUB" panose="020B0900000000000000" pitchFamily="50" charset="-128"/>
+              </a:rPr>
+              <a:t>‘pbkdf2’ </a:t>
+            </a:r>
+            <a:r>
+              <a:rPr lang="en-US" altLang="ja-JP" sz="1600" dirty="0">
+                <a:solidFill>
+                  <a:schemeClr val="tx1">
+                    <a:lumMod val="75000"/>
+                    <a:lumOff val="25000"/>
+                  </a:schemeClr>
+                </a:solidFill>
+                <a:latin typeface="HGP創英角ｺﾞｼｯｸUB" panose="020B0900000000000000" pitchFamily="50" charset="-128"/>
+                <a:ea typeface="HGP創英角ｺﾞｼｯｸUB" panose="020B0900000000000000" pitchFamily="50" charset="-128"/>
+              </a:rPr>
+              <a:t>is given as a </a:t>
+            </a:r>
+            <a:r>
+              <a:rPr lang="en-US" altLang="ja-JP" sz="1600" dirty="0" smtClean="0">
+                <a:solidFill>
+                  <a:schemeClr val="tx1">
+                    <a:lumMod val="75000"/>
+                    <a:lumOff val="25000"/>
+                  </a:schemeClr>
+                </a:solidFill>
+                <a:latin typeface="HGP創英角ｺﾞｼｯｸUB" panose="020B0900000000000000" pitchFamily="50" charset="-128"/>
+                <a:ea typeface="HGP創英角ｺﾞｼｯｸUB" panose="020B0900000000000000" pitchFamily="50" charset="-128"/>
+              </a:rPr>
+              <a:t>password prefix</a:t>
+            </a:r>
+            <a:r>
+              <a:rPr lang="en-US" altLang="ja-JP" sz="1600" dirty="0">
+                <a:solidFill>
+                  <a:schemeClr val="tx1">
+                    <a:lumMod val="75000"/>
+                    <a:lumOff val="25000"/>
+                  </a:schemeClr>
+                </a:solidFill>
+                <a:latin typeface="HGP創英角ｺﾞｼｯｸUB" panose="020B0900000000000000" pitchFamily="50" charset="-128"/>
+                <a:ea typeface="HGP創英角ｺﾞｼｯｸUB" panose="020B0900000000000000" pitchFamily="50" charset="-128"/>
+              </a:rPr>
+              <a:t>, use this</a:t>
+            </a:r>
+            <a:endParaRPr lang="en-US" altLang="ja-JP" sz="1600" dirty="0">
+              <a:solidFill>
+                <a:schemeClr val="tx1">
+                  <a:lumMod val="75000"/>
+                  <a:lumOff val="25000"/>
+                </a:schemeClr>
+              </a:solidFill>
+              <a:latin typeface="HGP創英角ｺﾞｼｯｸUB" panose="020B0900000000000000" pitchFamily="50" charset="-128"/>
+              <a:ea typeface="HGP創英角ｺﾞｼｯｸUB" panose="020B0900000000000000" pitchFamily="50" charset="-128"/>
+            </a:endParaRPr>
+          </a:p>
+        </p:txBody>
+      </p:sp>
     </p:spTree>
     <p:extLst>
       <p:ext uri="{BB962C8B-B14F-4D97-AF65-F5344CB8AC3E}">
-        <p14:creationId xmlns:p14="http://schemas.microsoft.com/office/powerpoint/2010/main" val="278198681"/>
+        <p14:creationId xmlns:p14="http://schemas.microsoft.com/office/powerpoint/2010/main" val="1446428594"/>
       </p:ext>
     </p:extLst>
   </p:cSld>
